--- a/images/boltzmann_machine3/fig.pptx
+++ b/images/boltzmann_machine3/fig.pptx
@@ -5,18 +5,19 @@
     <p:sldMasterId id="2147483648" r:id="rId1"/>
   </p:sldMasterIdLst>
   <p:notesMasterIdLst>
-    <p:notesMasterId r:id="rId11"/>
+    <p:notesMasterId r:id="rId12"/>
   </p:notesMasterIdLst>
   <p:sldIdLst>
     <p:sldId id="264" r:id="rId2"/>
-    <p:sldId id="256" r:id="rId3"/>
-    <p:sldId id="257" r:id="rId4"/>
-    <p:sldId id="263" r:id="rId5"/>
-    <p:sldId id="258" r:id="rId6"/>
-    <p:sldId id="259" r:id="rId7"/>
-    <p:sldId id="262" r:id="rId8"/>
-    <p:sldId id="261" r:id="rId9"/>
-    <p:sldId id="260" r:id="rId10"/>
+    <p:sldId id="265" r:id="rId3"/>
+    <p:sldId id="256" r:id="rId4"/>
+    <p:sldId id="257" r:id="rId5"/>
+    <p:sldId id="263" r:id="rId6"/>
+    <p:sldId id="258" r:id="rId7"/>
+    <p:sldId id="259" r:id="rId8"/>
+    <p:sldId id="262" r:id="rId9"/>
+    <p:sldId id="261" r:id="rId10"/>
+    <p:sldId id="260" r:id="rId11"/>
   </p:sldIdLst>
   <p:sldSz cx="9144000" cy="6858000" type="screen4x3"/>
   <p:notesSz cx="6858000" cy="9144000"/>
@@ -220,7 +221,7 @@
             <a:fld id="{D2C63D3F-0352-EF45-A95C-C8137A1B6577}" type="datetimeFigureOut">
               <a:rPr lang="ja-JP" altLang="en-US" smtClean="0"/>
               <a:pPr/>
-              <a:t>2023/8/12</a:t>
+              <a:t>2025/3/13</a:t>
             </a:fld>
             <a:endParaRPr lang="ja-JP" altLang="en-US"/>
           </a:p>
@@ -2545,6 +2546,1049 @@
 </p:sld>
 </file>
 
+<file path=ppt/slides/slide10.xml><?xml version="1.0" encoding="utf-8"?>
+<p:sld xmlns:a="http://schemas.openxmlformats.org/drawingml/2006/main" xmlns:r="http://schemas.openxmlformats.org/officeDocument/2006/relationships" xmlns:p="http://schemas.openxmlformats.org/presentationml/2006/main">
+  <p:cSld>
+    <p:spTree>
+      <p:nvGrpSpPr>
+        <p:cNvPr id="1" name=""/>
+        <p:cNvGrpSpPr/>
+        <p:nvPr/>
+      </p:nvGrpSpPr>
+      <p:grpSpPr>
+        <a:xfrm>
+          <a:off x="0" y="0"/>
+          <a:ext cx="0" cy="0"/>
+          <a:chOff x="0" y="0"/>
+          <a:chExt cx="0" cy="0"/>
+        </a:xfrm>
+      </p:grpSpPr>
+      <p:pic>
+        <p:nvPicPr>
+          <p:cNvPr id="3074" name="Picture 2" descr="玩具のロボットのイラスト（緑）">
+            <a:extLst>
+              <a:ext uri="{FF2B5EF4-FFF2-40B4-BE49-F238E27FC236}">
+                <a16:creationId xmlns:a16="http://schemas.microsoft.com/office/drawing/2014/main" id="{0B096DD6-F1DB-0060-8A42-01421C41F966}"/>
+              </a:ext>
+            </a:extLst>
+          </p:cNvPr>
+          <p:cNvPicPr>
+            <a:picLocks noChangeAspect="1" noChangeArrowheads="1"/>
+          </p:cNvPicPr>
+          <p:nvPr/>
+        </p:nvPicPr>
+        <p:blipFill>
+          <a:blip r:embed="rId2">
+            <a:extLst>
+              <a:ext uri="{28A0092B-C50C-407E-A947-70E740481C1C}">
+                <a14:useLocalDpi xmlns:a14="http://schemas.microsoft.com/office/drawing/2010/main" val="0"/>
+              </a:ext>
+            </a:extLst>
+          </a:blip>
+          <a:srcRect/>
+          <a:stretch>
+            <a:fillRect/>
+          </a:stretch>
+        </p:blipFill>
+        <p:spPr bwMode="auto">
+          <a:xfrm>
+            <a:off x="5508104" y="2132856"/>
+            <a:ext cx="1330592" cy="1622673"/>
+          </a:xfrm>
+          <a:prstGeom prst="rect">
+            <a:avLst/>
+          </a:prstGeom>
+          <a:noFill/>
+          <a:extLst>
+            <a:ext uri="{909E8E84-426E-40DD-AFC4-6F175D3DCCD1}">
+              <a14:hiddenFill xmlns:a14="http://schemas.microsoft.com/office/drawing/2010/main">
+                <a:solidFill>
+                  <a:srgbClr val="FFFFFF"/>
+                </a:solidFill>
+              </a14:hiddenFill>
+            </a:ext>
+          </a:extLst>
+        </p:spPr>
+      </p:pic>
+      <p:pic>
+        <p:nvPicPr>
+          <p:cNvPr id="3" name="Picture 2" descr="カレーライスのイラスト（白米）">
+            <a:extLst>
+              <a:ext uri="{FF2B5EF4-FFF2-40B4-BE49-F238E27FC236}">
+                <a16:creationId xmlns:a16="http://schemas.microsoft.com/office/drawing/2014/main" id="{A1A76E40-F61E-3D36-E901-7C20D9D02532}"/>
+              </a:ext>
+            </a:extLst>
+          </p:cNvPr>
+          <p:cNvPicPr>
+            <a:picLocks noChangeAspect="1" noChangeArrowheads="1"/>
+          </p:cNvPicPr>
+          <p:nvPr/>
+        </p:nvPicPr>
+        <p:blipFill>
+          <a:blip r:embed="rId3">
+            <a:extLst>
+              <a:ext uri="{28A0092B-C50C-407E-A947-70E740481C1C}">
+                <a14:useLocalDpi xmlns:a14="http://schemas.microsoft.com/office/drawing/2010/main" val="0"/>
+              </a:ext>
+            </a:extLst>
+          </a:blip>
+          <a:srcRect/>
+          <a:stretch>
+            <a:fillRect/>
+          </a:stretch>
+        </p:blipFill>
+        <p:spPr bwMode="auto">
+          <a:xfrm>
+            <a:off x="467544" y="3645024"/>
+            <a:ext cx="1053849" cy="761113"/>
+          </a:xfrm>
+          <a:prstGeom prst="rect">
+            <a:avLst/>
+          </a:prstGeom>
+          <a:noFill/>
+          <a:extLst>
+            <a:ext uri="{909E8E84-426E-40DD-AFC4-6F175D3DCCD1}">
+              <a14:hiddenFill xmlns:a14="http://schemas.microsoft.com/office/drawing/2010/main">
+                <a:solidFill>
+                  <a:srgbClr val="FFFFFF"/>
+                </a:solidFill>
+              </a14:hiddenFill>
+            </a:ext>
+          </a:extLst>
+        </p:spPr>
+      </p:pic>
+      <p:pic>
+        <p:nvPicPr>
+          <p:cNvPr id="4" name="Picture 2" descr="白人の女の子の表情イラスト「笑顔」">
+            <a:extLst>
+              <a:ext uri="{FF2B5EF4-FFF2-40B4-BE49-F238E27FC236}">
+                <a16:creationId xmlns:a16="http://schemas.microsoft.com/office/drawing/2014/main" id="{BB0E8EE2-4C0D-E5D3-FA09-13A6E11FCA1E}"/>
+              </a:ext>
+            </a:extLst>
+          </p:cNvPr>
+          <p:cNvPicPr>
+            <a:picLocks noChangeAspect="1" noChangeArrowheads="1"/>
+          </p:cNvPicPr>
+          <p:nvPr/>
+        </p:nvPicPr>
+        <p:blipFill>
+          <a:blip r:embed="rId4">
+            <a:extLst>
+              <a:ext uri="{28A0092B-C50C-407E-A947-70E740481C1C}">
+                <a14:useLocalDpi xmlns:a14="http://schemas.microsoft.com/office/drawing/2010/main" val="0"/>
+              </a:ext>
+            </a:extLst>
+          </a:blip>
+          <a:srcRect/>
+          <a:stretch>
+            <a:fillRect/>
+          </a:stretch>
+        </p:blipFill>
+        <p:spPr bwMode="auto">
+          <a:xfrm>
+            <a:off x="611560" y="1628800"/>
+            <a:ext cx="774806" cy="887183"/>
+          </a:xfrm>
+          <a:prstGeom prst="rect">
+            <a:avLst/>
+          </a:prstGeom>
+          <a:noFill/>
+          <a:extLst>
+            <a:ext uri="{909E8E84-426E-40DD-AFC4-6F175D3DCCD1}">
+              <a14:hiddenFill xmlns:a14="http://schemas.microsoft.com/office/drawing/2010/main">
+                <a:solidFill>
+                  <a:srgbClr val="FFFFFF"/>
+                </a:solidFill>
+              </a14:hiddenFill>
+            </a:ext>
+          </a:extLst>
+        </p:spPr>
+      </p:pic>
+      <p:pic>
+        <p:nvPicPr>
+          <p:cNvPr id="5" name="Picture 4" descr="白人の男の子の表情イラスト「笑顔」">
+            <a:extLst>
+              <a:ext uri="{FF2B5EF4-FFF2-40B4-BE49-F238E27FC236}">
+                <a16:creationId xmlns:a16="http://schemas.microsoft.com/office/drawing/2014/main" id="{EA6C5CEE-7C82-0BDF-7969-B75BA5979550}"/>
+              </a:ext>
+            </a:extLst>
+          </p:cNvPr>
+          <p:cNvPicPr>
+            <a:picLocks noChangeAspect="1" noChangeArrowheads="1"/>
+          </p:cNvPicPr>
+          <p:nvPr/>
+        </p:nvPicPr>
+        <p:blipFill>
+          <a:blip r:embed="rId5">
+            <a:extLst>
+              <a:ext uri="{28A0092B-C50C-407E-A947-70E740481C1C}">
+                <a14:useLocalDpi xmlns:a14="http://schemas.microsoft.com/office/drawing/2010/main" val="0"/>
+              </a:ext>
+            </a:extLst>
+          </a:blip>
+          <a:srcRect/>
+          <a:stretch>
+            <a:fillRect/>
+          </a:stretch>
+        </p:blipFill>
+        <p:spPr bwMode="auto">
+          <a:xfrm>
+            <a:off x="611560" y="2636912"/>
+            <a:ext cx="754546" cy="863984"/>
+          </a:xfrm>
+          <a:prstGeom prst="rect">
+            <a:avLst/>
+          </a:prstGeom>
+          <a:noFill/>
+          <a:extLst>
+            <a:ext uri="{909E8E84-426E-40DD-AFC4-6F175D3DCCD1}">
+              <a14:hiddenFill xmlns:a14="http://schemas.microsoft.com/office/drawing/2010/main">
+                <a:solidFill>
+                  <a:srgbClr val="FFFFFF"/>
+                </a:solidFill>
+              </a14:hiddenFill>
+            </a:ext>
+          </a:extLst>
+        </p:spPr>
+      </p:pic>
+      <p:pic>
+        <p:nvPicPr>
+          <p:cNvPr id="3076" name="Picture 4" descr="丸のマークのイラスト「○」">
+            <a:extLst>
+              <a:ext uri="{FF2B5EF4-FFF2-40B4-BE49-F238E27FC236}">
+                <a16:creationId xmlns:a16="http://schemas.microsoft.com/office/drawing/2014/main" id="{ABCFF662-91EE-717F-EB4E-C0283CF9A291}"/>
+              </a:ext>
+            </a:extLst>
+          </p:cNvPr>
+          <p:cNvPicPr>
+            <a:picLocks noChangeAspect="1" noChangeArrowheads="1"/>
+          </p:cNvPicPr>
+          <p:nvPr/>
+        </p:nvPicPr>
+        <p:blipFill>
+          <a:blip r:embed="rId6">
+            <a:extLst>
+              <a:ext uri="{28A0092B-C50C-407E-A947-70E740481C1C}">
+                <a14:useLocalDpi xmlns:a14="http://schemas.microsoft.com/office/drawing/2010/main" val="0"/>
+              </a:ext>
+            </a:extLst>
+          </a:blip>
+          <a:srcRect/>
+          <a:stretch>
+            <a:fillRect/>
+          </a:stretch>
+        </p:blipFill>
+        <p:spPr bwMode="auto">
+          <a:xfrm>
+            <a:off x="1547664" y="1772816"/>
+            <a:ext cx="641226" cy="641226"/>
+          </a:xfrm>
+          <a:prstGeom prst="rect">
+            <a:avLst/>
+          </a:prstGeom>
+          <a:noFill/>
+          <a:extLst>
+            <a:ext uri="{909E8E84-426E-40DD-AFC4-6F175D3DCCD1}">
+              <a14:hiddenFill xmlns:a14="http://schemas.microsoft.com/office/drawing/2010/main">
+                <a:solidFill>
+                  <a:srgbClr val="FFFFFF"/>
+                </a:solidFill>
+              </a14:hiddenFill>
+            </a:ext>
+          </a:extLst>
+        </p:spPr>
+      </p:pic>
+      <p:pic>
+        <p:nvPicPr>
+          <p:cNvPr id="7" name="Picture 4" descr="丸のマークのイラスト「○」">
+            <a:extLst>
+              <a:ext uri="{FF2B5EF4-FFF2-40B4-BE49-F238E27FC236}">
+                <a16:creationId xmlns:a16="http://schemas.microsoft.com/office/drawing/2014/main" id="{61C1784E-28A7-C144-F585-EE6B7C2D6F9A}"/>
+              </a:ext>
+            </a:extLst>
+          </p:cNvPr>
+          <p:cNvPicPr>
+            <a:picLocks noChangeAspect="1" noChangeArrowheads="1"/>
+          </p:cNvPicPr>
+          <p:nvPr/>
+        </p:nvPicPr>
+        <p:blipFill>
+          <a:blip r:embed="rId6">
+            <a:extLst>
+              <a:ext uri="{28A0092B-C50C-407E-A947-70E740481C1C}">
+                <a14:useLocalDpi xmlns:a14="http://schemas.microsoft.com/office/drawing/2010/main" val="0"/>
+              </a:ext>
+            </a:extLst>
+          </a:blip>
+          <a:srcRect/>
+          <a:stretch>
+            <a:fillRect/>
+          </a:stretch>
+        </p:blipFill>
+        <p:spPr bwMode="auto">
+          <a:xfrm>
+            <a:off x="1547664" y="3645024"/>
+            <a:ext cx="641226" cy="641226"/>
+          </a:xfrm>
+          <a:prstGeom prst="rect">
+            <a:avLst/>
+          </a:prstGeom>
+          <a:noFill/>
+          <a:extLst>
+            <a:ext uri="{909E8E84-426E-40DD-AFC4-6F175D3DCCD1}">
+              <a14:hiddenFill xmlns:a14="http://schemas.microsoft.com/office/drawing/2010/main">
+                <a:solidFill>
+                  <a:srgbClr val="FFFFFF"/>
+                </a:solidFill>
+              </a14:hiddenFill>
+            </a:ext>
+          </a:extLst>
+        </p:spPr>
+      </p:pic>
+      <p:pic>
+        <p:nvPicPr>
+          <p:cNvPr id="3078" name="Picture 6" descr="バツのマークのイラスト「×」">
+            <a:extLst>
+              <a:ext uri="{FF2B5EF4-FFF2-40B4-BE49-F238E27FC236}">
+                <a16:creationId xmlns:a16="http://schemas.microsoft.com/office/drawing/2014/main" id="{EFBDE4A8-450D-8AF1-CDDB-64111249F77A}"/>
+              </a:ext>
+            </a:extLst>
+          </p:cNvPr>
+          <p:cNvPicPr>
+            <a:picLocks noChangeAspect="1" noChangeArrowheads="1"/>
+          </p:cNvPicPr>
+          <p:nvPr/>
+        </p:nvPicPr>
+        <p:blipFill>
+          <a:blip r:embed="rId7">
+            <a:extLst>
+              <a:ext uri="{28A0092B-C50C-407E-A947-70E740481C1C}">
+                <a14:useLocalDpi xmlns:a14="http://schemas.microsoft.com/office/drawing/2010/main" val="0"/>
+              </a:ext>
+            </a:extLst>
+          </a:blip>
+          <a:srcRect/>
+          <a:stretch>
+            <a:fillRect/>
+          </a:stretch>
+        </p:blipFill>
+        <p:spPr bwMode="auto">
+          <a:xfrm>
+            <a:off x="1547664" y="2636912"/>
+            <a:ext cx="713234" cy="713234"/>
+          </a:xfrm>
+          <a:prstGeom prst="rect">
+            <a:avLst/>
+          </a:prstGeom>
+          <a:noFill/>
+          <a:extLst>
+            <a:ext uri="{909E8E84-426E-40DD-AFC4-6F175D3DCCD1}">
+              <a14:hiddenFill xmlns:a14="http://schemas.microsoft.com/office/drawing/2010/main">
+                <a:solidFill>
+                  <a:srgbClr val="FFFFFF"/>
+                </a:solidFill>
+              </a14:hiddenFill>
+            </a:ext>
+          </a:extLst>
+        </p:spPr>
+      </p:pic>
+      <mc:AlternateContent xmlns:mc="http://schemas.openxmlformats.org/markup-compatibility/2006" xmlns:a14="http://schemas.microsoft.com/office/drawing/2010/main">
+        <mc:Choice Requires="a14">
+          <p:sp>
+            <p:nvSpPr>
+              <p:cNvPr id="2" name="テキスト ボックス 1">
+                <a:extLst>
+                  <a:ext uri="{FF2B5EF4-FFF2-40B4-BE49-F238E27FC236}">
+                    <a16:creationId xmlns:a16="http://schemas.microsoft.com/office/drawing/2014/main" id="{08AE8EF2-4F82-5550-366D-B290D44F6791}"/>
+                  </a:ext>
+                </a:extLst>
+              </p:cNvPr>
+              <p:cNvSpPr txBox="1"/>
+              <p:nvPr/>
+            </p:nvSpPr>
+            <p:spPr>
+              <a:xfrm>
+                <a:off x="3203848" y="2492896"/>
+                <a:ext cx="1706365" cy="995401"/>
+              </a:xfrm>
+              <a:prstGeom prst="rect">
+                <a:avLst/>
+              </a:prstGeom>
+              <a:noFill/>
+            </p:spPr>
+            <p:txBody>
+              <a:bodyPr wrap="none" lIns="0" tIns="0" rIns="0" bIns="0" rtlCol="0">
+                <a:spAutoFit/>
+              </a:bodyPr>
+              <a:lstStyle/>
+              <a:p>
+                <a:pPr/>
+                <a14:m>
+                  <m:oMathPara xmlns:m="http://schemas.openxmlformats.org/officeDocument/2006/math">
+                    <m:oMathParaPr>
+                      <m:jc m:val="centerGroup"/>
+                    </m:oMathParaPr>
+                    <m:oMath xmlns:m="http://schemas.openxmlformats.org/officeDocument/2006/math">
+                      <m:d>
+                        <m:dPr>
+                          <m:ctrlPr>
+                            <a:rPr kumimoji="1" lang="en-US" altLang="ja-JP" sz="2400" i="1" smtClean="0">
+                              <a:latin typeface="Cambria Math" panose="02040503050406030204" pitchFamily="18" charset="0"/>
+                            </a:rPr>
+                          </m:ctrlPr>
+                        </m:dPr>
+                        <m:e>
+                          <m:m>
+                            <m:mPr>
+                              <m:mcs>
+                                <m:mc>
+                                  <m:mcPr>
+                                    <m:count m:val="1"/>
+                                    <m:mcJc m:val="center"/>
+                                  </m:mcPr>
+                                </m:mc>
+                              </m:mcs>
+                              <m:ctrlPr>
+                                <a:rPr lang="en-US" altLang="ja-JP" sz="2400" i="1">
+                                  <a:latin typeface="Cambria Math" panose="02040503050406030204" pitchFamily="18" charset="0"/>
+                                </a:rPr>
+                              </m:ctrlPr>
+                            </m:mPr>
+                            <m:mr>
+                              <m:e>
+                                <m:sSub>
+                                  <m:sSubPr>
+                                    <m:ctrlPr>
+                                      <a:rPr lang="en-US" altLang="ja-JP" sz="2400" b="0" i="1" smtClean="0">
+                                        <a:latin typeface="Cambria Math" panose="02040503050406030204" pitchFamily="18" charset="0"/>
+                                      </a:rPr>
+                                    </m:ctrlPr>
+                                  </m:sSubPr>
+                                  <m:e>
+                                    <m:r>
+                                      <m:rPr>
+                                        <m:brk m:alnAt="7"/>
+                                      </m:rPr>
+                                      <a:rPr lang="en-US" altLang="ja-JP" sz="2400" b="0" i="1" smtClean="0">
+                                        <a:latin typeface="Cambria Math" panose="02040503050406030204" pitchFamily="18" charset="0"/>
+                                      </a:rPr>
+                                      <m:t>𝑣</m:t>
+                                    </m:r>
+                                  </m:e>
+                                  <m:sub>
+                                    <m:r>
+                                      <m:rPr>
+                                        <m:brk m:alnAt="7"/>
+                                      </m:rPr>
+                                      <a:rPr lang="en-US" altLang="ja-JP" sz="2400" b="0" i="1" smtClean="0">
+                                        <a:latin typeface="Cambria Math" panose="02040503050406030204" pitchFamily="18" charset="0"/>
+                                      </a:rPr>
+                                      <m:t>𝑎</m:t>
+                                    </m:r>
+                                  </m:sub>
+                                </m:sSub>
+                              </m:e>
+                            </m:mr>
+                            <m:mr>
+                              <m:e>
+                                <m:sSub>
+                                  <m:sSubPr>
+                                    <m:ctrlPr>
+                                      <a:rPr lang="en-US" altLang="ja-JP" sz="2400" b="0" i="1" smtClean="0">
+                                        <a:latin typeface="Cambria Math" panose="02040503050406030204" pitchFamily="18" charset="0"/>
+                                      </a:rPr>
+                                    </m:ctrlPr>
+                                  </m:sSubPr>
+                                  <m:e>
+                                    <m:r>
+                                      <a:rPr lang="en-US" altLang="ja-JP" sz="2400" b="0" i="1" smtClean="0">
+                                        <a:latin typeface="Cambria Math" panose="02040503050406030204" pitchFamily="18" charset="0"/>
+                                      </a:rPr>
+                                      <m:t>𝑣</m:t>
+                                    </m:r>
+                                  </m:e>
+                                  <m:sub>
+                                    <m:r>
+                                      <a:rPr lang="en-US" altLang="ja-JP" sz="2400" b="0" i="1" smtClean="0">
+                                        <a:latin typeface="Cambria Math" panose="02040503050406030204" pitchFamily="18" charset="0"/>
+                                      </a:rPr>
+                                      <m:t>𝑏</m:t>
+                                    </m:r>
+                                  </m:sub>
+                                </m:sSub>
+                              </m:e>
+                            </m:mr>
+                            <m:mr>
+                              <m:e>
+                                <m:sSub>
+                                  <m:sSubPr>
+                                    <m:ctrlPr>
+                                      <a:rPr lang="en-US" altLang="ja-JP" sz="2400" b="0" i="1" smtClean="0">
+                                        <a:latin typeface="Cambria Math" panose="02040503050406030204" pitchFamily="18" charset="0"/>
+                                      </a:rPr>
+                                    </m:ctrlPr>
+                                  </m:sSubPr>
+                                  <m:e>
+                                    <m:r>
+                                      <a:rPr lang="en-US" altLang="ja-JP" sz="2400" b="0" i="1" smtClean="0">
+                                        <a:latin typeface="Cambria Math" panose="02040503050406030204" pitchFamily="18" charset="0"/>
+                                      </a:rPr>
+                                      <m:t>h</m:t>
+                                    </m:r>
+                                  </m:e>
+                                  <m:sub>
+                                    <m:r>
+                                      <a:rPr lang="en-US" altLang="ja-JP" sz="2400" b="0" i="1" smtClean="0">
+                                        <a:latin typeface="Cambria Math" panose="02040503050406030204" pitchFamily="18" charset="0"/>
+                                      </a:rPr>
+                                      <m:t>𝑐</m:t>
+                                    </m:r>
+                                  </m:sub>
+                                </m:sSub>
+                              </m:e>
+                            </m:mr>
+                          </m:m>
+                        </m:e>
+                      </m:d>
+                      <m:r>
+                        <a:rPr kumimoji="1" lang="en-US" altLang="ja-JP" sz="2400" b="0" i="1" smtClean="0">
+                          <a:latin typeface="Cambria Math" panose="02040503050406030204" pitchFamily="18" charset="0"/>
+                        </a:rPr>
+                        <m:t>=</m:t>
+                      </m:r>
+                      <m:d>
+                        <m:dPr>
+                          <m:ctrlPr>
+                            <a:rPr lang="en-US" altLang="ja-JP" sz="2400" i="1">
+                              <a:latin typeface="Cambria Math" panose="02040503050406030204" pitchFamily="18" charset="0"/>
+                            </a:rPr>
+                          </m:ctrlPr>
+                        </m:dPr>
+                        <m:e>
+                          <m:m>
+                            <m:mPr>
+                              <m:mcs>
+                                <m:mc>
+                                  <m:mcPr>
+                                    <m:count m:val="1"/>
+                                    <m:mcJc m:val="center"/>
+                                  </m:mcPr>
+                                </m:mc>
+                              </m:mcs>
+                              <m:ctrlPr>
+                                <a:rPr lang="en-US" altLang="ja-JP" sz="2400" i="1">
+                                  <a:latin typeface="Cambria Math" panose="02040503050406030204" pitchFamily="18" charset="0"/>
+                                </a:rPr>
+                              </m:ctrlPr>
+                            </m:mPr>
+                            <m:mr>
+                              <m:e>
+                                <m:r>
+                                  <a:rPr lang="en-US" altLang="ja-JP" sz="2400" b="0" i="1" smtClean="0">
+                                    <a:latin typeface="Cambria Math" panose="02040503050406030204" pitchFamily="18" charset="0"/>
+                                  </a:rPr>
+                                  <m:t>1</m:t>
+                                </m:r>
+                              </m:e>
+                            </m:mr>
+                            <m:mr>
+                              <m:e>
+                                <m:r>
+                                  <a:rPr lang="en-US" altLang="ja-JP" sz="2400" b="0" i="1" smtClean="0">
+                                    <a:latin typeface="Cambria Math" panose="02040503050406030204" pitchFamily="18" charset="0"/>
+                                  </a:rPr>
+                                  <m:t>0</m:t>
+                                </m:r>
+                              </m:e>
+                            </m:mr>
+                            <m:mr>
+                              <m:e>
+                                <m:r>
+                                  <a:rPr lang="en-US" altLang="ja-JP" sz="2400" b="0" i="1" smtClean="0">
+                                    <a:latin typeface="Cambria Math" panose="02040503050406030204" pitchFamily="18" charset="0"/>
+                                  </a:rPr>
+                                  <m:t>1</m:t>
+                                </m:r>
+                              </m:e>
+                            </m:mr>
+                          </m:m>
+                        </m:e>
+                      </m:d>
+                    </m:oMath>
+                  </m:oMathPara>
+                </a14:m>
+                <a:endParaRPr kumimoji="1" lang="ja-JP" altLang="en-US" sz="2400" dirty="0"/>
+              </a:p>
+            </p:txBody>
+          </p:sp>
+        </mc:Choice>
+        <mc:Fallback xmlns="">
+          <p:sp>
+            <p:nvSpPr>
+              <p:cNvPr id="2" name="テキスト ボックス 1">
+                <a:extLst>
+                  <a:ext uri="{FF2B5EF4-FFF2-40B4-BE49-F238E27FC236}">
+                    <a16:creationId xmlns:a16="http://schemas.microsoft.com/office/drawing/2014/main" id="{08AE8EF2-4F82-5550-366D-B290D44F6791}"/>
+                  </a:ext>
+                </a:extLst>
+              </p:cNvPr>
+              <p:cNvSpPr txBox="1">
+                <a:spLocks noRot="1" noChangeAspect="1" noMove="1" noResize="1" noEditPoints="1" noAdjustHandles="1" noChangeArrowheads="1" noChangeShapeType="1" noTextEdit="1"/>
+              </p:cNvSpPr>
+              <p:nvPr/>
+            </p:nvSpPr>
+            <p:spPr>
+              <a:xfrm>
+                <a:off x="3203848" y="2492896"/>
+                <a:ext cx="1706365" cy="995401"/>
+              </a:xfrm>
+              <a:prstGeom prst="rect">
+                <a:avLst/>
+              </a:prstGeom>
+              <a:blipFill>
+                <a:blip r:embed="rId8"/>
+                <a:stretch>
+                  <a:fillRect/>
+                </a:stretch>
+              </a:blipFill>
+            </p:spPr>
+            <p:txBody>
+              <a:bodyPr/>
+              <a:lstStyle/>
+              <a:p>
+                <a:r>
+                  <a:rPr lang="ja-JP" altLang="en-US">
+                    <a:noFill/>
+                  </a:rPr>
+                  <a:t> </a:t>
+                </a:r>
+              </a:p>
+            </p:txBody>
+          </p:sp>
+        </mc:Fallback>
+      </mc:AlternateContent>
+      <p:sp>
+        <p:nvSpPr>
+          <p:cNvPr id="6" name="左大かっこ 5">
+            <a:extLst>
+              <a:ext uri="{FF2B5EF4-FFF2-40B4-BE49-F238E27FC236}">
+                <a16:creationId xmlns:a16="http://schemas.microsoft.com/office/drawing/2014/main" id="{78945CB6-8507-F959-6C90-23FBD58636BB}"/>
+              </a:ext>
+            </a:extLst>
+          </p:cNvPr>
+          <p:cNvSpPr/>
+          <p:nvPr/>
+        </p:nvSpPr>
+        <p:spPr>
+          <a:xfrm>
+            <a:off x="323528" y="1628800"/>
+            <a:ext cx="216024" cy="2808312"/>
+          </a:xfrm>
+          <a:prstGeom prst="leftBracket">
+            <a:avLst/>
+          </a:prstGeom>
+          <a:ln w="9525">
+            <a:solidFill>
+              <a:schemeClr val="tx1"/>
+            </a:solidFill>
+            <a:headEnd type="none"/>
+            <a:tailEnd type="none"/>
+          </a:ln>
+          <a:effectLst/>
+        </p:spPr>
+        <p:style>
+          <a:lnRef idx="2">
+            <a:schemeClr val="accent1"/>
+          </a:lnRef>
+          <a:fillRef idx="0">
+            <a:schemeClr val="accent1"/>
+          </a:fillRef>
+          <a:effectRef idx="1">
+            <a:schemeClr val="accent1"/>
+          </a:effectRef>
+          <a:fontRef idx="minor">
+            <a:schemeClr val="tx1"/>
+          </a:fontRef>
+        </p:style>
+        <p:txBody>
+          <a:bodyPr rtlCol="0" anchor="ctr"/>
+          <a:lstStyle/>
+          <a:p>
+            <a:pPr algn="ctr"/>
+            <a:endParaRPr kumimoji="1" lang="ja-JP" altLang="en-US"/>
+          </a:p>
+        </p:txBody>
+      </p:sp>
+      <p:sp>
+        <p:nvSpPr>
+          <p:cNvPr id="11" name="左大かっこ 10">
+            <a:extLst>
+              <a:ext uri="{FF2B5EF4-FFF2-40B4-BE49-F238E27FC236}">
+                <a16:creationId xmlns:a16="http://schemas.microsoft.com/office/drawing/2014/main" id="{97BAACE3-B2F0-EAFF-7000-8F85F937B17E}"/>
+              </a:ext>
+            </a:extLst>
+          </p:cNvPr>
+          <p:cNvSpPr/>
+          <p:nvPr/>
+        </p:nvSpPr>
+        <p:spPr>
+          <a:xfrm rot="10800000">
+            <a:off x="2123728" y="1556792"/>
+            <a:ext cx="216024" cy="2808312"/>
+          </a:xfrm>
+          <a:prstGeom prst="leftBracket">
+            <a:avLst/>
+          </a:prstGeom>
+          <a:ln w="9525">
+            <a:solidFill>
+              <a:schemeClr val="tx1"/>
+            </a:solidFill>
+            <a:headEnd type="none"/>
+            <a:tailEnd type="none"/>
+          </a:ln>
+          <a:effectLst/>
+        </p:spPr>
+        <p:style>
+          <a:lnRef idx="2">
+            <a:schemeClr val="accent1"/>
+          </a:lnRef>
+          <a:fillRef idx="0">
+            <a:schemeClr val="accent1"/>
+          </a:fillRef>
+          <a:effectRef idx="1">
+            <a:schemeClr val="accent1"/>
+          </a:effectRef>
+          <a:fontRef idx="minor">
+            <a:schemeClr val="tx1"/>
+          </a:fontRef>
+        </p:style>
+        <p:txBody>
+          <a:bodyPr rtlCol="0" anchor="ctr"/>
+          <a:lstStyle/>
+          <a:p>
+            <a:pPr algn="ctr"/>
+            <a:endParaRPr kumimoji="1" lang="ja-JP" altLang="en-US"/>
+          </a:p>
+        </p:txBody>
+      </p:sp>
+      <p:sp>
+        <p:nvSpPr>
+          <p:cNvPr id="8" name="矢印: 右 7">
+            <a:extLst>
+              <a:ext uri="{FF2B5EF4-FFF2-40B4-BE49-F238E27FC236}">
+                <a16:creationId xmlns:a16="http://schemas.microsoft.com/office/drawing/2014/main" id="{F6BE52AE-320E-EBB8-FD81-062D873AE2D0}"/>
+              </a:ext>
+            </a:extLst>
+          </p:cNvPr>
+          <p:cNvSpPr/>
+          <p:nvPr/>
+        </p:nvSpPr>
+        <p:spPr>
+          <a:xfrm>
+            <a:off x="2555776" y="2708920"/>
+            <a:ext cx="504056" cy="556640"/>
+          </a:xfrm>
+          <a:prstGeom prst="rightArrow">
+            <a:avLst/>
+          </a:prstGeom>
+          <a:solidFill>
+            <a:srgbClr val="FF0000"/>
+          </a:solidFill>
+          <a:ln>
+            <a:solidFill>
+              <a:schemeClr val="tx1"/>
+            </a:solidFill>
+          </a:ln>
+        </p:spPr>
+        <p:txBody>
+          <a:bodyPr wrap="square" rtlCol="0" anchor="ctr">
+            <a:spAutoFit/>
+          </a:bodyPr>
+          <a:lstStyle/>
+          <a:p>
+            <a:pPr algn="ctr"/>
+            <a:endParaRPr kumimoji="1" lang="ja-JP" altLang="en-US" sz="2400" dirty="0"/>
+          </a:p>
+        </p:txBody>
+      </p:sp>
+      <p:sp>
+        <p:nvSpPr>
+          <p:cNvPr id="13" name="矢印: 右 12">
+            <a:extLst>
+              <a:ext uri="{FF2B5EF4-FFF2-40B4-BE49-F238E27FC236}">
+                <a16:creationId xmlns:a16="http://schemas.microsoft.com/office/drawing/2014/main" id="{B4855C8A-214D-CD1C-AE68-A65EFFFFF549}"/>
+              </a:ext>
+            </a:extLst>
+          </p:cNvPr>
+          <p:cNvSpPr/>
+          <p:nvPr/>
+        </p:nvSpPr>
+        <p:spPr>
+          <a:xfrm>
+            <a:off x="5004048" y="2708920"/>
+            <a:ext cx="504056" cy="556640"/>
+          </a:xfrm>
+          <a:prstGeom prst="rightArrow">
+            <a:avLst/>
+          </a:prstGeom>
+          <a:solidFill>
+            <a:srgbClr val="FF0000"/>
+          </a:solidFill>
+          <a:ln>
+            <a:solidFill>
+              <a:schemeClr val="tx1"/>
+            </a:solidFill>
+          </a:ln>
+        </p:spPr>
+        <p:txBody>
+          <a:bodyPr wrap="square" rtlCol="0" anchor="ctr">
+            <a:spAutoFit/>
+          </a:bodyPr>
+          <a:lstStyle/>
+          <a:p>
+            <a:pPr algn="ctr"/>
+            <a:endParaRPr kumimoji="1" lang="ja-JP" altLang="en-US" sz="2400" dirty="0"/>
+          </a:p>
+        </p:txBody>
+      </p:sp>
+      <p:sp>
+        <p:nvSpPr>
+          <p:cNvPr id="14" name="矢印: 右 13">
+            <a:extLst>
+              <a:ext uri="{FF2B5EF4-FFF2-40B4-BE49-F238E27FC236}">
+                <a16:creationId xmlns:a16="http://schemas.microsoft.com/office/drawing/2014/main" id="{E7AB4E95-DDB0-9C21-16CD-BE228D60ADBA}"/>
+              </a:ext>
+            </a:extLst>
+          </p:cNvPr>
+          <p:cNvSpPr/>
+          <p:nvPr/>
+        </p:nvSpPr>
+        <p:spPr>
+          <a:xfrm>
+            <a:off x="6876256" y="2708920"/>
+            <a:ext cx="504056" cy="556640"/>
+          </a:xfrm>
+          <a:prstGeom prst="rightArrow">
+            <a:avLst/>
+          </a:prstGeom>
+          <a:solidFill>
+            <a:srgbClr val="FF0000"/>
+          </a:solidFill>
+          <a:ln>
+            <a:solidFill>
+              <a:schemeClr val="tx1"/>
+            </a:solidFill>
+          </a:ln>
+        </p:spPr>
+        <p:txBody>
+          <a:bodyPr wrap="square" rtlCol="0" anchor="ctr">
+            <a:spAutoFit/>
+          </a:bodyPr>
+          <a:lstStyle/>
+          <a:p>
+            <a:pPr algn="ctr"/>
+            <a:endParaRPr kumimoji="1" lang="ja-JP" altLang="en-US" sz="2400" dirty="0"/>
+          </a:p>
+        </p:txBody>
+      </p:sp>
+      <mc:AlternateContent xmlns:mc="http://schemas.openxmlformats.org/markup-compatibility/2006" xmlns:a14="http://schemas.microsoft.com/office/drawing/2010/main">
+        <mc:Choice Requires="a14">
+          <p:sp>
+            <p:nvSpPr>
+              <p:cNvPr id="15" name="テキスト ボックス 14">
+                <a:extLst>
+                  <a:ext uri="{FF2B5EF4-FFF2-40B4-BE49-F238E27FC236}">
+                    <a16:creationId xmlns:a16="http://schemas.microsoft.com/office/drawing/2014/main" id="{A7D1186D-22FA-AD3E-E6D9-097807F8B38E}"/>
+                  </a:ext>
+                </a:extLst>
+              </p:cNvPr>
+              <p:cNvSpPr txBox="1"/>
+              <p:nvPr/>
+            </p:nvSpPr>
+            <p:spPr>
+              <a:xfrm>
+                <a:off x="7668344" y="2636912"/>
+                <a:ext cx="578684" cy="693844"/>
+              </a:xfrm>
+              <a:prstGeom prst="rect">
+                <a:avLst/>
+              </a:prstGeom>
+              <a:noFill/>
+            </p:spPr>
+            <p:txBody>
+              <a:bodyPr wrap="none" lIns="0" tIns="0" rIns="0" bIns="0" rtlCol="0">
+                <a:spAutoFit/>
+              </a:bodyPr>
+              <a:lstStyle/>
+              <a:p>
+                <a:pPr/>
+                <a14:m>
+                  <m:oMathPara xmlns:m="http://schemas.openxmlformats.org/officeDocument/2006/math">
+                    <m:oMathParaPr>
+                      <m:jc m:val="centerGroup"/>
+                    </m:oMathParaPr>
+                    <m:oMath xmlns:m="http://schemas.openxmlformats.org/officeDocument/2006/math">
+                      <m:f>
+                        <m:fPr>
+                          <m:ctrlPr>
+                            <a:rPr kumimoji="1" lang="en-US" altLang="ja-JP" sz="2400" b="0" i="1" smtClean="0">
+                              <a:latin typeface="Cambria Math" panose="02040503050406030204" pitchFamily="18" charset="0"/>
+                            </a:rPr>
+                          </m:ctrlPr>
+                        </m:fPr>
+                        <m:num>
+                          <m:r>
+                            <a:rPr kumimoji="1" lang="en-US" altLang="ja-JP" sz="2400" b="0" i="1" smtClean="0">
+                              <a:latin typeface="Cambria Math" panose="02040503050406030204" pitchFamily="18" charset="0"/>
+                            </a:rPr>
+                            <m:t>1</m:t>
+                          </m:r>
+                        </m:num>
+                        <m:den>
+                          <m:r>
+                            <a:rPr kumimoji="1" lang="en-US" altLang="ja-JP" sz="2400" b="0" i="1" smtClean="0">
+                              <a:latin typeface="Cambria Math" panose="02040503050406030204" pitchFamily="18" charset="0"/>
+                            </a:rPr>
+                            <m:t>113</m:t>
+                          </m:r>
+                        </m:den>
+                      </m:f>
+                    </m:oMath>
+                  </m:oMathPara>
+                </a14:m>
+                <a:endParaRPr kumimoji="1" lang="ja-JP" altLang="en-US" sz="2400" dirty="0"/>
+              </a:p>
+            </p:txBody>
+          </p:sp>
+        </mc:Choice>
+        <mc:Fallback xmlns="">
+          <p:sp>
+            <p:nvSpPr>
+              <p:cNvPr id="15" name="テキスト ボックス 14">
+                <a:extLst>
+                  <a:ext uri="{FF2B5EF4-FFF2-40B4-BE49-F238E27FC236}">
+                    <a16:creationId xmlns:a16="http://schemas.microsoft.com/office/drawing/2014/main" id="{A7D1186D-22FA-AD3E-E6D9-097807F8B38E}"/>
+                  </a:ext>
+                </a:extLst>
+              </p:cNvPr>
+              <p:cNvSpPr txBox="1">
+                <a:spLocks noRot="1" noChangeAspect="1" noMove="1" noResize="1" noEditPoints="1" noAdjustHandles="1" noChangeArrowheads="1" noChangeShapeType="1" noTextEdit="1"/>
+              </p:cNvSpPr>
+              <p:nvPr/>
+            </p:nvSpPr>
+            <p:spPr>
+              <a:xfrm>
+                <a:off x="7668344" y="2636912"/>
+                <a:ext cx="578684" cy="693844"/>
+              </a:xfrm>
+              <a:prstGeom prst="rect">
+                <a:avLst/>
+              </a:prstGeom>
+              <a:blipFill>
+                <a:blip r:embed="rId9"/>
+                <a:stretch>
+                  <a:fillRect/>
+                </a:stretch>
+              </a:blipFill>
+            </p:spPr>
+            <p:txBody>
+              <a:bodyPr/>
+              <a:lstStyle/>
+              <a:p>
+                <a:r>
+                  <a:rPr lang="ja-JP" altLang="en-US">
+                    <a:noFill/>
+                  </a:rPr>
+                  <a:t> </a:t>
+                </a:r>
+              </a:p>
+            </p:txBody>
+          </p:sp>
+        </mc:Fallback>
+      </mc:AlternateContent>
+      <p:pic>
+        <p:nvPicPr>
+          <p:cNvPr id="10" name="図 9">
+            <a:extLst>
+              <a:ext uri="{FF2B5EF4-FFF2-40B4-BE49-F238E27FC236}">
+                <a16:creationId xmlns:a16="http://schemas.microsoft.com/office/drawing/2014/main" id="{E99D4574-F93F-FFD9-7E8C-5A2F73BB0763}"/>
+              </a:ext>
+            </a:extLst>
+          </p:cNvPr>
+          <p:cNvPicPr>
+            <a:picLocks noChangeAspect="1"/>
+          </p:cNvPicPr>
+          <p:nvPr/>
+        </p:nvPicPr>
+        <p:blipFill>
+          <a:blip r:embed="rId10"/>
+          <a:stretch>
+            <a:fillRect/>
+          </a:stretch>
+        </p:blipFill>
+        <p:spPr>
+          <a:xfrm>
+            <a:off x="6516216" y="836712"/>
+            <a:ext cx="1080120" cy="1102089"/>
+          </a:xfrm>
+          <a:prstGeom prst="rect">
+            <a:avLst/>
+          </a:prstGeom>
+        </p:spPr>
+      </p:pic>
+      <p:sp>
+        <p:nvSpPr>
+          <p:cNvPr id="16" name="思考の吹き出し: 雲形 15">
+            <a:extLst>
+              <a:ext uri="{FF2B5EF4-FFF2-40B4-BE49-F238E27FC236}">
+                <a16:creationId xmlns:a16="http://schemas.microsoft.com/office/drawing/2014/main" id="{5402D0B8-E8E6-11E4-9340-91FE47323E9D}"/>
+              </a:ext>
+            </a:extLst>
+          </p:cNvPr>
+          <p:cNvSpPr/>
+          <p:nvPr/>
+        </p:nvSpPr>
+        <p:spPr>
+          <a:xfrm>
+            <a:off x="6156176" y="764704"/>
+            <a:ext cx="1800200" cy="1440160"/>
+          </a:xfrm>
+          <a:prstGeom prst="cloudCallout">
+            <a:avLst>
+              <a:gd name="adj1" fmla="val -32945"/>
+              <a:gd name="adj2" fmla="val 60800"/>
+            </a:avLst>
+          </a:prstGeom>
+          <a:ln>
+            <a:solidFill>
+              <a:schemeClr val="tx1"/>
+            </a:solidFill>
+          </a:ln>
+        </p:spPr>
+        <p:txBody>
+          <a:bodyPr wrap="square" rtlCol="0" anchor="ctr">
+            <a:spAutoFit/>
+          </a:bodyPr>
+          <a:lstStyle/>
+          <a:p>
+            <a:pPr algn="ctr"/>
+            <a:endParaRPr kumimoji="1" lang="ja-JP" altLang="en-US" sz="2400" dirty="0"/>
+          </a:p>
+        </p:txBody>
+      </p:sp>
+    </p:spTree>
+    <p:extLst>
+      <p:ext uri="{BB962C8B-B14F-4D97-AF65-F5344CB8AC3E}">
+        <p14:creationId xmlns:p14="http://schemas.microsoft.com/office/powerpoint/2010/main" val="1135671542"/>
+      </p:ext>
+    </p:extLst>
+  </p:cSld>
+  <p:clrMapOvr>
+    <a:masterClrMapping/>
+  </p:clrMapOvr>
+</p:sld>
+</file>
+
 <file path=ppt/slides/slide2.xml><?xml version="1.0" encoding="utf-8"?>
 <p:sld xmlns:a="http://schemas.openxmlformats.org/drawingml/2006/main" xmlns:r="http://schemas.openxmlformats.org/officeDocument/2006/relationships" xmlns:p="http://schemas.openxmlformats.org/presentationml/2006/main">
   <p:cSld>
@@ -2564,10 +3608,10 @@
       </p:grpSpPr>
       <p:pic>
         <p:nvPicPr>
-          <p:cNvPr id="1026" name="Picture 2" descr="白人の女の子の表情イラスト「笑顔」">
-            <a:extLst>
-              <a:ext uri="{FF2B5EF4-FFF2-40B4-BE49-F238E27FC236}">
-                <a16:creationId xmlns:a16="http://schemas.microsoft.com/office/drawing/2014/main" id="{10B8D19B-4162-E9F6-074C-69EB3F478BD9}"/>
+          <p:cNvPr id="2" name="Picture 2" descr="白人の女の子の表情イラスト「笑顔」">
+            <a:extLst>
+              <a:ext uri="{FF2B5EF4-FFF2-40B4-BE49-F238E27FC236}">
+                <a16:creationId xmlns:a16="http://schemas.microsoft.com/office/drawing/2014/main" id="{3C380CDC-79BF-3A73-4D41-67C6CB3A40B0}"/>
               </a:ext>
             </a:extLst>
           </p:cNvPr>
@@ -2591,8 +3635,8 @@
         </p:blipFill>
         <p:spPr bwMode="auto">
           <a:xfrm>
-            <a:off x="899592" y="2924944"/>
-            <a:ext cx="1152128" cy="1319231"/>
+            <a:off x="1505783" y="1268761"/>
+            <a:ext cx="720080" cy="824519"/>
           </a:xfrm>
           <a:prstGeom prst="rect">
             <a:avLst/>
@@ -2611,10 +3655,10 @@
       </p:pic>
       <p:pic>
         <p:nvPicPr>
-          <p:cNvPr id="1028" name="Picture 4" descr="白人の男の子の表情イラスト「笑顔」">
-            <a:extLst>
-              <a:ext uri="{FF2B5EF4-FFF2-40B4-BE49-F238E27FC236}">
-                <a16:creationId xmlns:a16="http://schemas.microsoft.com/office/drawing/2014/main" id="{997949EF-9652-4E37-C88D-C2B32DDB042C}"/>
+          <p:cNvPr id="3" name="Picture 4" descr="白人の男の子の表情イラスト「笑顔」">
+            <a:extLst>
+              <a:ext uri="{FF2B5EF4-FFF2-40B4-BE49-F238E27FC236}">
+                <a16:creationId xmlns:a16="http://schemas.microsoft.com/office/drawing/2014/main" id="{94E78D73-711A-EC79-B14C-942635169C22}"/>
               </a:ext>
             </a:extLst>
           </p:cNvPr>
@@ -2638,8 +3682,8 @@
         </p:blipFill>
         <p:spPr bwMode="auto">
           <a:xfrm>
-            <a:off x="5292080" y="2996952"/>
-            <a:ext cx="1122001" cy="1284734"/>
+            <a:off x="2483768" y="1268760"/>
+            <a:ext cx="720081" cy="824520"/>
           </a:xfrm>
           <a:prstGeom prst="rect">
             <a:avLst/>
@@ -2656,12 +3700,88 @@
           </a:extLst>
         </p:spPr>
       </p:pic>
+      <p:sp>
+        <p:nvSpPr>
+          <p:cNvPr id="4" name="テキスト ボックス 3">
+            <a:extLst>
+              <a:ext uri="{FF2B5EF4-FFF2-40B4-BE49-F238E27FC236}">
+                <a16:creationId xmlns:a16="http://schemas.microsoft.com/office/drawing/2014/main" id="{A4AF323A-4301-8C7A-64FA-345FB24BD384}"/>
+              </a:ext>
+            </a:extLst>
+          </p:cNvPr>
+          <p:cNvSpPr txBox="1"/>
+          <p:nvPr/>
+        </p:nvSpPr>
+        <p:spPr>
+          <a:xfrm>
+            <a:off x="1505783" y="2093280"/>
+            <a:ext cx="787395" cy="461665"/>
+          </a:xfrm>
+          <a:prstGeom prst="rect">
+            <a:avLst/>
+          </a:prstGeom>
+          <a:noFill/>
+        </p:spPr>
+        <p:txBody>
+          <a:bodyPr wrap="none" rtlCol="0">
+            <a:spAutoFit/>
+          </a:bodyPr>
+          <a:lstStyle/>
+          <a:p>
+            <a:r>
+              <a:rPr lang="en-US" altLang="ja-JP" sz="2400" dirty="0"/>
+              <a:t>A</a:t>
+            </a:r>
+            <a:r>
+              <a:rPr kumimoji="1" lang="en-US" altLang="ja-JP" sz="2400" dirty="0"/>
+              <a:t>lice</a:t>
+            </a:r>
+            <a:endParaRPr kumimoji="1" lang="ja-JP" altLang="en-US" sz="2400" dirty="0"/>
+          </a:p>
+        </p:txBody>
+      </p:sp>
+      <p:sp>
+        <p:nvSpPr>
+          <p:cNvPr id="5" name="テキスト ボックス 4">
+            <a:extLst>
+              <a:ext uri="{FF2B5EF4-FFF2-40B4-BE49-F238E27FC236}">
+                <a16:creationId xmlns:a16="http://schemas.microsoft.com/office/drawing/2014/main" id="{782163A3-5F09-EC48-12B0-780B034399E4}"/>
+              </a:ext>
+            </a:extLst>
+          </p:cNvPr>
+          <p:cNvSpPr txBox="1"/>
+          <p:nvPr/>
+        </p:nvSpPr>
+        <p:spPr>
+          <a:xfrm>
+            <a:off x="2515040" y="2103240"/>
+            <a:ext cx="675185" cy="461665"/>
+          </a:xfrm>
+          <a:prstGeom prst="rect">
+            <a:avLst/>
+          </a:prstGeom>
+          <a:noFill/>
+        </p:spPr>
+        <p:txBody>
+          <a:bodyPr wrap="none" rtlCol="0">
+            <a:spAutoFit/>
+          </a:bodyPr>
+          <a:lstStyle/>
+          <a:p>
+            <a:r>
+              <a:rPr lang="en-US" altLang="ja-JP" sz="2400" dirty="0"/>
+              <a:t>Bob</a:t>
+            </a:r>
+            <a:endParaRPr kumimoji="1" lang="ja-JP" altLang="en-US" sz="2400" dirty="0"/>
+          </a:p>
+        </p:txBody>
+      </p:sp>
       <p:pic>
         <p:nvPicPr>
-          <p:cNvPr id="1030" name="Picture 6" descr="食堂のイラスト">
-            <a:extLst>
-              <a:ext uri="{FF2B5EF4-FFF2-40B4-BE49-F238E27FC236}">
-                <a16:creationId xmlns:a16="http://schemas.microsoft.com/office/drawing/2014/main" id="{DE9683C7-A6E3-81BF-8BED-61A0619996C3}"/>
+          <p:cNvPr id="6" name="Picture 4" descr="丸のマークのイラスト「○」">
+            <a:extLst>
+              <a:ext uri="{FF2B5EF4-FFF2-40B4-BE49-F238E27FC236}">
+                <a16:creationId xmlns:a16="http://schemas.microsoft.com/office/drawing/2014/main" id="{E763A556-E849-4874-9E4B-7C964AE97D22}"/>
               </a:ext>
             </a:extLst>
           </p:cNvPr>
@@ -2685,8 +3805,8 @@
         </p:blipFill>
         <p:spPr bwMode="auto">
           <a:xfrm>
-            <a:off x="683568" y="647062"/>
-            <a:ext cx="2376264" cy="2328739"/>
+            <a:off x="1556374" y="2597186"/>
+            <a:ext cx="641226" cy="641226"/>
           </a:xfrm>
           <a:prstGeom prst="rect">
             <a:avLst/>
@@ -2705,10 +3825,10 @@
       </p:pic>
       <p:pic>
         <p:nvPicPr>
-          <p:cNvPr id="1032" name="Picture 8" descr="五感のイラスト（視覚・男性）">
-            <a:extLst>
-              <a:ext uri="{FF2B5EF4-FFF2-40B4-BE49-F238E27FC236}">
-                <a16:creationId xmlns:a16="http://schemas.microsoft.com/office/drawing/2014/main" id="{862D861B-FF71-D744-3CFD-F063FD94E318}"/>
+          <p:cNvPr id="7" name="Picture 6" descr="バツのマークのイラスト「×」">
+            <a:extLst>
+              <a:ext uri="{FF2B5EF4-FFF2-40B4-BE49-F238E27FC236}">
+                <a16:creationId xmlns:a16="http://schemas.microsoft.com/office/drawing/2014/main" id="{0A11ED2A-2FA7-5CAC-E97C-69CA1C382D87}"/>
               </a:ext>
             </a:extLst>
           </p:cNvPr>
@@ -2732,8 +3852,8 @@
         </p:blipFill>
         <p:spPr bwMode="auto">
           <a:xfrm>
-            <a:off x="3203848" y="2924944"/>
-            <a:ext cx="1121195" cy="1359024"/>
+            <a:off x="2476991" y="2558448"/>
+            <a:ext cx="713234" cy="713234"/>
           </a:xfrm>
           <a:prstGeom prst="rect">
             <a:avLst/>
@@ -2750,12 +3870,380 @@
           </a:extLst>
         </p:spPr>
       </p:pic>
+      <p:sp>
+        <p:nvSpPr>
+          <p:cNvPr id="8" name="テキスト ボックス 7">
+            <a:extLst>
+              <a:ext uri="{FF2B5EF4-FFF2-40B4-BE49-F238E27FC236}">
+                <a16:creationId xmlns:a16="http://schemas.microsoft.com/office/drawing/2014/main" id="{A10C4999-E444-D7A7-FA44-F0872C769A44}"/>
+              </a:ext>
+            </a:extLst>
+          </p:cNvPr>
+          <p:cNvSpPr txBox="1"/>
+          <p:nvPr/>
+        </p:nvSpPr>
+        <p:spPr>
+          <a:xfrm>
+            <a:off x="395536" y="2708920"/>
+            <a:ext cx="955711" cy="461665"/>
+          </a:xfrm>
+          <a:prstGeom prst="rect">
+            <a:avLst/>
+          </a:prstGeom>
+          <a:noFill/>
+        </p:spPr>
+        <p:txBody>
+          <a:bodyPr wrap="none" rtlCol="0">
+            <a:spAutoFit/>
+          </a:bodyPr>
+          <a:lstStyle/>
+          <a:p>
+            <a:r>
+              <a:rPr kumimoji="1" lang="en-US" altLang="ja-JP" sz="2400" dirty="0"/>
+              <a:t>1</a:t>
+            </a:r>
+            <a:r>
+              <a:rPr kumimoji="1" lang="ja-JP" altLang="en-US" sz="2400"/>
+              <a:t>日目</a:t>
+            </a:r>
+            <a:endParaRPr kumimoji="1" lang="ja-JP" altLang="en-US" sz="2400" dirty="0"/>
+          </a:p>
+        </p:txBody>
+      </p:sp>
+      <p:sp>
+        <p:nvSpPr>
+          <p:cNvPr id="10" name="テキスト ボックス 9">
+            <a:extLst>
+              <a:ext uri="{FF2B5EF4-FFF2-40B4-BE49-F238E27FC236}">
+                <a16:creationId xmlns:a16="http://schemas.microsoft.com/office/drawing/2014/main" id="{7BC399F1-E382-60E8-07E2-EC4497ED7A11}"/>
+              </a:ext>
+            </a:extLst>
+          </p:cNvPr>
+          <p:cNvSpPr txBox="1"/>
+          <p:nvPr/>
+        </p:nvSpPr>
+        <p:spPr>
+          <a:xfrm>
+            <a:off x="2275340" y="602702"/>
+            <a:ext cx="1415772" cy="461665"/>
+          </a:xfrm>
+          <a:prstGeom prst="rect">
+            <a:avLst/>
+          </a:prstGeom>
+          <a:noFill/>
+        </p:spPr>
+        <p:txBody>
+          <a:bodyPr wrap="none" rtlCol="0">
+            <a:spAutoFit/>
+          </a:bodyPr>
+          <a:lstStyle/>
+          <a:p>
+            <a:r>
+              <a:rPr kumimoji="1" lang="ja-JP" altLang="en-US" sz="2400"/>
+              <a:t>観測事実</a:t>
+            </a:r>
+            <a:endParaRPr kumimoji="1" lang="ja-JP" altLang="en-US" sz="2400" dirty="0"/>
+          </a:p>
+        </p:txBody>
+      </p:sp>
+      <mc:AlternateContent xmlns:mc="http://schemas.openxmlformats.org/markup-compatibility/2006">
+        <mc:Choice xmlns:a14="http://schemas.microsoft.com/office/drawing/2010/main" Requires="a14">
+          <p:sp>
+            <p:nvSpPr>
+              <p:cNvPr id="12" name="テキスト ボックス 11">
+                <a:extLst>
+                  <a:ext uri="{FF2B5EF4-FFF2-40B4-BE49-F238E27FC236}">
+                    <a16:creationId xmlns:a16="http://schemas.microsoft.com/office/drawing/2014/main" id="{4F566AD0-CAD7-31B1-E8CE-49BB859DBA63}"/>
+                  </a:ext>
+                </a:extLst>
+              </p:cNvPr>
+              <p:cNvSpPr txBox="1"/>
+              <p:nvPr/>
+            </p:nvSpPr>
+            <p:spPr>
+              <a:xfrm>
+                <a:off x="3461754" y="2139446"/>
+                <a:ext cx="713234" cy="369332"/>
+              </a:xfrm>
+              <a:prstGeom prst="rect">
+                <a:avLst/>
+              </a:prstGeom>
+              <a:noFill/>
+            </p:spPr>
+            <p:txBody>
+              <a:bodyPr wrap="square" lIns="0" tIns="0" rIns="0" bIns="0" rtlCol="0">
+                <a:spAutoFit/>
+              </a:bodyPr>
+              <a:lstStyle/>
+              <a:p>
+                <a14:m>
+                  <m:oMathPara xmlns:m="http://schemas.openxmlformats.org/officeDocument/2006/math">
+                    <m:oMathParaPr>
+                      <m:jc m:val="centerGroup"/>
+                    </m:oMathParaPr>
+                    <m:oMath xmlns:m="http://schemas.openxmlformats.org/officeDocument/2006/math">
+                      <m:sSub>
+                        <m:sSubPr>
+                          <m:ctrlPr>
+                            <a:rPr kumimoji="1" lang="en-US" altLang="ja-JP" sz="2400" b="0" i="1" smtClean="0">
+                              <a:latin typeface="Cambria Math" panose="02040503050406030204" pitchFamily="18" charset="0"/>
+                            </a:rPr>
+                          </m:ctrlPr>
+                        </m:sSubPr>
+                        <m:e>
+                          <m:r>
+                            <a:rPr kumimoji="1" lang="en-US" altLang="ja-JP" sz="2400" b="0" i="1" smtClean="0">
+                              <a:latin typeface="Cambria Math" panose="02040503050406030204" pitchFamily="18" charset="0"/>
+                            </a:rPr>
+                            <m:t>𝑌</m:t>
+                          </m:r>
+                        </m:e>
+                        <m:sub>
+                          <m:r>
+                            <a:rPr kumimoji="1" lang="en-US" altLang="ja-JP" sz="2400" b="0" i="1" smtClean="0">
+                              <a:latin typeface="Cambria Math" panose="02040503050406030204" pitchFamily="18" charset="0"/>
+                            </a:rPr>
+                            <m:t>𝑡</m:t>
+                          </m:r>
+                        </m:sub>
+                      </m:sSub>
+                    </m:oMath>
+                  </m:oMathPara>
+                </a14:m>
+                <a:endParaRPr kumimoji="1" lang="ja-JP" altLang="en-US" sz="2400" dirty="0"/>
+              </a:p>
+            </p:txBody>
+          </p:sp>
+        </mc:Choice>
+        <mc:Fallback>
+          <p:sp>
+            <p:nvSpPr>
+              <p:cNvPr id="12" name="テキスト ボックス 11">
+                <a:extLst>
+                  <a:ext uri="{FF2B5EF4-FFF2-40B4-BE49-F238E27FC236}">
+                    <a16:creationId xmlns:a16="http://schemas.microsoft.com/office/drawing/2014/main" id="{4F566AD0-CAD7-31B1-E8CE-49BB859DBA63}"/>
+                  </a:ext>
+                </a:extLst>
+              </p:cNvPr>
+              <p:cNvSpPr txBox="1">
+                <a:spLocks noRot="1" noChangeAspect="1" noMove="1" noResize="1" noEditPoints="1" noAdjustHandles="1" noChangeArrowheads="1" noChangeShapeType="1" noTextEdit="1"/>
+              </p:cNvSpPr>
+              <p:nvPr/>
+            </p:nvSpPr>
+            <p:spPr>
+              <a:xfrm>
+                <a:off x="3461754" y="2139446"/>
+                <a:ext cx="713234" cy="369332"/>
+              </a:xfrm>
+              <a:prstGeom prst="rect">
+                <a:avLst/>
+              </a:prstGeom>
+              <a:blipFill>
+                <a:blip r:embed="rId6"/>
+                <a:stretch>
+                  <a:fillRect b="-16667"/>
+                </a:stretch>
+              </a:blipFill>
+            </p:spPr>
+            <p:txBody>
+              <a:bodyPr/>
+              <a:lstStyle/>
+              <a:p>
+                <a:r>
+                  <a:rPr lang="ja-JP" altLang="en-US">
+                    <a:noFill/>
+                  </a:rPr>
+                  <a:t> </a:t>
+                </a:r>
+              </a:p>
+            </p:txBody>
+          </p:sp>
+        </mc:Fallback>
+      </mc:AlternateContent>
+      <p:sp>
+        <p:nvSpPr>
+          <p:cNvPr id="14" name="テキスト ボックス 13">
+            <a:extLst>
+              <a:ext uri="{FF2B5EF4-FFF2-40B4-BE49-F238E27FC236}">
+                <a16:creationId xmlns:a16="http://schemas.microsoft.com/office/drawing/2014/main" id="{02D4C8FA-0B51-10A5-15F6-E5ABCC093CEB}"/>
+              </a:ext>
+            </a:extLst>
+          </p:cNvPr>
+          <p:cNvSpPr txBox="1"/>
+          <p:nvPr/>
+        </p:nvSpPr>
+        <p:spPr>
+          <a:xfrm>
+            <a:off x="3648292" y="2684232"/>
+            <a:ext cx="340158" cy="461665"/>
+          </a:xfrm>
+          <a:prstGeom prst="rect">
+            <a:avLst/>
+          </a:prstGeom>
+          <a:noFill/>
+        </p:spPr>
+        <p:txBody>
+          <a:bodyPr wrap="none" rtlCol="0">
+            <a:spAutoFit/>
+          </a:bodyPr>
+          <a:lstStyle/>
+          <a:p>
+            <a:r>
+              <a:rPr kumimoji="1" lang="en-US" altLang="ja-JP" sz="2400" dirty="0"/>
+              <a:t>2</a:t>
+            </a:r>
+            <a:endParaRPr kumimoji="1" lang="ja-JP" altLang="en-US" sz="2400" dirty="0"/>
+          </a:p>
+        </p:txBody>
+      </p:sp>
+      <p:sp>
+        <p:nvSpPr>
+          <p:cNvPr id="15" name="テキスト ボックス 14">
+            <a:extLst>
+              <a:ext uri="{FF2B5EF4-FFF2-40B4-BE49-F238E27FC236}">
+                <a16:creationId xmlns:a16="http://schemas.microsoft.com/office/drawing/2014/main" id="{8AFAC1E0-E889-FDA3-16AD-B3D55B98BB9A}"/>
+              </a:ext>
+            </a:extLst>
+          </p:cNvPr>
+          <p:cNvSpPr txBox="1"/>
+          <p:nvPr/>
+        </p:nvSpPr>
+        <p:spPr>
+          <a:xfrm>
+            <a:off x="5246094" y="651224"/>
+            <a:ext cx="800219" cy="461665"/>
+          </a:xfrm>
+          <a:prstGeom prst="rect">
+            <a:avLst/>
+          </a:prstGeom>
+          <a:noFill/>
+        </p:spPr>
+        <p:txBody>
+          <a:bodyPr wrap="none" rtlCol="0">
+            <a:spAutoFit/>
+          </a:bodyPr>
+          <a:lstStyle/>
+          <a:p>
+            <a:r>
+              <a:rPr kumimoji="1" lang="ja-JP" altLang="en-US" sz="2400"/>
+              <a:t>予想</a:t>
+            </a:r>
+            <a:endParaRPr kumimoji="1" lang="ja-JP" altLang="en-US" sz="2400" dirty="0"/>
+          </a:p>
+        </p:txBody>
+      </p:sp>
       <p:pic>
         <p:nvPicPr>
-          <p:cNvPr id="6" name="Picture 6" descr="食堂のイラスト">
-            <a:extLst>
-              <a:ext uri="{FF2B5EF4-FFF2-40B4-BE49-F238E27FC236}">
-                <a16:creationId xmlns:a16="http://schemas.microsoft.com/office/drawing/2014/main" id="{91C447D7-E02D-ED6A-9635-6BCB544BA348}"/>
+          <p:cNvPr id="16" name="図 15">
+            <a:extLst>
+              <a:ext uri="{FF2B5EF4-FFF2-40B4-BE49-F238E27FC236}">
+                <a16:creationId xmlns:a16="http://schemas.microsoft.com/office/drawing/2014/main" id="{1D972063-8B25-1EEB-A5A3-A0D7211DE7AB}"/>
+              </a:ext>
+            </a:extLst>
+          </p:cNvPr>
+          <p:cNvPicPr>
+            <a:picLocks noChangeAspect="1"/>
+          </p:cNvPicPr>
+          <p:nvPr/>
+        </p:nvPicPr>
+        <p:blipFill>
+          <a:blip r:embed="rId7"/>
+          <a:stretch>
+            <a:fillRect/>
+          </a:stretch>
+        </p:blipFill>
+        <p:spPr>
+          <a:xfrm>
+            <a:off x="5246094" y="1112889"/>
+            <a:ext cx="796484" cy="796484"/>
+          </a:xfrm>
+          <a:prstGeom prst="rect">
+            <a:avLst/>
+          </a:prstGeom>
+        </p:spPr>
+      </p:pic>
+      <p:sp>
+        <p:nvSpPr>
+          <p:cNvPr id="25" name="テキスト ボックス 24">
+            <a:extLst>
+              <a:ext uri="{FF2B5EF4-FFF2-40B4-BE49-F238E27FC236}">
+                <a16:creationId xmlns:a16="http://schemas.microsoft.com/office/drawing/2014/main" id="{E2A9A25A-62F2-B905-C137-F407F3441B1E}"/>
+              </a:ext>
+            </a:extLst>
+          </p:cNvPr>
+          <p:cNvSpPr txBox="1"/>
+          <p:nvPr/>
+        </p:nvSpPr>
+        <p:spPr>
+          <a:xfrm>
+            <a:off x="4482911" y="2109521"/>
+            <a:ext cx="787395" cy="461665"/>
+          </a:xfrm>
+          <a:prstGeom prst="rect">
+            <a:avLst/>
+          </a:prstGeom>
+          <a:noFill/>
+        </p:spPr>
+        <p:txBody>
+          <a:bodyPr wrap="none" rtlCol="0">
+            <a:spAutoFit/>
+          </a:bodyPr>
+          <a:lstStyle/>
+          <a:p>
+            <a:r>
+              <a:rPr lang="en-US" altLang="ja-JP" sz="2400" dirty="0"/>
+              <a:t>A</a:t>
+            </a:r>
+            <a:r>
+              <a:rPr kumimoji="1" lang="en-US" altLang="ja-JP" sz="2400" dirty="0"/>
+              <a:t>lice</a:t>
+            </a:r>
+            <a:endParaRPr kumimoji="1" lang="ja-JP" altLang="en-US" sz="2400" dirty="0"/>
+          </a:p>
+        </p:txBody>
+      </p:sp>
+      <p:sp>
+        <p:nvSpPr>
+          <p:cNvPr id="26" name="テキスト ボックス 25">
+            <a:extLst>
+              <a:ext uri="{FF2B5EF4-FFF2-40B4-BE49-F238E27FC236}">
+                <a16:creationId xmlns:a16="http://schemas.microsoft.com/office/drawing/2014/main" id="{3E73F575-33E0-3136-6778-CAA8440E32C5}"/>
+              </a:ext>
+            </a:extLst>
+          </p:cNvPr>
+          <p:cNvSpPr txBox="1"/>
+          <p:nvPr/>
+        </p:nvSpPr>
+        <p:spPr>
+          <a:xfrm>
+            <a:off x="5492168" y="2119481"/>
+            <a:ext cx="675185" cy="461665"/>
+          </a:xfrm>
+          <a:prstGeom prst="rect">
+            <a:avLst/>
+          </a:prstGeom>
+          <a:noFill/>
+        </p:spPr>
+        <p:txBody>
+          <a:bodyPr wrap="none" rtlCol="0">
+            <a:spAutoFit/>
+          </a:bodyPr>
+          <a:lstStyle/>
+          <a:p>
+            <a:r>
+              <a:rPr lang="en-US" altLang="ja-JP" sz="2400" dirty="0"/>
+              <a:t>Bob</a:t>
+            </a:r>
+            <a:endParaRPr kumimoji="1" lang="ja-JP" altLang="en-US" sz="2400" dirty="0"/>
+          </a:p>
+        </p:txBody>
+      </p:sp>
+      <p:pic>
+        <p:nvPicPr>
+          <p:cNvPr id="27" name="Picture 4" descr="丸のマークのイラスト「○」">
+            <a:extLst>
+              <a:ext uri="{FF2B5EF4-FFF2-40B4-BE49-F238E27FC236}">
+                <a16:creationId xmlns:a16="http://schemas.microsoft.com/office/drawing/2014/main" id="{5BADA502-42D9-5808-94A3-2A6F822B51E2}"/>
               </a:ext>
             </a:extLst>
           </p:cNvPr>
@@ -2779,8 +4267,8 @@
         </p:blipFill>
         <p:spPr bwMode="auto">
           <a:xfrm>
-            <a:off x="5076056" y="548680"/>
-            <a:ext cx="2376264" cy="2328739"/>
+            <a:off x="4533502" y="2613427"/>
+            <a:ext cx="641226" cy="641226"/>
           </a:xfrm>
           <a:prstGeom prst="rect">
             <a:avLst/>
@@ -2799,10 +4287,10 @@
       </p:pic>
       <p:pic>
         <p:nvPicPr>
-          <p:cNvPr id="8" name="Picture 8" descr="五感のイラスト（視覚・男性）">
-            <a:extLst>
-              <a:ext uri="{FF2B5EF4-FFF2-40B4-BE49-F238E27FC236}">
-                <a16:creationId xmlns:a16="http://schemas.microsoft.com/office/drawing/2014/main" id="{57F37A6E-7AD7-CCFD-65E4-B512BDBE400C}"/>
+          <p:cNvPr id="28" name="Picture 6" descr="バツのマークのイラスト「×」">
+            <a:extLst>
+              <a:ext uri="{FF2B5EF4-FFF2-40B4-BE49-F238E27FC236}">
+                <a16:creationId xmlns:a16="http://schemas.microsoft.com/office/drawing/2014/main" id="{AA04D1BB-D2AC-7435-DBE1-CDA4A63D9581}"/>
               </a:ext>
             </a:extLst>
           </p:cNvPr>
@@ -2826,8 +4314,8 @@
         </p:blipFill>
         <p:spPr bwMode="auto">
           <a:xfrm>
-            <a:off x="7524328" y="2924944"/>
-            <a:ext cx="1121195" cy="1359024"/>
+            <a:off x="5454119" y="2574689"/>
+            <a:ext cx="713234" cy="713234"/>
           </a:xfrm>
           <a:prstGeom prst="rect">
             <a:avLst/>
@@ -2844,12 +4332,126 @@
           </a:extLst>
         </p:spPr>
       </p:pic>
+      <mc:AlternateContent xmlns:mc="http://schemas.openxmlformats.org/markup-compatibility/2006">
+        <mc:Choice xmlns:a14="http://schemas.microsoft.com/office/drawing/2010/main" Requires="a14">
+          <p:sp>
+            <p:nvSpPr>
+              <p:cNvPr id="30" name="テキスト ボックス 29">
+                <a:extLst>
+                  <a:ext uri="{FF2B5EF4-FFF2-40B4-BE49-F238E27FC236}">
+                    <a16:creationId xmlns:a16="http://schemas.microsoft.com/office/drawing/2014/main" id="{11ACA89B-96F5-1756-8D79-D2350A374F0D}"/>
+                  </a:ext>
+                </a:extLst>
+              </p:cNvPr>
+              <p:cNvSpPr txBox="1"/>
+              <p:nvPr/>
+            </p:nvSpPr>
+            <p:spPr>
+              <a:xfrm>
+                <a:off x="6438882" y="2155687"/>
+                <a:ext cx="713234" cy="369332"/>
+              </a:xfrm>
+              <a:prstGeom prst="rect">
+                <a:avLst/>
+              </a:prstGeom>
+              <a:noFill/>
+            </p:spPr>
+            <p:txBody>
+              <a:bodyPr wrap="square" lIns="0" tIns="0" rIns="0" bIns="0" rtlCol="0">
+                <a:spAutoFit/>
+              </a:bodyPr>
+              <a:lstStyle/>
+              <a:p>
+                <a14:m>
+                  <m:oMathPara xmlns:m="http://schemas.openxmlformats.org/officeDocument/2006/math">
+                    <m:oMathParaPr>
+                      <m:jc m:val="centerGroup"/>
+                    </m:oMathParaPr>
+                    <m:oMath xmlns:m="http://schemas.openxmlformats.org/officeDocument/2006/math">
+                      <m:sSub>
+                        <m:sSubPr>
+                          <m:ctrlPr>
+                            <a:rPr kumimoji="1" lang="en-US" altLang="ja-JP" sz="2400" b="0" i="1" smtClean="0">
+                              <a:latin typeface="Cambria Math" panose="02040503050406030204" pitchFamily="18" charset="0"/>
+                            </a:rPr>
+                          </m:ctrlPr>
+                        </m:sSubPr>
+                        <m:e>
+                          <m:r>
+                            <a:rPr kumimoji="1" lang="en-US" altLang="ja-JP" sz="2400" b="0" i="1" smtClean="0">
+                              <a:latin typeface="Cambria Math" panose="02040503050406030204" pitchFamily="18" charset="0"/>
+                            </a:rPr>
+                            <m:t>𝑋</m:t>
+                          </m:r>
+                        </m:e>
+                        <m:sub>
+                          <m:r>
+                            <a:rPr kumimoji="1" lang="en-US" altLang="ja-JP" sz="2400" b="0" i="1" smtClean="0">
+                              <a:latin typeface="Cambria Math" panose="02040503050406030204" pitchFamily="18" charset="0"/>
+                            </a:rPr>
+                            <m:t>𝑡</m:t>
+                          </m:r>
+                        </m:sub>
+                      </m:sSub>
+                    </m:oMath>
+                  </m:oMathPara>
+                </a14:m>
+                <a:endParaRPr kumimoji="1" lang="ja-JP" altLang="en-US" sz="2400" dirty="0"/>
+              </a:p>
+            </p:txBody>
+          </p:sp>
+        </mc:Choice>
+        <mc:Fallback>
+          <p:sp>
+            <p:nvSpPr>
+              <p:cNvPr id="30" name="テキスト ボックス 29">
+                <a:extLst>
+                  <a:ext uri="{FF2B5EF4-FFF2-40B4-BE49-F238E27FC236}">
+                    <a16:creationId xmlns:a16="http://schemas.microsoft.com/office/drawing/2014/main" id="{11ACA89B-96F5-1756-8D79-D2350A374F0D}"/>
+                  </a:ext>
+                </a:extLst>
+              </p:cNvPr>
+              <p:cNvSpPr txBox="1">
+                <a:spLocks noRot="1" noChangeAspect="1" noMove="1" noResize="1" noEditPoints="1" noAdjustHandles="1" noChangeArrowheads="1" noChangeShapeType="1" noTextEdit="1"/>
+              </p:cNvSpPr>
+              <p:nvPr/>
+            </p:nvSpPr>
+            <p:spPr>
+              <a:xfrm>
+                <a:off x="6438882" y="2155687"/>
+                <a:ext cx="713234" cy="369332"/>
+              </a:xfrm>
+              <a:prstGeom prst="rect">
+                <a:avLst/>
+              </a:prstGeom>
+              <a:blipFill>
+                <a:blip r:embed="rId8"/>
+                <a:stretch>
+                  <a:fillRect b="-16667"/>
+                </a:stretch>
+              </a:blipFill>
+            </p:spPr>
+            <p:txBody>
+              <a:bodyPr/>
+              <a:lstStyle/>
+              <a:p>
+                <a:r>
+                  <a:rPr lang="ja-JP" altLang="en-US">
+                    <a:noFill/>
+                  </a:rPr>
+                  <a:t> </a:t>
+                </a:r>
+              </a:p>
+            </p:txBody>
+          </p:sp>
+        </mc:Fallback>
+      </mc:AlternateContent>
       <p:sp>
         <p:nvSpPr>
-          <p:cNvPr id="2" name="テキスト ボックス 1">
-            <a:extLst>
-              <a:ext uri="{FF2B5EF4-FFF2-40B4-BE49-F238E27FC236}">
-                <a16:creationId xmlns:a16="http://schemas.microsoft.com/office/drawing/2014/main" id="{AA12CC5B-99F3-618C-3A80-C198916974B4}"/>
+          <p:cNvPr id="31" name="テキスト ボックス 30">
+            <a:extLst>
+              <a:ext uri="{FF2B5EF4-FFF2-40B4-BE49-F238E27FC236}">
+                <a16:creationId xmlns:a16="http://schemas.microsoft.com/office/drawing/2014/main" id="{CF302007-7955-9E39-CBF9-38A49D98E013}"/>
               </a:ext>
             </a:extLst>
           </p:cNvPr>
@@ -2858,8 +4460,8 @@
         </p:nvSpPr>
         <p:spPr>
           <a:xfrm>
-            <a:off x="1115616" y="4221088"/>
-            <a:ext cx="787395" cy="461665"/>
+            <a:off x="6625420" y="2700473"/>
+            <a:ext cx="340158" cy="461665"/>
           </a:xfrm>
           <a:prstGeom prst="rect">
             <a:avLst/>
@@ -2873,8 +4475,186 @@
           <a:lstStyle/>
           <a:p>
             <a:r>
-              <a:rPr kumimoji="1" lang="en-US" altLang="ja-JP" sz="2400"/>
-              <a:t>Alice</a:t>
+              <a:rPr kumimoji="1" lang="en-US" altLang="ja-JP" sz="2400" dirty="0"/>
+              <a:t>2</a:t>
+            </a:r>
+            <a:endParaRPr kumimoji="1" lang="ja-JP" altLang="en-US" sz="2400" dirty="0"/>
+          </a:p>
+        </p:txBody>
+      </p:sp>
+      <p:cxnSp>
+        <p:nvCxnSpPr>
+          <p:cNvPr id="33" name="直線コネクタ 32">
+            <a:extLst>
+              <a:ext uri="{FF2B5EF4-FFF2-40B4-BE49-F238E27FC236}">
+                <a16:creationId xmlns:a16="http://schemas.microsoft.com/office/drawing/2014/main" id="{AAF7E6B3-1E65-DB70-BE05-3DF95FDC4AB9}"/>
+              </a:ext>
+            </a:extLst>
+          </p:cNvPr>
+          <p:cNvCxnSpPr/>
+          <p:nvPr/>
+        </p:nvCxnSpPr>
+        <p:spPr>
+          <a:xfrm>
+            <a:off x="4174988" y="476672"/>
+            <a:ext cx="0" cy="5400600"/>
+          </a:xfrm>
+          <a:prstGeom prst="line">
+            <a:avLst/>
+          </a:prstGeom>
+          <a:ln w="9525">
+            <a:solidFill>
+              <a:schemeClr val="tx1"/>
+            </a:solidFill>
+            <a:headEnd type="none"/>
+            <a:tailEnd type="none"/>
+          </a:ln>
+          <a:effectLst/>
+        </p:spPr>
+        <p:style>
+          <a:lnRef idx="2">
+            <a:schemeClr val="accent1"/>
+          </a:lnRef>
+          <a:fillRef idx="0">
+            <a:schemeClr val="accent1"/>
+          </a:fillRef>
+          <a:effectRef idx="1">
+            <a:schemeClr val="accent1"/>
+          </a:effectRef>
+          <a:fontRef idx="minor">
+            <a:schemeClr val="tx1"/>
+          </a:fontRef>
+        </p:style>
+      </p:cxnSp>
+      <p:pic>
+        <p:nvPicPr>
+          <p:cNvPr id="34" name="Picture 4" descr="丸のマークのイラスト「○」">
+            <a:extLst>
+              <a:ext uri="{FF2B5EF4-FFF2-40B4-BE49-F238E27FC236}">
+                <a16:creationId xmlns:a16="http://schemas.microsoft.com/office/drawing/2014/main" id="{3358FB6F-8ED4-6FDE-02FB-0869EEFEF124}"/>
+              </a:ext>
+            </a:extLst>
+          </p:cNvPr>
+          <p:cNvPicPr>
+            <a:picLocks noChangeAspect="1" noChangeArrowheads="1"/>
+          </p:cNvPicPr>
+          <p:nvPr/>
+        </p:nvPicPr>
+        <p:blipFill>
+          <a:blip r:embed="rId4">
+            <a:extLst>
+              <a:ext uri="{28A0092B-C50C-407E-A947-70E740481C1C}">
+                <a14:useLocalDpi xmlns:a14="http://schemas.microsoft.com/office/drawing/2010/main" val="0"/>
+              </a:ext>
+            </a:extLst>
+          </a:blip>
+          <a:srcRect/>
+          <a:stretch>
+            <a:fillRect/>
+          </a:stretch>
+        </p:blipFill>
+        <p:spPr bwMode="auto">
+          <a:xfrm>
+            <a:off x="2521497" y="3397996"/>
+            <a:ext cx="641226" cy="641226"/>
+          </a:xfrm>
+          <a:prstGeom prst="rect">
+            <a:avLst/>
+          </a:prstGeom>
+          <a:noFill/>
+          <a:extLst>
+            <a:ext uri="{909E8E84-426E-40DD-AFC4-6F175D3DCCD1}">
+              <a14:hiddenFill xmlns:a14="http://schemas.microsoft.com/office/drawing/2010/main">
+                <a:solidFill>
+                  <a:srgbClr val="FFFFFF"/>
+                </a:solidFill>
+              </a14:hiddenFill>
+            </a:ext>
+          </a:extLst>
+        </p:spPr>
+      </p:pic>
+      <p:pic>
+        <p:nvPicPr>
+          <p:cNvPr id="35" name="Picture 6" descr="バツのマークのイラスト「×」">
+            <a:extLst>
+              <a:ext uri="{FF2B5EF4-FFF2-40B4-BE49-F238E27FC236}">
+                <a16:creationId xmlns:a16="http://schemas.microsoft.com/office/drawing/2014/main" id="{606C941D-163B-80A6-1600-06F723F3D698}"/>
+              </a:ext>
+            </a:extLst>
+          </p:cNvPr>
+          <p:cNvPicPr>
+            <a:picLocks noChangeAspect="1" noChangeArrowheads="1"/>
+          </p:cNvPicPr>
+          <p:nvPr/>
+        </p:nvPicPr>
+        <p:blipFill>
+          <a:blip r:embed="rId5">
+            <a:extLst>
+              <a:ext uri="{28A0092B-C50C-407E-A947-70E740481C1C}">
+                <a14:useLocalDpi xmlns:a14="http://schemas.microsoft.com/office/drawing/2010/main" val="0"/>
+              </a:ext>
+            </a:extLst>
+          </a:blip>
+          <a:srcRect/>
+          <a:stretch>
+            <a:fillRect/>
+          </a:stretch>
+        </p:blipFill>
+        <p:spPr bwMode="auto">
+          <a:xfrm>
+            <a:off x="1528536" y="3361992"/>
+            <a:ext cx="713234" cy="713234"/>
+          </a:xfrm>
+          <a:prstGeom prst="rect">
+            <a:avLst/>
+          </a:prstGeom>
+          <a:noFill/>
+          <a:extLst>
+            <a:ext uri="{909E8E84-426E-40DD-AFC4-6F175D3DCCD1}">
+              <a14:hiddenFill xmlns:a14="http://schemas.microsoft.com/office/drawing/2010/main">
+                <a:solidFill>
+                  <a:srgbClr val="FFFFFF"/>
+                </a:solidFill>
+              </a14:hiddenFill>
+            </a:ext>
+          </a:extLst>
+        </p:spPr>
+      </p:pic>
+      <p:sp>
+        <p:nvSpPr>
+          <p:cNvPr id="36" name="テキスト ボックス 35">
+            <a:extLst>
+              <a:ext uri="{FF2B5EF4-FFF2-40B4-BE49-F238E27FC236}">
+                <a16:creationId xmlns:a16="http://schemas.microsoft.com/office/drawing/2014/main" id="{985A3889-D4C9-8C3D-FCB3-DEF08DA0A0E2}"/>
+              </a:ext>
+            </a:extLst>
+          </p:cNvPr>
+          <p:cNvSpPr txBox="1"/>
+          <p:nvPr/>
+        </p:nvSpPr>
+        <p:spPr>
+          <a:xfrm>
+            <a:off x="395536" y="3512465"/>
+            <a:ext cx="955711" cy="461665"/>
+          </a:xfrm>
+          <a:prstGeom prst="rect">
+            <a:avLst/>
+          </a:prstGeom>
+          <a:noFill/>
+        </p:spPr>
+        <p:txBody>
+          <a:bodyPr wrap="none" rtlCol="0">
+            <a:spAutoFit/>
+          </a:bodyPr>
+          <a:lstStyle/>
+          <a:p>
+            <a:r>
+              <a:rPr lang="en-US" altLang="ja-JP" sz="2400" dirty="0"/>
+              <a:t>2</a:t>
+            </a:r>
+            <a:r>
+              <a:rPr kumimoji="1" lang="ja-JP" altLang="en-US" sz="2400"/>
+              <a:t>日目</a:t>
             </a:r>
             <a:endParaRPr kumimoji="1" lang="ja-JP" altLang="en-US" sz="2400" dirty="0"/>
           </a:p>
@@ -2882,10 +4662,10 @@
       </p:sp>
       <p:sp>
         <p:nvSpPr>
-          <p:cNvPr id="10" name="テキスト ボックス 9">
-            <a:extLst>
-              <a:ext uri="{FF2B5EF4-FFF2-40B4-BE49-F238E27FC236}">
-                <a16:creationId xmlns:a16="http://schemas.microsoft.com/office/drawing/2014/main" id="{E3FF535C-7884-FB9A-8CC9-991394ACFB29}"/>
+          <p:cNvPr id="37" name="テキスト ボックス 36">
+            <a:extLst>
+              <a:ext uri="{FF2B5EF4-FFF2-40B4-BE49-F238E27FC236}">
+                <a16:creationId xmlns:a16="http://schemas.microsoft.com/office/drawing/2014/main" id="{044888B3-5E8F-1A0A-30CC-F04262660960}"/>
               </a:ext>
             </a:extLst>
           </p:cNvPr>
@@ -2894,8 +4674,8 @@
         </p:nvSpPr>
         <p:spPr>
           <a:xfrm>
-            <a:off x="3491880" y="4221088"/>
-            <a:ext cx="806503" cy="461665"/>
+            <a:off x="3648292" y="3487777"/>
+            <a:ext cx="340158" cy="461665"/>
           </a:xfrm>
           <a:prstGeom prst="rect">
             <a:avLst/>
@@ -2909,8 +4689,8 @@
           <a:lstStyle/>
           <a:p>
             <a:r>
-              <a:rPr kumimoji="1" lang="en-US" altLang="ja-JP" sz="2400"/>
-              <a:t>Dave</a:t>
+              <a:rPr kumimoji="1" lang="en-US" altLang="ja-JP" sz="2400" dirty="0"/>
+              <a:t>1</a:t>
             </a:r>
             <a:endParaRPr kumimoji="1" lang="ja-JP" altLang="en-US" sz="2400" dirty="0"/>
           </a:p>
@@ -2918,10 +4698,10 @@
       </p:sp>
       <p:sp>
         <p:nvSpPr>
-          <p:cNvPr id="11" name="テキスト ボックス 10">
-            <a:extLst>
-              <a:ext uri="{FF2B5EF4-FFF2-40B4-BE49-F238E27FC236}">
-                <a16:creationId xmlns:a16="http://schemas.microsoft.com/office/drawing/2014/main" id="{11B85318-EABA-282A-9C14-0EAE3AF514AE}"/>
+          <p:cNvPr id="40" name="テキスト ボックス 39">
+            <a:extLst>
+              <a:ext uri="{FF2B5EF4-FFF2-40B4-BE49-F238E27FC236}">
+                <a16:creationId xmlns:a16="http://schemas.microsoft.com/office/drawing/2014/main" id="{3D95FFB4-B49A-51E5-B801-D7E1AC1774A6}"/>
               </a:ext>
             </a:extLst>
           </p:cNvPr>
@@ -2930,8 +4710,8 @@
         </p:nvSpPr>
         <p:spPr>
           <a:xfrm>
-            <a:off x="7884368" y="4221088"/>
-            <a:ext cx="806503" cy="461665"/>
+            <a:off x="6625420" y="3504018"/>
+            <a:ext cx="340158" cy="461665"/>
           </a:xfrm>
           <a:prstGeom prst="rect">
             <a:avLst/>
@@ -2945,8 +4725,95 @@
           <a:lstStyle/>
           <a:p>
             <a:r>
-              <a:rPr kumimoji="1" lang="en-US" altLang="ja-JP" sz="2400"/>
-              <a:t>Dave</a:t>
+              <a:rPr kumimoji="1" lang="en-US" altLang="ja-JP" sz="2400" dirty="0"/>
+              <a:t>1</a:t>
+            </a:r>
+            <a:endParaRPr kumimoji="1" lang="ja-JP" altLang="en-US" sz="2400" dirty="0"/>
+          </a:p>
+        </p:txBody>
+      </p:sp>
+      <p:pic>
+        <p:nvPicPr>
+          <p:cNvPr id="42" name="Picture 6" descr="バツのマークのイラスト「×」">
+            <a:extLst>
+              <a:ext uri="{FF2B5EF4-FFF2-40B4-BE49-F238E27FC236}">
+                <a16:creationId xmlns:a16="http://schemas.microsoft.com/office/drawing/2014/main" id="{9BC161D5-42D7-00D7-CF0F-34872EC203A6}"/>
+              </a:ext>
+            </a:extLst>
+          </p:cNvPr>
+          <p:cNvPicPr>
+            <a:picLocks noChangeAspect="1" noChangeArrowheads="1"/>
+          </p:cNvPicPr>
+          <p:nvPr/>
+        </p:nvPicPr>
+        <p:blipFill>
+          <a:blip r:embed="rId5">
+            <a:extLst>
+              <a:ext uri="{28A0092B-C50C-407E-A947-70E740481C1C}">
+                <a14:useLocalDpi xmlns:a14="http://schemas.microsoft.com/office/drawing/2010/main" val="0"/>
+              </a:ext>
+            </a:extLst>
+          </a:blip>
+          <a:srcRect/>
+          <a:stretch>
+            <a:fillRect/>
+          </a:stretch>
+        </p:blipFill>
+        <p:spPr bwMode="auto">
+          <a:xfrm>
+            <a:off x="2490615" y="4263442"/>
+            <a:ext cx="713234" cy="713234"/>
+          </a:xfrm>
+          <a:prstGeom prst="rect">
+            <a:avLst/>
+          </a:prstGeom>
+          <a:noFill/>
+          <a:extLst>
+            <a:ext uri="{909E8E84-426E-40DD-AFC4-6F175D3DCCD1}">
+              <a14:hiddenFill xmlns:a14="http://schemas.microsoft.com/office/drawing/2010/main">
+                <a:solidFill>
+                  <a:srgbClr val="FFFFFF"/>
+                </a:solidFill>
+              </a14:hiddenFill>
+            </a:ext>
+          </a:extLst>
+        </p:spPr>
+      </p:pic>
+      <p:sp>
+        <p:nvSpPr>
+          <p:cNvPr id="43" name="テキスト ボックス 42">
+            <a:extLst>
+              <a:ext uri="{FF2B5EF4-FFF2-40B4-BE49-F238E27FC236}">
+                <a16:creationId xmlns:a16="http://schemas.microsoft.com/office/drawing/2014/main" id="{2A817E4F-5BD5-1EF1-0B19-8E194177755C}"/>
+              </a:ext>
+            </a:extLst>
+          </p:cNvPr>
+          <p:cNvSpPr txBox="1"/>
+          <p:nvPr/>
+        </p:nvSpPr>
+        <p:spPr>
+          <a:xfrm>
+            <a:off x="409160" y="4413914"/>
+            <a:ext cx="955711" cy="461665"/>
+          </a:xfrm>
+          <a:prstGeom prst="rect">
+            <a:avLst/>
+          </a:prstGeom>
+          <a:noFill/>
+        </p:spPr>
+        <p:txBody>
+          <a:bodyPr wrap="none" rtlCol="0">
+            <a:spAutoFit/>
+          </a:bodyPr>
+          <a:lstStyle/>
+          <a:p>
+            <a:r>
+              <a:rPr lang="en-US" altLang="ja-JP" sz="2400" dirty="0"/>
+              <a:t>3</a:t>
+            </a:r>
+            <a:r>
+              <a:rPr kumimoji="1" lang="ja-JP" altLang="en-US" sz="2400"/>
+              <a:t>日目</a:t>
             </a:r>
             <a:endParaRPr kumimoji="1" lang="ja-JP" altLang="en-US" sz="2400" dirty="0"/>
           </a:p>
@@ -2954,10 +4821,10 @@
       </p:sp>
       <p:sp>
         <p:nvSpPr>
-          <p:cNvPr id="12" name="テキスト ボックス 11">
-            <a:extLst>
-              <a:ext uri="{FF2B5EF4-FFF2-40B4-BE49-F238E27FC236}">
-                <a16:creationId xmlns:a16="http://schemas.microsoft.com/office/drawing/2014/main" id="{5055C48A-C589-9A1C-ED0E-7A72C5DEA9F4}"/>
+          <p:cNvPr id="44" name="テキスト ボックス 43">
+            <a:extLst>
+              <a:ext uri="{FF2B5EF4-FFF2-40B4-BE49-F238E27FC236}">
+                <a16:creationId xmlns:a16="http://schemas.microsoft.com/office/drawing/2014/main" id="{01EC0EB4-0CF4-C72B-B575-8433D7CAD40A}"/>
               </a:ext>
             </a:extLst>
           </p:cNvPr>
@@ -2966,8 +4833,8 @@
         </p:nvSpPr>
         <p:spPr>
           <a:xfrm>
-            <a:off x="5508104" y="4221088"/>
-            <a:ext cx="675185" cy="461665"/>
+            <a:off x="3661916" y="4389226"/>
+            <a:ext cx="340158" cy="461665"/>
           </a:xfrm>
           <a:prstGeom prst="rect">
             <a:avLst/>
@@ -2981,17 +4848,588 @@
           <a:lstStyle/>
           <a:p>
             <a:r>
-              <a:rPr kumimoji="1" lang="en-US" altLang="ja-JP" sz="2400"/>
-              <a:t>Bob</a:t>
+              <a:rPr kumimoji="1" lang="en-US" altLang="ja-JP" sz="2400" dirty="0"/>
+              <a:t>0</a:t>
             </a:r>
             <a:endParaRPr kumimoji="1" lang="ja-JP" altLang="en-US" sz="2400" dirty="0"/>
           </a:p>
         </p:txBody>
       </p:sp>
+      <p:pic>
+        <p:nvPicPr>
+          <p:cNvPr id="45" name="Picture 4" descr="丸のマークのイラスト「○」">
+            <a:extLst>
+              <a:ext uri="{FF2B5EF4-FFF2-40B4-BE49-F238E27FC236}">
+                <a16:creationId xmlns:a16="http://schemas.microsoft.com/office/drawing/2014/main" id="{A5DB8A3F-609E-7DC4-BD45-BA95DB387639}"/>
+              </a:ext>
+            </a:extLst>
+          </p:cNvPr>
+          <p:cNvPicPr>
+            <a:picLocks noChangeAspect="1" noChangeArrowheads="1"/>
+          </p:cNvPicPr>
+          <p:nvPr/>
+        </p:nvPicPr>
+        <p:blipFill>
+          <a:blip r:embed="rId4">
+            <a:extLst>
+              <a:ext uri="{28A0092B-C50C-407E-A947-70E740481C1C}">
+                <a14:useLocalDpi xmlns:a14="http://schemas.microsoft.com/office/drawing/2010/main" val="0"/>
+              </a:ext>
+            </a:extLst>
+          </a:blip>
+          <a:srcRect/>
+          <a:stretch>
+            <a:fillRect/>
+          </a:stretch>
+        </p:blipFill>
+        <p:spPr bwMode="auto">
+          <a:xfrm>
+            <a:off x="4547126" y="4318421"/>
+            <a:ext cx="641226" cy="641226"/>
+          </a:xfrm>
+          <a:prstGeom prst="rect">
+            <a:avLst/>
+          </a:prstGeom>
+          <a:noFill/>
+          <a:extLst>
+            <a:ext uri="{909E8E84-426E-40DD-AFC4-6F175D3DCCD1}">
+              <a14:hiddenFill xmlns:a14="http://schemas.microsoft.com/office/drawing/2010/main">
+                <a:solidFill>
+                  <a:srgbClr val="FFFFFF"/>
+                </a:solidFill>
+              </a14:hiddenFill>
+            </a:ext>
+          </a:extLst>
+        </p:spPr>
+      </p:pic>
+      <p:pic>
+        <p:nvPicPr>
+          <p:cNvPr id="46" name="Picture 6" descr="バツのマークのイラスト「×」">
+            <a:extLst>
+              <a:ext uri="{FF2B5EF4-FFF2-40B4-BE49-F238E27FC236}">
+                <a16:creationId xmlns:a16="http://schemas.microsoft.com/office/drawing/2014/main" id="{0FD25D28-39A8-907F-F470-6843D8AD7FE6}"/>
+              </a:ext>
+            </a:extLst>
+          </p:cNvPr>
+          <p:cNvPicPr>
+            <a:picLocks noChangeAspect="1" noChangeArrowheads="1"/>
+          </p:cNvPicPr>
+          <p:nvPr/>
+        </p:nvPicPr>
+        <p:blipFill>
+          <a:blip r:embed="rId5">
+            <a:extLst>
+              <a:ext uri="{28A0092B-C50C-407E-A947-70E740481C1C}">
+                <a14:useLocalDpi xmlns:a14="http://schemas.microsoft.com/office/drawing/2010/main" val="0"/>
+              </a:ext>
+            </a:extLst>
+          </a:blip>
+          <a:srcRect/>
+          <a:stretch>
+            <a:fillRect/>
+          </a:stretch>
+        </p:blipFill>
+        <p:spPr bwMode="auto">
+          <a:xfrm>
+            <a:off x="5467743" y="4279683"/>
+            <a:ext cx="713234" cy="713234"/>
+          </a:xfrm>
+          <a:prstGeom prst="rect">
+            <a:avLst/>
+          </a:prstGeom>
+          <a:noFill/>
+          <a:extLst>
+            <a:ext uri="{909E8E84-426E-40DD-AFC4-6F175D3DCCD1}">
+              <a14:hiddenFill xmlns:a14="http://schemas.microsoft.com/office/drawing/2010/main">
+                <a:solidFill>
+                  <a:srgbClr val="FFFFFF"/>
+                </a:solidFill>
+              </a14:hiddenFill>
+            </a:ext>
+          </a:extLst>
+        </p:spPr>
+      </p:pic>
+      <p:sp>
+        <p:nvSpPr>
+          <p:cNvPr id="47" name="テキスト ボックス 46">
+            <a:extLst>
+              <a:ext uri="{FF2B5EF4-FFF2-40B4-BE49-F238E27FC236}">
+                <a16:creationId xmlns:a16="http://schemas.microsoft.com/office/drawing/2014/main" id="{F732C613-E34A-B615-459E-D1F7B54F03DB}"/>
+              </a:ext>
+            </a:extLst>
+          </p:cNvPr>
+          <p:cNvSpPr txBox="1"/>
+          <p:nvPr/>
+        </p:nvSpPr>
+        <p:spPr>
+          <a:xfrm>
+            <a:off x="6639044" y="4405467"/>
+            <a:ext cx="340158" cy="461665"/>
+          </a:xfrm>
+          <a:prstGeom prst="rect">
+            <a:avLst/>
+          </a:prstGeom>
+          <a:noFill/>
+        </p:spPr>
+        <p:txBody>
+          <a:bodyPr wrap="none" rtlCol="0">
+            <a:spAutoFit/>
+          </a:bodyPr>
+          <a:lstStyle/>
+          <a:p>
+            <a:r>
+              <a:rPr kumimoji="1" lang="en-US" altLang="ja-JP" sz="2400" dirty="0"/>
+              <a:t>2</a:t>
+            </a:r>
+            <a:endParaRPr kumimoji="1" lang="ja-JP" altLang="en-US" sz="2400" dirty="0"/>
+          </a:p>
+        </p:txBody>
+      </p:sp>
+      <p:pic>
+        <p:nvPicPr>
+          <p:cNvPr id="48" name="Picture 4" descr="丸のマークのイラスト「○」">
+            <a:extLst>
+              <a:ext uri="{FF2B5EF4-FFF2-40B4-BE49-F238E27FC236}">
+                <a16:creationId xmlns:a16="http://schemas.microsoft.com/office/drawing/2014/main" id="{1F545C4D-F62C-B3FD-711A-A9A2D1BF2AC4}"/>
+              </a:ext>
+            </a:extLst>
+          </p:cNvPr>
+          <p:cNvPicPr>
+            <a:picLocks noChangeAspect="1" noChangeArrowheads="1"/>
+          </p:cNvPicPr>
+          <p:nvPr/>
+        </p:nvPicPr>
+        <p:blipFill>
+          <a:blip r:embed="rId4">
+            <a:extLst>
+              <a:ext uri="{28A0092B-C50C-407E-A947-70E740481C1C}">
+                <a14:useLocalDpi xmlns:a14="http://schemas.microsoft.com/office/drawing/2010/main" val="0"/>
+              </a:ext>
+            </a:extLst>
+          </a:blip>
+          <a:srcRect/>
+          <a:stretch>
+            <a:fillRect/>
+          </a:stretch>
+        </p:blipFill>
+        <p:spPr bwMode="auto">
+          <a:xfrm>
+            <a:off x="1556374" y="5096626"/>
+            <a:ext cx="641226" cy="641226"/>
+          </a:xfrm>
+          <a:prstGeom prst="rect">
+            <a:avLst/>
+          </a:prstGeom>
+          <a:noFill/>
+          <a:extLst>
+            <a:ext uri="{909E8E84-426E-40DD-AFC4-6F175D3DCCD1}">
+              <a14:hiddenFill xmlns:a14="http://schemas.microsoft.com/office/drawing/2010/main">
+                <a:solidFill>
+                  <a:srgbClr val="FFFFFF"/>
+                </a:solidFill>
+              </a14:hiddenFill>
+            </a:ext>
+          </a:extLst>
+        </p:spPr>
+      </p:pic>
+      <p:pic>
+        <p:nvPicPr>
+          <p:cNvPr id="49" name="Picture 6" descr="バツのマークのイラスト「×」">
+            <a:extLst>
+              <a:ext uri="{FF2B5EF4-FFF2-40B4-BE49-F238E27FC236}">
+                <a16:creationId xmlns:a16="http://schemas.microsoft.com/office/drawing/2014/main" id="{84A33ED2-FFA9-1C97-6333-6C7613C85850}"/>
+              </a:ext>
+            </a:extLst>
+          </p:cNvPr>
+          <p:cNvPicPr>
+            <a:picLocks noChangeAspect="1" noChangeArrowheads="1"/>
+          </p:cNvPicPr>
+          <p:nvPr/>
+        </p:nvPicPr>
+        <p:blipFill>
+          <a:blip r:embed="rId5">
+            <a:extLst>
+              <a:ext uri="{28A0092B-C50C-407E-A947-70E740481C1C}">
+                <a14:useLocalDpi xmlns:a14="http://schemas.microsoft.com/office/drawing/2010/main" val="0"/>
+              </a:ext>
+            </a:extLst>
+          </a:blip>
+          <a:srcRect/>
+          <a:stretch>
+            <a:fillRect/>
+          </a:stretch>
+        </p:blipFill>
+        <p:spPr bwMode="auto">
+          <a:xfrm>
+            <a:off x="2476991" y="5057888"/>
+            <a:ext cx="713234" cy="713234"/>
+          </a:xfrm>
+          <a:prstGeom prst="rect">
+            <a:avLst/>
+          </a:prstGeom>
+          <a:noFill/>
+          <a:extLst>
+            <a:ext uri="{909E8E84-426E-40DD-AFC4-6F175D3DCCD1}">
+              <a14:hiddenFill xmlns:a14="http://schemas.microsoft.com/office/drawing/2010/main">
+                <a:solidFill>
+                  <a:srgbClr val="FFFFFF"/>
+                </a:solidFill>
+              </a14:hiddenFill>
+            </a:ext>
+          </a:extLst>
+        </p:spPr>
+      </p:pic>
+      <p:sp>
+        <p:nvSpPr>
+          <p:cNvPr id="50" name="テキスト ボックス 49">
+            <a:extLst>
+              <a:ext uri="{FF2B5EF4-FFF2-40B4-BE49-F238E27FC236}">
+                <a16:creationId xmlns:a16="http://schemas.microsoft.com/office/drawing/2014/main" id="{2A969258-64ED-A6EF-76CC-37CBAFD44B66}"/>
+              </a:ext>
+            </a:extLst>
+          </p:cNvPr>
+          <p:cNvSpPr txBox="1"/>
+          <p:nvPr/>
+        </p:nvSpPr>
+        <p:spPr>
+          <a:xfrm>
+            <a:off x="395536" y="5208360"/>
+            <a:ext cx="955711" cy="461665"/>
+          </a:xfrm>
+          <a:prstGeom prst="rect">
+            <a:avLst/>
+          </a:prstGeom>
+          <a:noFill/>
+        </p:spPr>
+        <p:txBody>
+          <a:bodyPr wrap="none" rtlCol="0">
+            <a:spAutoFit/>
+          </a:bodyPr>
+          <a:lstStyle/>
+          <a:p>
+            <a:r>
+              <a:rPr lang="en-US" altLang="ja-JP" sz="2400" dirty="0"/>
+              <a:t>4</a:t>
+            </a:r>
+            <a:r>
+              <a:rPr kumimoji="1" lang="ja-JP" altLang="en-US" sz="2400"/>
+              <a:t>日目</a:t>
+            </a:r>
+            <a:endParaRPr kumimoji="1" lang="ja-JP" altLang="en-US" sz="2400" dirty="0"/>
+          </a:p>
+        </p:txBody>
+      </p:sp>
+      <p:sp>
+        <p:nvSpPr>
+          <p:cNvPr id="51" name="テキスト ボックス 50">
+            <a:extLst>
+              <a:ext uri="{FF2B5EF4-FFF2-40B4-BE49-F238E27FC236}">
+                <a16:creationId xmlns:a16="http://schemas.microsoft.com/office/drawing/2014/main" id="{56127116-098C-37EA-632E-CF622D9B388E}"/>
+              </a:ext>
+            </a:extLst>
+          </p:cNvPr>
+          <p:cNvSpPr txBox="1"/>
+          <p:nvPr/>
+        </p:nvSpPr>
+        <p:spPr>
+          <a:xfrm>
+            <a:off x="3648292" y="5183672"/>
+            <a:ext cx="340158" cy="461665"/>
+          </a:xfrm>
+          <a:prstGeom prst="rect">
+            <a:avLst/>
+          </a:prstGeom>
+          <a:noFill/>
+        </p:spPr>
+        <p:txBody>
+          <a:bodyPr wrap="none" rtlCol="0">
+            <a:spAutoFit/>
+          </a:bodyPr>
+          <a:lstStyle/>
+          <a:p>
+            <a:r>
+              <a:rPr kumimoji="1" lang="en-US" altLang="ja-JP" sz="2400" dirty="0"/>
+              <a:t>2</a:t>
+            </a:r>
+            <a:endParaRPr kumimoji="1" lang="ja-JP" altLang="en-US" sz="2400" dirty="0"/>
+          </a:p>
+        </p:txBody>
+      </p:sp>
+      <p:pic>
+        <p:nvPicPr>
+          <p:cNvPr id="52" name="Picture 4" descr="丸のマークのイラスト「○」">
+            <a:extLst>
+              <a:ext uri="{FF2B5EF4-FFF2-40B4-BE49-F238E27FC236}">
+                <a16:creationId xmlns:a16="http://schemas.microsoft.com/office/drawing/2014/main" id="{6C1868F4-8D5D-F6C7-D6CF-9D8AB6DD6504}"/>
+              </a:ext>
+            </a:extLst>
+          </p:cNvPr>
+          <p:cNvPicPr>
+            <a:picLocks noChangeAspect="1" noChangeArrowheads="1"/>
+          </p:cNvPicPr>
+          <p:nvPr/>
+        </p:nvPicPr>
+        <p:blipFill>
+          <a:blip r:embed="rId4">
+            <a:extLst>
+              <a:ext uri="{28A0092B-C50C-407E-A947-70E740481C1C}">
+                <a14:useLocalDpi xmlns:a14="http://schemas.microsoft.com/office/drawing/2010/main" val="0"/>
+              </a:ext>
+            </a:extLst>
+          </a:blip>
+          <a:srcRect/>
+          <a:stretch>
+            <a:fillRect/>
+          </a:stretch>
+        </p:blipFill>
+        <p:spPr bwMode="auto">
+          <a:xfrm>
+            <a:off x="4533502" y="5112867"/>
+            <a:ext cx="641226" cy="641226"/>
+          </a:xfrm>
+          <a:prstGeom prst="rect">
+            <a:avLst/>
+          </a:prstGeom>
+          <a:noFill/>
+          <a:extLst>
+            <a:ext uri="{909E8E84-426E-40DD-AFC4-6F175D3DCCD1}">
+              <a14:hiddenFill xmlns:a14="http://schemas.microsoft.com/office/drawing/2010/main">
+                <a:solidFill>
+                  <a:srgbClr val="FFFFFF"/>
+                </a:solidFill>
+              </a14:hiddenFill>
+            </a:ext>
+          </a:extLst>
+        </p:spPr>
+      </p:pic>
+      <p:pic>
+        <p:nvPicPr>
+          <p:cNvPr id="53" name="Picture 6" descr="バツのマークのイラスト「×」">
+            <a:extLst>
+              <a:ext uri="{FF2B5EF4-FFF2-40B4-BE49-F238E27FC236}">
+                <a16:creationId xmlns:a16="http://schemas.microsoft.com/office/drawing/2014/main" id="{554232CF-9F13-0352-97E0-50FA9CE6445A}"/>
+              </a:ext>
+            </a:extLst>
+          </p:cNvPr>
+          <p:cNvPicPr>
+            <a:picLocks noChangeAspect="1" noChangeArrowheads="1"/>
+          </p:cNvPicPr>
+          <p:nvPr/>
+        </p:nvPicPr>
+        <p:blipFill>
+          <a:blip r:embed="rId5">
+            <a:extLst>
+              <a:ext uri="{28A0092B-C50C-407E-A947-70E740481C1C}">
+                <a14:useLocalDpi xmlns:a14="http://schemas.microsoft.com/office/drawing/2010/main" val="0"/>
+              </a:ext>
+            </a:extLst>
+          </a:blip>
+          <a:srcRect/>
+          <a:stretch>
+            <a:fillRect/>
+          </a:stretch>
+        </p:blipFill>
+        <p:spPr bwMode="auto">
+          <a:xfrm>
+            <a:off x="5454119" y="5074129"/>
+            <a:ext cx="713234" cy="713234"/>
+          </a:xfrm>
+          <a:prstGeom prst="rect">
+            <a:avLst/>
+          </a:prstGeom>
+          <a:noFill/>
+          <a:extLst>
+            <a:ext uri="{909E8E84-426E-40DD-AFC4-6F175D3DCCD1}">
+              <a14:hiddenFill xmlns:a14="http://schemas.microsoft.com/office/drawing/2010/main">
+                <a:solidFill>
+                  <a:srgbClr val="FFFFFF"/>
+                </a:solidFill>
+              </a14:hiddenFill>
+            </a:ext>
+          </a:extLst>
+        </p:spPr>
+      </p:pic>
+      <p:sp>
+        <p:nvSpPr>
+          <p:cNvPr id="54" name="テキスト ボックス 53">
+            <a:extLst>
+              <a:ext uri="{FF2B5EF4-FFF2-40B4-BE49-F238E27FC236}">
+                <a16:creationId xmlns:a16="http://schemas.microsoft.com/office/drawing/2014/main" id="{68B3D44C-1519-DE9B-266A-94D17995B278}"/>
+              </a:ext>
+            </a:extLst>
+          </p:cNvPr>
+          <p:cNvSpPr txBox="1"/>
+          <p:nvPr/>
+        </p:nvSpPr>
+        <p:spPr>
+          <a:xfrm>
+            <a:off x="6625420" y="5199913"/>
+            <a:ext cx="340158" cy="461665"/>
+          </a:xfrm>
+          <a:prstGeom prst="rect">
+            <a:avLst/>
+          </a:prstGeom>
+          <a:noFill/>
+        </p:spPr>
+        <p:txBody>
+          <a:bodyPr wrap="none" rtlCol="0">
+            <a:spAutoFit/>
+          </a:bodyPr>
+          <a:lstStyle/>
+          <a:p>
+            <a:r>
+              <a:rPr kumimoji="1" lang="en-US" altLang="ja-JP" sz="2400" dirty="0"/>
+              <a:t>2</a:t>
+            </a:r>
+            <a:endParaRPr kumimoji="1" lang="ja-JP" altLang="en-US" sz="2400" dirty="0"/>
+          </a:p>
+        </p:txBody>
+      </p:sp>
+      <p:pic>
+        <p:nvPicPr>
+          <p:cNvPr id="55" name="Picture 4" descr="丸のマークのイラスト「○」">
+            <a:extLst>
+              <a:ext uri="{FF2B5EF4-FFF2-40B4-BE49-F238E27FC236}">
+                <a16:creationId xmlns:a16="http://schemas.microsoft.com/office/drawing/2014/main" id="{43768845-1A19-AE43-800F-13A640CA0023}"/>
+              </a:ext>
+            </a:extLst>
+          </p:cNvPr>
+          <p:cNvPicPr>
+            <a:picLocks noChangeAspect="1" noChangeArrowheads="1"/>
+          </p:cNvPicPr>
+          <p:nvPr/>
+        </p:nvPicPr>
+        <p:blipFill>
+          <a:blip r:embed="rId4">
+            <a:extLst>
+              <a:ext uri="{28A0092B-C50C-407E-A947-70E740481C1C}">
+                <a14:useLocalDpi xmlns:a14="http://schemas.microsoft.com/office/drawing/2010/main" val="0"/>
+              </a:ext>
+            </a:extLst>
+          </a:blip>
+          <a:srcRect/>
+          <a:stretch>
+            <a:fillRect/>
+          </a:stretch>
+        </p:blipFill>
+        <p:spPr bwMode="auto">
+          <a:xfrm>
+            <a:off x="5492168" y="3407873"/>
+            <a:ext cx="641226" cy="641226"/>
+          </a:xfrm>
+          <a:prstGeom prst="rect">
+            <a:avLst/>
+          </a:prstGeom>
+          <a:noFill/>
+          <a:extLst>
+            <a:ext uri="{909E8E84-426E-40DD-AFC4-6F175D3DCCD1}">
+              <a14:hiddenFill xmlns:a14="http://schemas.microsoft.com/office/drawing/2010/main">
+                <a:solidFill>
+                  <a:srgbClr val="FFFFFF"/>
+                </a:solidFill>
+              </a14:hiddenFill>
+            </a:ext>
+          </a:extLst>
+        </p:spPr>
+      </p:pic>
+      <p:pic>
+        <p:nvPicPr>
+          <p:cNvPr id="56" name="Picture 6" descr="バツのマークのイラスト「×」">
+            <a:extLst>
+              <a:ext uri="{FF2B5EF4-FFF2-40B4-BE49-F238E27FC236}">
+                <a16:creationId xmlns:a16="http://schemas.microsoft.com/office/drawing/2014/main" id="{1D421E55-FF23-7073-2CBE-3DBC46DCB55D}"/>
+              </a:ext>
+            </a:extLst>
+          </p:cNvPr>
+          <p:cNvPicPr>
+            <a:picLocks noChangeAspect="1" noChangeArrowheads="1"/>
+          </p:cNvPicPr>
+          <p:nvPr/>
+        </p:nvPicPr>
+        <p:blipFill>
+          <a:blip r:embed="rId5">
+            <a:extLst>
+              <a:ext uri="{28A0092B-C50C-407E-A947-70E740481C1C}">
+                <a14:useLocalDpi xmlns:a14="http://schemas.microsoft.com/office/drawing/2010/main" val="0"/>
+              </a:ext>
+            </a:extLst>
+          </a:blip>
+          <a:srcRect/>
+          <a:stretch>
+            <a:fillRect/>
+          </a:stretch>
+        </p:blipFill>
+        <p:spPr bwMode="auto">
+          <a:xfrm>
+            <a:off x="4499207" y="3371869"/>
+            <a:ext cx="713234" cy="713234"/>
+          </a:xfrm>
+          <a:prstGeom prst="rect">
+            <a:avLst/>
+          </a:prstGeom>
+          <a:noFill/>
+          <a:extLst>
+            <a:ext uri="{909E8E84-426E-40DD-AFC4-6F175D3DCCD1}">
+              <a14:hiddenFill xmlns:a14="http://schemas.microsoft.com/office/drawing/2010/main">
+                <a:solidFill>
+                  <a:srgbClr val="FFFFFF"/>
+                </a:solidFill>
+              </a14:hiddenFill>
+            </a:ext>
+          </a:extLst>
+        </p:spPr>
+      </p:pic>
+      <p:pic>
+        <p:nvPicPr>
+          <p:cNvPr id="57" name="Picture 6" descr="バツのマークのイラスト「×」">
+            <a:extLst>
+              <a:ext uri="{FF2B5EF4-FFF2-40B4-BE49-F238E27FC236}">
+                <a16:creationId xmlns:a16="http://schemas.microsoft.com/office/drawing/2014/main" id="{FA9837A1-8671-6E9D-070B-1C9899D4A38D}"/>
+              </a:ext>
+            </a:extLst>
+          </p:cNvPr>
+          <p:cNvPicPr>
+            <a:picLocks noChangeAspect="1" noChangeArrowheads="1"/>
+          </p:cNvPicPr>
+          <p:nvPr/>
+        </p:nvPicPr>
+        <p:blipFill>
+          <a:blip r:embed="rId5">
+            <a:extLst>
+              <a:ext uri="{28A0092B-C50C-407E-A947-70E740481C1C}">
+                <a14:useLocalDpi xmlns:a14="http://schemas.microsoft.com/office/drawing/2010/main" val="0"/>
+              </a:ext>
+            </a:extLst>
+          </a:blip>
+          <a:srcRect/>
+          <a:stretch>
+            <a:fillRect/>
+          </a:stretch>
+        </p:blipFill>
+        <p:spPr bwMode="auto">
+          <a:xfrm>
+            <a:off x="1517960" y="4264047"/>
+            <a:ext cx="713234" cy="713234"/>
+          </a:xfrm>
+          <a:prstGeom prst="rect">
+            <a:avLst/>
+          </a:prstGeom>
+          <a:noFill/>
+          <a:extLst>
+            <a:ext uri="{909E8E84-426E-40DD-AFC4-6F175D3DCCD1}">
+              <a14:hiddenFill xmlns:a14="http://schemas.microsoft.com/office/drawing/2010/main">
+                <a:solidFill>
+                  <a:srgbClr val="FFFFFF"/>
+                </a:solidFill>
+              </a14:hiddenFill>
+            </a:ext>
+          </a:extLst>
+        </p:spPr>
+      </p:pic>
     </p:spTree>
     <p:extLst>
       <p:ext uri="{BB962C8B-B14F-4D97-AF65-F5344CB8AC3E}">
-        <p14:creationId xmlns:p14="http://schemas.microsoft.com/office/powerpoint/2010/main" val="426051528"/>
+        <p14:creationId xmlns:p14="http://schemas.microsoft.com/office/powerpoint/2010/main" val="2889720090"/>
       </p:ext>
     </p:extLst>
   </p:cSld>
@@ -3020,10 +5458,10 @@
       </p:grpSpPr>
       <p:pic>
         <p:nvPicPr>
-          <p:cNvPr id="2050" name="Picture 2" descr="カレーライスのイラスト（白米）">
-            <a:extLst>
-              <a:ext uri="{FF2B5EF4-FFF2-40B4-BE49-F238E27FC236}">
-                <a16:creationId xmlns:a16="http://schemas.microsoft.com/office/drawing/2014/main" id="{CE0740CE-B885-2823-432F-49523678EA63}"/>
+          <p:cNvPr id="1026" name="Picture 2" descr="白人の女の子の表情イラスト「笑顔」">
+            <a:extLst>
+              <a:ext uri="{FF2B5EF4-FFF2-40B4-BE49-F238E27FC236}">
+                <a16:creationId xmlns:a16="http://schemas.microsoft.com/office/drawing/2014/main" id="{10B8D19B-4162-E9F6-074C-69EB3F478BD9}"/>
               </a:ext>
             </a:extLst>
           </p:cNvPr>
@@ -3047,8 +5485,8 @@
         </p:blipFill>
         <p:spPr bwMode="auto">
           <a:xfrm>
-            <a:off x="1691680" y="764704"/>
-            <a:ext cx="1567061" cy="1131766"/>
+            <a:off x="899592" y="2924944"/>
+            <a:ext cx="1152128" cy="1319231"/>
           </a:xfrm>
           <a:prstGeom prst="rect">
             <a:avLst/>
@@ -3067,10 +5505,10 @@
       </p:pic>
       <p:pic>
         <p:nvPicPr>
-          <p:cNvPr id="2052" name="Picture 4" descr="白人の女の子の表情イラスト「焦った顔」">
-            <a:extLst>
-              <a:ext uri="{FF2B5EF4-FFF2-40B4-BE49-F238E27FC236}">
-                <a16:creationId xmlns:a16="http://schemas.microsoft.com/office/drawing/2014/main" id="{7DB95798-A8CB-A3BC-B088-C0AE84E911EE}"/>
+          <p:cNvPr id="1028" name="Picture 4" descr="白人の男の子の表情イラスト「笑顔」">
+            <a:extLst>
+              <a:ext uri="{FF2B5EF4-FFF2-40B4-BE49-F238E27FC236}">
+                <a16:creationId xmlns:a16="http://schemas.microsoft.com/office/drawing/2014/main" id="{997949EF-9652-4E37-C88D-C2B32DDB042C}"/>
               </a:ext>
             </a:extLst>
           </p:cNvPr>
@@ -3094,8 +5532,8 @@
         </p:blipFill>
         <p:spPr bwMode="auto">
           <a:xfrm>
-            <a:off x="467544" y="2564904"/>
-            <a:ext cx="1373549" cy="1572766"/>
+            <a:off x="5292080" y="2996952"/>
+            <a:ext cx="1122001" cy="1284734"/>
           </a:xfrm>
           <a:prstGeom prst="rect">
             <a:avLst/>
@@ -3114,10 +5552,10 @@
       </p:pic>
       <p:pic>
         <p:nvPicPr>
-          <p:cNvPr id="2054" name="Picture 6" descr="白人の男の子の表情イラスト「目がハート」">
-            <a:extLst>
-              <a:ext uri="{FF2B5EF4-FFF2-40B4-BE49-F238E27FC236}">
-                <a16:creationId xmlns:a16="http://schemas.microsoft.com/office/drawing/2014/main" id="{35A64DE1-80F3-3460-2C8F-0D73BA467E8C}"/>
+          <p:cNvPr id="1030" name="Picture 6" descr="食堂のイラスト">
+            <a:extLst>
+              <a:ext uri="{FF2B5EF4-FFF2-40B4-BE49-F238E27FC236}">
+                <a16:creationId xmlns:a16="http://schemas.microsoft.com/office/drawing/2014/main" id="{DE9683C7-A6E3-81BF-8BED-61A0619996C3}"/>
               </a:ext>
             </a:extLst>
           </p:cNvPr>
@@ -3141,8 +5579,8 @@
         </p:blipFill>
         <p:spPr bwMode="auto">
           <a:xfrm>
-            <a:off x="3203848" y="2492896"/>
-            <a:ext cx="1436436" cy="1644774"/>
+            <a:off x="683568" y="647062"/>
+            <a:ext cx="2376264" cy="2328739"/>
           </a:xfrm>
           <a:prstGeom prst="rect">
             <a:avLst/>
@@ -3159,177 +5597,12 @@
           </a:extLst>
         </p:spPr>
       </p:pic>
-      <p:cxnSp>
-        <p:nvCxnSpPr>
-          <p:cNvPr id="3" name="直線コネクタ 2">
-            <a:extLst>
-              <a:ext uri="{FF2B5EF4-FFF2-40B4-BE49-F238E27FC236}">
-                <a16:creationId xmlns:a16="http://schemas.microsoft.com/office/drawing/2014/main" id="{725DD7F3-7F28-8CE4-E311-36F6C11C2458}"/>
-              </a:ext>
-            </a:extLst>
-          </p:cNvPr>
-          <p:cNvCxnSpPr>
-            <a:endCxn id="2050" idx="2"/>
-          </p:cNvCxnSpPr>
-          <p:nvPr/>
-        </p:nvCxnSpPr>
-        <p:spPr>
-          <a:xfrm flipV="1">
-            <a:off x="1475656" y="1896470"/>
-            <a:ext cx="999555" cy="740442"/>
-          </a:xfrm>
-          <a:prstGeom prst="line">
-            <a:avLst/>
-          </a:prstGeom>
-          <a:ln w="57150">
-            <a:solidFill>
-              <a:srgbClr val="FF0000"/>
-            </a:solidFill>
-            <a:headEnd type="none"/>
-            <a:tailEnd type="none"/>
-          </a:ln>
-          <a:effectLst/>
-        </p:spPr>
-        <p:style>
-          <a:lnRef idx="2">
-            <a:schemeClr val="accent1"/>
-          </a:lnRef>
-          <a:fillRef idx="0">
-            <a:schemeClr val="accent1"/>
-          </a:fillRef>
-          <a:effectRef idx="1">
-            <a:schemeClr val="accent1"/>
-          </a:effectRef>
-          <a:fontRef idx="minor">
-            <a:schemeClr val="tx1"/>
-          </a:fontRef>
-        </p:style>
-      </p:cxnSp>
-      <p:cxnSp>
-        <p:nvCxnSpPr>
-          <p:cNvPr id="7" name="直線コネクタ 6">
-            <a:extLst>
-              <a:ext uri="{FF2B5EF4-FFF2-40B4-BE49-F238E27FC236}">
-                <a16:creationId xmlns:a16="http://schemas.microsoft.com/office/drawing/2014/main" id="{E2123B63-EEA5-DD8A-27AB-D23B809FC55C}"/>
-              </a:ext>
-            </a:extLst>
-          </p:cNvPr>
-          <p:cNvCxnSpPr>
-            <a:cxnSpLocks/>
-            <a:endCxn id="2050" idx="2"/>
-          </p:cNvCxnSpPr>
-          <p:nvPr/>
-        </p:nvCxnSpPr>
-        <p:spPr>
-          <a:xfrm flipH="1" flipV="1">
-            <a:off x="2475211" y="1896470"/>
-            <a:ext cx="944661" cy="812450"/>
-          </a:xfrm>
-          <a:prstGeom prst="line">
-            <a:avLst/>
-          </a:prstGeom>
-          <a:ln w="57150">
-            <a:solidFill>
-              <a:srgbClr val="0070C0"/>
-            </a:solidFill>
-            <a:headEnd type="none"/>
-            <a:tailEnd type="none"/>
-          </a:ln>
-          <a:effectLst/>
-        </p:spPr>
-        <p:style>
-          <a:lnRef idx="2">
-            <a:schemeClr val="accent1"/>
-          </a:lnRef>
-          <a:fillRef idx="0">
-            <a:schemeClr val="accent1"/>
-          </a:fillRef>
-          <a:effectRef idx="1">
-            <a:schemeClr val="accent1"/>
-          </a:effectRef>
-          <a:fontRef idx="minor">
-            <a:schemeClr val="tx1"/>
-          </a:fontRef>
-        </p:style>
-      </p:cxnSp>
-      <p:sp>
-        <p:nvSpPr>
-          <p:cNvPr id="6" name="テキスト ボックス 5">
-            <a:extLst>
-              <a:ext uri="{FF2B5EF4-FFF2-40B4-BE49-F238E27FC236}">
-                <a16:creationId xmlns:a16="http://schemas.microsoft.com/office/drawing/2014/main" id="{8224823F-50BF-564C-4D2D-5D538A42F9F4}"/>
-              </a:ext>
-            </a:extLst>
-          </p:cNvPr>
-          <p:cNvSpPr txBox="1"/>
-          <p:nvPr/>
-        </p:nvSpPr>
-        <p:spPr>
-          <a:xfrm>
-            <a:off x="2051720" y="260648"/>
-            <a:ext cx="800219" cy="461665"/>
-          </a:xfrm>
-          <a:prstGeom prst="rect">
-            <a:avLst/>
-          </a:prstGeom>
-          <a:noFill/>
-        </p:spPr>
-        <p:txBody>
-          <a:bodyPr wrap="none" rtlCol="0">
-            <a:spAutoFit/>
-          </a:bodyPr>
-          <a:lstStyle/>
-          <a:p>
-            <a:r>
-              <a:rPr lang="ja-JP" altLang="en-US" sz="2400" dirty="0"/>
-              <a:t>現実</a:t>
-            </a:r>
-            <a:endParaRPr kumimoji="1" lang="ja-JP" altLang="en-US" sz="2400" dirty="0"/>
-          </a:p>
-        </p:txBody>
-      </p:sp>
-      <p:sp>
-        <p:nvSpPr>
-          <p:cNvPr id="8" name="テキスト ボックス 7">
-            <a:extLst>
-              <a:ext uri="{FF2B5EF4-FFF2-40B4-BE49-F238E27FC236}">
-                <a16:creationId xmlns:a16="http://schemas.microsoft.com/office/drawing/2014/main" id="{89799B0B-BA4C-9DCF-728E-2D0B890E2322}"/>
-              </a:ext>
-            </a:extLst>
-          </p:cNvPr>
-          <p:cNvSpPr txBox="1"/>
-          <p:nvPr/>
-        </p:nvSpPr>
-        <p:spPr>
-          <a:xfrm>
-            <a:off x="6588224" y="260648"/>
-            <a:ext cx="800219" cy="461665"/>
-          </a:xfrm>
-          <a:prstGeom prst="rect">
-            <a:avLst/>
-          </a:prstGeom>
-          <a:noFill/>
-        </p:spPr>
-        <p:txBody>
-          <a:bodyPr wrap="none" rtlCol="0">
-            <a:spAutoFit/>
-          </a:bodyPr>
-          <a:lstStyle/>
-          <a:p>
-            <a:r>
-              <a:rPr lang="ja-JP" altLang="en-US" sz="2400" dirty="0"/>
-              <a:t>推定</a:t>
-            </a:r>
-            <a:endParaRPr kumimoji="1" lang="ja-JP" altLang="en-US" sz="2400" dirty="0"/>
-          </a:p>
-        </p:txBody>
-      </p:sp>
       <p:pic>
         <p:nvPicPr>
-          <p:cNvPr id="3076" name="Picture 4" descr="白人の男の子の表情イラスト「焦った顔」">
-            <a:extLst>
-              <a:ext uri="{FF2B5EF4-FFF2-40B4-BE49-F238E27FC236}">
-                <a16:creationId xmlns:a16="http://schemas.microsoft.com/office/drawing/2014/main" id="{431F2EF2-FB75-C30C-4932-E4869BDAC847}"/>
+          <p:cNvPr id="1032" name="Picture 8" descr="五感のイラスト（視覚・男性）">
+            <a:extLst>
+              <a:ext uri="{FF2B5EF4-FFF2-40B4-BE49-F238E27FC236}">
+                <a16:creationId xmlns:a16="http://schemas.microsoft.com/office/drawing/2014/main" id="{862D861B-FF71-D744-3CFD-F063FD94E318}"/>
               </a:ext>
             </a:extLst>
           </p:cNvPr>
@@ -3353,8 +5626,8 @@
         </p:blipFill>
         <p:spPr bwMode="auto">
           <a:xfrm>
-            <a:off x="7164288" y="2132856"/>
-            <a:ext cx="1059114" cy="1212726"/>
+            <a:off x="3203848" y="2924944"/>
+            <a:ext cx="1121195" cy="1359024"/>
           </a:xfrm>
           <a:prstGeom prst="rect">
             <a:avLst/>
@@ -3373,10 +5646,10 @@
       </p:pic>
       <p:pic>
         <p:nvPicPr>
-          <p:cNvPr id="3078" name="Picture 6" descr="白人の女の子の表情イラスト「目がハート」">
-            <a:extLst>
-              <a:ext uri="{FF2B5EF4-FFF2-40B4-BE49-F238E27FC236}">
-                <a16:creationId xmlns:a16="http://schemas.microsoft.com/office/drawing/2014/main" id="{6CEAF276-DB69-E3F7-B08F-F4AC28EECC9B}"/>
+          <p:cNvPr id="6" name="Picture 6" descr="食堂のイラスト">
+            <a:extLst>
+              <a:ext uri="{FF2B5EF4-FFF2-40B4-BE49-F238E27FC236}">
+                <a16:creationId xmlns:a16="http://schemas.microsoft.com/office/drawing/2014/main" id="{91C447D7-E02D-ED6A-9635-6BCB544BA348}"/>
               </a:ext>
             </a:extLst>
           </p:cNvPr>
@@ -3386,7 +5659,7 @@
           <p:nvPr/>
         </p:nvPicPr>
         <p:blipFill>
-          <a:blip r:embed="rId6">
+          <a:blip r:embed="rId4">
             <a:extLst>
               <a:ext uri="{28A0092B-C50C-407E-A947-70E740481C1C}">
                 <a14:useLocalDpi xmlns:a14="http://schemas.microsoft.com/office/drawing/2010/main" val="0"/>
@@ -3400,8 +5673,8 @@
         </p:blipFill>
         <p:spPr bwMode="auto">
           <a:xfrm>
-            <a:off x="5508104" y="2204865"/>
-            <a:ext cx="1006191" cy="1152128"/>
+            <a:off x="5076056" y="548680"/>
+            <a:ext cx="2376264" cy="2328739"/>
           </a:xfrm>
           <a:prstGeom prst="rect">
             <a:avLst/>
@@ -3420,10 +5693,10 @@
       </p:pic>
       <p:pic>
         <p:nvPicPr>
-          <p:cNvPr id="10" name="Picture 8" descr="五感のイラスト（視覚・男性）">
-            <a:extLst>
-              <a:ext uri="{FF2B5EF4-FFF2-40B4-BE49-F238E27FC236}">
-                <a16:creationId xmlns:a16="http://schemas.microsoft.com/office/drawing/2014/main" id="{1FAAE921-118A-39BF-8527-0EC1673F7C00}"/>
+          <p:cNvPr id="8" name="Picture 8" descr="五感のイラスト（視覚・男性）">
+            <a:extLst>
+              <a:ext uri="{FF2B5EF4-FFF2-40B4-BE49-F238E27FC236}">
+                <a16:creationId xmlns:a16="http://schemas.microsoft.com/office/drawing/2014/main" id="{57F37A6E-7AD7-CCFD-65E4-B512BDBE400C}"/>
               </a:ext>
             </a:extLst>
           </p:cNvPr>
@@ -3433,7 +5706,7 @@
           <p:nvPr/>
         </p:nvPicPr>
         <p:blipFill>
-          <a:blip r:embed="rId7">
+          <a:blip r:embed="rId5">
             <a:extLst>
               <a:ext uri="{28A0092B-C50C-407E-A947-70E740481C1C}">
                 <a14:useLocalDpi xmlns:a14="http://schemas.microsoft.com/office/drawing/2010/main" val="0"/>
@@ -3447,7 +5720,7 @@
         </p:blipFill>
         <p:spPr bwMode="auto">
           <a:xfrm>
-            <a:off x="7380312" y="3645024"/>
+            <a:off x="7524328" y="2924944"/>
             <a:ext cx="1121195" cy="1359024"/>
           </a:xfrm>
           <a:prstGeom prst="rect">
@@ -3467,292 +5740,144 @@
       </p:pic>
       <p:sp>
         <p:nvSpPr>
-          <p:cNvPr id="11" name="楕円 10">
-            <a:extLst>
-              <a:ext uri="{FF2B5EF4-FFF2-40B4-BE49-F238E27FC236}">
-                <a16:creationId xmlns:a16="http://schemas.microsoft.com/office/drawing/2014/main" id="{FCF0A693-0384-84E4-A2FC-E3782973137F}"/>
-              </a:ext>
-            </a:extLst>
-          </p:cNvPr>
-          <p:cNvSpPr/>
+          <p:cNvPr id="2" name="テキスト ボックス 1">
+            <a:extLst>
+              <a:ext uri="{FF2B5EF4-FFF2-40B4-BE49-F238E27FC236}">
+                <a16:creationId xmlns:a16="http://schemas.microsoft.com/office/drawing/2014/main" id="{AA12CC5B-99F3-618C-3A80-C198916974B4}"/>
+              </a:ext>
+            </a:extLst>
+          </p:cNvPr>
+          <p:cNvSpPr txBox="1"/>
           <p:nvPr/>
         </p:nvSpPr>
         <p:spPr>
           <a:xfrm>
-            <a:off x="7164288" y="4149080"/>
-            <a:ext cx="576064" cy="288032"/>
-          </a:xfrm>
-          <a:prstGeom prst="ellipse">
-            <a:avLst/>
-          </a:prstGeom>
-          <a:solidFill>
-            <a:schemeClr val="bg1"/>
-          </a:solidFill>
-          <a:ln>
-            <a:noFill/>
-          </a:ln>
+            <a:off x="1115616" y="4221088"/>
+            <a:ext cx="787395" cy="461665"/>
+          </a:xfrm>
+          <a:prstGeom prst="rect">
+            <a:avLst/>
+          </a:prstGeom>
+          <a:noFill/>
         </p:spPr>
         <p:txBody>
-          <a:bodyPr wrap="square" rtlCol="0" anchor="ctr">
+          <a:bodyPr wrap="none" rtlCol="0">
             <a:spAutoFit/>
           </a:bodyPr>
           <a:lstStyle/>
           <a:p>
-            <a:pPr algn="ctr"/>
-            <a:endParaRPr kumimoji="1" lang="ja-JP" altLang="en-US" sz="2400" dirty="0"/>
-          </a:p>
-        </p:txBody>
-      </p:sp>
-      <p:pic>
-        <p:nvPicPr>
-          <p:cNvPr id="12" name="Picture 2" descr="漫符「はてなマーク・クエスチョンマーク」">
-            <a:extLst>
-              <a:ext uri="{FF2B5EF4-FFF2-40B4-BE49-F238E27FC236}">
-                <a16:creationId xmlns:a16="http://schemas.microsoft.com/office/drawing/2014/main" id="{54091F78-F11A-E096-6089-D7B0DDCC284C}"/>
-              </a:ext>
-            </a:extLst>
-          </p:cNvPr>
-          <p:cNvPicPr>
-            <a:picLocks noChangeAspect="1" noChangeArrowheads="1"/>
-          </p:cNvPicPr>
-          <p:nvPr/>
-        </p:nvPicPr>
-        <p:blipFill>
-          <a:blip r:embed="rId8">
-            <a:extLst>
-              <a:ext uri="{28A0092B-C50C-407E-A947-70E740481C1C}">
-                <a14:useLocalDpi xmlns:a14="http://schemas.microsoft.com/office/drawing/2010/main" val="0"/>
-              </a:ext>
-            </a:extLst>
-          </a:blip>
-          <a:srcRect/>
-          <a:stretch>
-            <a:fillRect/>
-          </a:stretch>
-        </p:blipFill>
-        <p:spPr bwMode="auto">
-          <a:xfrm>
-            <a:off x="6516216" y="836712"/>
-            <a:ext cx="707119" cy="973099"/>
-          </a:xfrm>
-          <a:prstGeom prst="rect">
-            <a:avLst/>
-          </a:prstGeom>
-          <a:noFill/>
-          <a:extLst>
-            <a:ext uri="{909E8E84-426E-40DD-AFC4-6F175D3DCCD1}">
-              <a14:hiddenFill xmlns:a14="http://schemas.microsoft.com/office/drawing/2010/main">
-                <a:solidFill>
-                  <a:srgbClr val="FFFFFF"/>
-                </a:solidFill>
-              </a14:hiddenFill>
-            </a:ext>
-          </a:extLst>
-        </p:spPr>
-      </p:pic>
-      <p:cxnSp>
-        <p:nvCxnSpPr>
-          <p:cNvPr id="13" name="直線コネクタ 12">
-            <a:extLst>
-              <a:ext uri="{FF2B5EF4-FFF2-40B4-BE49-F238E27FC236}">
-                <a16:creationId xmlns:a16="http://schemas.microsoft.com/office/drawing/2014/main" id="{38EBD17B-DFB1-A410-00CF-42718588BF3C}"/>
-              </a:ext>
-            </a:extLst>
-          </p:cNvPr>
-          <p:cNvCxnSpPr>
-            <a:cxnSpLocks/>
-            <a:stCxn id="3076" idx="0"/>
-            <a:endCxn id="12" idx="2"/>
-          </p:cNvCxnSpPr>
-          <p:nvPr/>
-        </p:nvCxnSpPr>
-        <p:spPr>
-          <a:xfrm flipH="1" flipV="1">
-            <a:off x="6869776" y="1809811"/>
-            <a:ext cx="824069" cy="323045"/>
-          </a:xfrm>
-          <a:prstGeom prst="line">
-            <a:avLst/>
-          </a:prstGeom>
-          <a:ln w="57150">
-            <a:solidFill>
-              <a:srgbClr val="FF0000"/>
-            </a:solidFill>
-            <a:headEnd type="none"/>
-            <a:tailEnd type="none"/>
-          </a:ln>
-          <a:effectLst/>
-        </p:spPr>
-        <p:style>
-          <a:lnRef idx="2">
-            <a:schemeClr val="accent1"/>
-          </a:lnRef>
-          <a:fillRef idx="0">
-            <a:schemeClr val="accent1"/>
-          </a:fillRef>
-          <a:effectRef idx="1">
-            <a:schemeClr val="accent1"/>
-          </a:effectRef>
-          <a:fontRef idx="minor">
-            <a:schemeClr val="tx1"/>
-          </a:fontRef>
-        </p:style>
-      </p:cxnSp>
-      <p:cxnSp>
-        <p:nvCxnSpPr>
-          <p:cNvPr id="17" name="直線コネクタ 16">
-            <a:extLst>
-              <a:ext uri="{FF2B5EF4-FFF2-40B4-BE49-F238E27FC236}">
-                <a16:creationId xmlns:a16="http://schemas.microsoft.com/office/drawing/2014/main" id="{899A173C-C993-7E4F-988C-6C6518BE340F}"/>
-              </a:ext>
-            </a:extLst>
-          </p:cNvPr>
-          <p:cNvCxnSpPr>
-            <a:cxnSpLocks/>
-            <a:stCxn id="3078" idx="0"/>
-            <a:endCxn id="12" idx="2"/>
-          </p:cNvCxnSpPr>
-          <p:nvPr/>
-        </p:nvCxnSpPr>
-        <p:spPr>
-          <a:xfrm flipV="1">
-            <a:off x="6011200" y="1809811"/>
-            <a:ext cx="858576" cy="395054"/>
-          </a:xfrm>
-          <a:prstGeom prst="line">
-            <a:avLst/>
-          </a:prstGeom>
-          <a:ln w="57150">
-            <a:solidFill>
-              <a:srgbClr val="0070C0"/>
-            </a:solidFill>
-            <a:headEnd type="none"/>
-            <a:tailEnd type="none"/>
-          </a:ln>
-          <a:effectLst/>
-        </p:spPr>
-        <p:style>
-          <a:lnRef idx="2">
-            <a:schemeClr val="accent1"/>
-          </a:lnRef>
-          <a:fillRef idx="0">
-            <a:schemeClr val="accent1"/>
-          </a:fillRef>
-          <a:effectRef idx="1">
-            <a:schemeClr val="accent1"/>
-          </a:effectRef>
-          <a:fontRef idx="minor">
-            <a:schemeClr val="tx1"/>
-          </a:fontRef>
-        </p:style>
-      </p:cxnSp>
-      <p:sp>
-        <p:nvSpPr>
-          <p:cNvPr id="20" name="四角形: 角を丸くする 19">
-            <a:extLst>
-              <a:ext uri="{FF2B5EF4-FFF2-40B4-BE49-F238E27FC236}">
-                <a16:creationId xmlns:a16="http://schemas.microsoft.com/office/drawing/2014/main" id="{A48B6F65-E35E-8A05-2111-0938D0B91E47}"/>
-              </a:ext>
-            </a:extLst>
-          </p:cNvPr>
-          <p:cNvSpPr/>
-          <p:nvPr/>
-        </p:nvSpPr>
-        <p:spPr>
-          <a:xfrm>
-            <a:off x="5148064" y="764704"/>
-            <a:ext cx="3384376" cy="2880320"/>
-          </a:xfrm>
-          <a:prstGeom prst="roundRect">
-            <a:avLst/>
-          </a:prstGeom>
-          <a:ln>
-            <a:solidFill>
-              <a:schemeClr val="tx1"/>
-            </a:solidFill>
-          </a:ln>
-        </p:spPr>
-        <p:txBody>
-          <a:bodyPr wrap="square" rtlCol="0" anchor="ctr">
-            <a:spAutoFit/>
-          </a:bodyPr>
-          <a:lstStyle/>
-          <a:p>
-            <a:pPr algn="ctr"/>
+            <a:r>
+              <a:rPr kumimoji="1" lang="en-US" altLang="ja-JP" sz="2400"/>
+              <a:t>Alice</a:t>
+            </a:r>
             <a:endParaRPr kumimoji="1" lang="ja-JP" altLang="en-US" sz="2400" dirty="0"/>
           </a:p>
         </p:txBody>
       </p:sp>
       <p:sp>
         <p:nvSpPr>
-          <p:cNvPr id="21" name="楕円 20">
-            <a:extLst>
-              <a:ext uri="{FF2B5EF4-FFF2-40B4-BE49-F238E27FC236}">
-                <a16:creationId xmlns:a16="http://schemas.microsoft.com/office/drawing/2014/main" id="{09E00381-4A2B-D2F1-7EB7-3E2F8ADECD74}"/>
-              </a:ext>
-            </a:extLst>
-          </p:cNvPr>
-          <p:cNvSpPr/>
+          <p:cNvPr id="10" name="テキスト ボックス 9">
+            <a:extLst>
+              <a:ext uri="{FF2B5EF4-FFF2-40B4-BE49-F238E27FC236}">
+                <a16:creationId xmlns:a16="http://schemas.microsoft.com/office/drawing/2014/main" id="{E3FF535C-7884-FB9A-8CC9-991394ACFB29}"/>
+              </a:ext>
+            </a:extLst>
+          </p:cNvPr>
+          <p:cNvSpPr txBox="1"/>
           <p:nvPr/>
         </p:nvSpPr>
         <p:spPr>
           <a:xfrm>
-            <a:off x="6876256" y="3645024"/>
-            <a:ext cx="648072" cy="432048"/>
-          </a:xfrm>
-          <a:prstGeom prst="ellipse">
-            <a:avLst/>
-          </a:prstGeom>
-          <a:ln>
-            <a:solidFill>
-              <a:schemeClr val="tx1"/>
-            </a:solidFill>
-          </a:ln>
+            <a:off x="3491880" y="4221088"/>
+            <a:ext cx="806503" cy="461665"/>
+          </a:xfrm>
+          <a:prstGeom prst="rect">
+            <a:avLst/>
+          </a:prstGeom>
+          <a:noFill/>
         </p:spPr>
         <p:txBody>
-          <a:bodyPr wrap="square" rtlCol="0" anchor="ctr">
+          <a:bodyPr wrap="none" rtlCol="0">
             <a:spAutoFit/>
           </a:bodyPr>
           <a:lstStyle/>
           <a:p>
-            <a:pPr algn="ctr"/>
+            <a:r>
+              <a:rPr kumimoji="1" lang="en-US" altLang="ja-JP" sz="2400"/>
+              <a:t>Dave</a:t>
+            </a:r>
             <a:endParaRPr kumimoji="1" lang="ja-JP" altLang="en-US" sz="2400" dirty="0"/>
           </a:p>
         </p:txBody>
       </p:sp>
       <p:sp>
         <p:nvSpPr>
-          <p:cNvPr id="22" name="楕円 21">
-            <a:extLst>
-              <a:ext uri="{FF2B5EF4-FFF2-40B4-BE49-F238E27FC236}">
-                <a16:creationId xmlns:a16="http://schemas.microsoft.com/office/drawing/2014/main" id="{79697174-1264-2625-42AB-41919FAC260A}"/>
-              </a:ext>
-            </a:extLst>
-          </p:cNvPr>
-          <p:cNvSpPr/>
+          <p:cNvPr id="11" name="テキスト ボックス 10">
+            <a:extLst>
+              <a:ext uri="{FF2B5EF4-FFF2-40B4-BE49-F238E27FC236}">
+                <a16:creationId xmlns:a16="http://schemas.microsoft.com/office/drawing/2014/main" id="{11B85318-EABA-282A-9C14-0EAE3AF514AE}"/>
+              </a:ext>
+            </a:extLst>
+          </p:cNvPr>
+          <p:cNvSpPr txBox="1"/>
           <p:nvPr/>
         </p:nvSpPr>
         <p:spPr>
           <a:xfrm>
-            <a:off x="7236296" y="4077072"/>
-            <a:ext cx="495672" cy="224408"/>
-          </a:xfrm>
-          <a:prstGeom prst="ellipse">
-            <a:avLst/>
-          </a:prstGeom>
-          <a:ln>
-            <a:solidFill>
-              <a:schemeClr val="tx1"/>
-            </a:solidFill>
-          </a:ln>
+            <a:off x="7884368" y="4221088"/>
+            <a:ext cx="806503" cy="461665"/>
+          </a:xfrm>
+          <a:prstGeom prst="rect">
+            <a:avLst/>
+          </a:prstGeom>
+          <a:noFill/>
         </p:spPr>
         <p:txBody>
-          <a:bodyPr wrap="square" rtlCol="0" anchor="ctr">
+          <a:bodyPr wrap="none" rtlCol="0">
             <a:spAutoFit/>
           </a:bodyPr>
           <a:lstStyle/>
           <a:p>
-            <a:pPr algn="ctr"/>
+            <a:r>
+              <a:rPr kumimoji="1" lang="en-US" altLang="ja-JP" sz="2400"/>
+              <a:t>Dave</a:t>
+            </a:r>
+            <a:endParaRPr kumimoji="1" lang="ja-JP" altLang="en-US" sz="2400" dirty="0"/>
+          </a:p>
+        </p:txBody>
+      </p:sp>
+      <p:sp>
+        <p:nvSpPr>
+          <p:cNvPr id="12" name="テキスト ボックス 11">
+            <a:extLst>
+              <a:ext uri="{FF2B5EF4-FFF2-40B4-BE49-F238E27FC236}">
+                <a16:creationId xmlns:a16="http://schemas.microsoft.com/office/drawing/2014/main" id="{5055C48A-C589-9A1C-ED0E-7A72C5DEA9F4}"/>
+              </a:ext>
+            </a:extLst>
+          </p:cNvPr>
+          <p:cNvSpPr txBox="1"/>
+          <p:nvPr/>
+        </p:nvSpPr>
+        <p:spPr>
+          <a:xfrm>
+            <a:off x="5508104" y="4221088"/>
+            <a:ext cx="675185" cy="461665"/>
+          </a:xfrm>
+          <a:prstGeom prst="rect">
+            <a:avLst/>
+          </a:prstGeom>
+          <a:noFill/>
+        </p:spPr>
+        <p:txBody>
+          <a:bodyPr wrap="none" rtlCol="0">
+            <a:spAutoFit/>
+          </a:bodyPr>
+          <a:lstStyle/>
+          <a:p>
+            <a:r>
+              <a:rPr kumimoji="1" lang="en-US" altLang="ja-JP" sz="2400"/>
+              <a:t>Bob</a:t>
+            </a:r>
             <a:endParaRPr kumimoji="1" lang="ja-JP" altLang="en-US" sz="2400" dirty="0"/>
           </a:p>
         </p:txBody>
@@ -3760,7 +5885,7 @@
     </p:spTree>
     <p:extLst>
       <p:ext uri="{BB962C8B-B14F-4D97-AF65-F5344CB8AC3E}">
-        <p14:creationId xmlns:p14="http://schemas.microsoft.com/office/powerpoint/2010/main" val="2785966396"/>
+        <p14:creationId xmlns:p14="http://schemas.microsoft.com/office/powerpoint/2010/main" val="426051528"/>
       </p:ext>
     </p:extLst>
   </p:cSld>
@@ -3789,6 +5914,775 @@
       </p:grpSpPr>
       <p:pic>
         <p:nvPicPr>
+          <p:cNvPr id="2050" name="Picture 2" descr="カレーライスのイラスト（白米）">
+            <a:extLst>
+              <a:ext uri="{FF2B5EF4-FFF2-40B4-BE49-F238E27FC236}">
+                <a16:creationId xmlns:a16="http://schemas.microsoft.com/office/drawing/2014/main" id="{CE0740CE-B885-2823-432F-49523678EA63}"/>
+              </a:ext>
+            </a:extLst>
+          </p:cNvPr>
+          <p:cNvPicPr>
+            <a:picLocks noChangeAspect="1" noChangeArrowheads="1"/>
+          </p:cNvPicPr>
+          <p:nvPr/>
+        </p:nvPicPr>
+        <p:blipFill>
+          <a:blip r:embed="rId2">
+            <a:extLst>
+              <a:ext uri="{28A0092B-C50C-407E-A947-70E740481C1C}">
+                <a14:useLocalDpi xmlns:a14="http://schemas.microsoft.com/office/drawing/2010/main" val="0"/>
+              </a:ext>
+            </a:extLst>
+          </a:blip>
+          <a:srcRect/>
+          <a:stretch>
+            <a:fillRect/>
+          </a:stretch>
+        </p:blipFill>
+        <p:spPr bwMode="auto">
+          <a:xfrm>
+            <a:off x="1691680" y="764704"/>
+            <a:ext cx="1567061" cy="1131766"/>
+          </a:xfrm>
+          <a:prstGeom prst="rect">
+            <a:avLst/>
+          </a:prstGeom>
+          <a:noFill/>
+          <a:extLst>
+            <a:ext uri="{909E8E84-426E-40DD-AFC4-6F175D3DCCD1}">
+              <a14:hiddenFill xmlns:a14="http://schemas.microsoft.com/office/drawing/2010/main">
+                <a:solidFill>
+                  <a:srgbClr val="FFFFFF"/>
+                </a:solidFill>
+              </a14:hiddenFill>
+            </a:ext>
+          </a:extLst>
+        </p:spPr>
+      </p:pic>
+      <p:pic>
+        <p:nvPicPr>
+          <p:cNvPr id="2052" name="Picture 4" descr="白人の女の子の表情イラスト「焦った顔」">
+            <a:extLst>
+              <a:ext uri="{FF2B5EF4-FFF2-40B4-BE49-F238E27FC236}">
+                <a16:creationId xmlns:a16="http://schemas.microsoft.com/office/drawing/2014/main" id="{7DB95798-A8CB-A3BC-B088-C0AE84E911EE}"/>
+              </a:ext>
+            </a:extLst>
+          </p:cNvPr>
+          <p:cNvPicPr>
+            <a:picLocks noChangeAspect="1" noChangeArrowheads="1"/>
+          </p:cNvPicPr>
+          <p:nvPr/>
+        </p:nvPicPr>
+        <p:blipFill>
+          <a:blip r:embed="rId3">
+            <a:extLst>
+              <a:ext uri="{28A0092B-C50C-407E-A947-70E740481C1C}">
+                <a14:useLocalDpi xmlns:a14="http://schemas.microsoft.com/office/drawing/2010/main" val="0"/>
+              </a:ext>
+            </a:extLst>
+          </a:blip>
+          <a:srcRect/>
+          <a:stretch>
+            <a:fillRect/>
+          </a:stretch>
+        </p:blipFill>
+        <p:spPr bwMode="auto">
+          <a:xfrm>
+            <a:off x="467544" y="2564904"/>
+            <a:ext cx="1373549" cy="1572766"/>
+          </a:xfrm>
+          <a:prstGeom prst="rect">
+            <a:avLst/>
+          </a:prstGeom>
+          <a:noFill/>
+          <a:extLst>
+            <a:ext uri="{909E8E84-426E-40DD-AFC4-6F175D3DCCD1}">
+              <a14:hiddenFill xmlns:a14="http://schemas.microsoft.com/office/drawing/2010/main">
+                <a:solidFill>
+                  <a:srgbClr val="FFFFFF"/>
+                </a:solidFill>
+              </a14:hiddenFill>
+            </a:ext>
+          </a:extLst>
+        </p:spPr>
+      </p:pic>
+      <p:pic>
+        <p:nvPicPr>
+          <p:cNvPr id="2054" name="Picture 6" descr="白人の男の子の表情イラスト「目がハート」">
+            <a:extLst>
+              <a:ext uri="{FF2B5EF4-FFF2-40B4-BE49-F238E27FC236}">
+                <a16:creationId xmlns:a16="http://schemas.microsoft.com/office/drawing/2014/main" id="{35A64DE1-80F3-3460-2C8F-0D73BA467E8C}"/>
+              </a:ext>
+            </a:extLst>
+          </p:cNvPr>
+          <p:cNvPicPr>
+            <a:picLocks noChangeAspect="1" noChangeArrowheads="1"/>
+          </p:cNvPicPr>
+          <p:nvPr/>
+        </p:nvPicPr>
+        <p:blipFill>
+          <a:blip r:embed="rId4">
+            <a:extLst>
+              <a:ext uri="{28A0092B-C50C-407E-A947-70E740481C1C}">
+                <a14:useLocalDpi xmlns:a14="http://schemas.microsoft.com/office/drawing/2010/main" val="0"/>
+              </a:ext>
+            </a:extLst>
+          </a:blip>
+          <a:srcRect/>
+          <a:stretch>
+            <a:fillRect/>
+          </a:stretch>
+        </p:blipFill>
+        <p:spPr bwMode="auto">
+          <a:xfrm>
+            <a:off x="3203848" y="2492896"/>
+            <a:ext cx="1436436" cy="1644774"/>
+          </a:xfrm>
+          <a:prstGeom prst="rect">
+            <a:avLst/>
+          </a:prstGeom>
+          <a:noFill/>
+          <a:extLst>
+            <a:ext uri="{909E8E84-426E-40DD-AFC4-6F175D3DCCD1}">
+              <a14:hiddenFill xmlns:a14="http://schemas.microsoft.com/office/drawing/2010/main">
+                <a:solidFill>
+                  <a:srgbClr val="FFFFFF"/>
+                </a:solidFill>
+              </a14:hiddenFill>
+            </a:ext>
+          </a:extLst>
+        </p:spPr>
+      </p:pic>
+      <p:cxnSp>
+        <p:nvCxnSpPr>
+          <p:cNvPr id="3" name="直線コネクタ 2">
+            <a:extLst>
+              <a:ext uri="{FF2B5EF4-FFF2-40B4-BE49-F238E27FC236}">
+                <a16:creationId xmlns:a16="http://schemas.microsoft.com/office/drawing/2014/main" id="{725DD7F3-7F28-8CE4-E311-36F6C11C2458}"/>
+              </a:ext>
+            </a:extLst>
+          </p:cNvPr>
+          <p:cNvCxnSpPr>
+            <a:endCxn id="2050" idx="2"/>
+          </p:cNvCxnSpPr>
+          <p:nvPr/>
+        </p:nvCxnSpPr>
+        <p:spPr>
+          <a:xfrm flipV="1">
+            <a:off x="1475656" y="1896470"/>
+            <a:ext cx="999555" cy="740442"/>
+          </a:xfrm>
+          <a:prstGeom prst="line">
+            <a:avLst/>
+          </a:prstGeom>
+          <a:ln w="57150">
+            <a:solidFill>
+              <a:srgbClr val="FF0000"/>
+            </a:solidFill>
+            <a:headEnd type="none"/>
+            <a:tailEnd type="none"/>
+          </a:ln>
+          <a:effectLst/>
+        </p:spPr>
+        <p:style>
+          <a:lnRef idx="2">
+            <a:schemeClr val="accent1"/>
+          </a:lnRef>
+          <a:fillRef idx="0">
+            <a:schemeClr val="accent1"/>
+          </a:fillRef>
+          <a:effectRef idx="1">
+            <a:schemeClr val="accent1"/>
+          </a:effectRef>
+          <a:fontRef idx="minor">
+            <a:schemeClr val="tx1"/>
+          </a:fontRef>
+        </p:style>
+      </p:cxnSp>
+      <p:cxnSp>
+        <p:nvCxnSpPr>
+          <p:cNvPr id="7" name="直線コネクタ 6">
+            <a:extLst>
+              <a:ext uri="{FF2B5EF4-FFF2-40B4-BE49-F238E27FC236}">
+                <a16:creationId xmlns:a16="http://schemas.microsoft.com/office/drawing/2014/main" id="{E2123B63-EEA5-DD8A-27AB-D23B809FC55C}"/>
+              </a:ext>
+            </a:extLst>
+          </p:cNvPr>
+          <p:cNvCxnSpPr>
+            <a:cxnSpLocks/>
+            <a:endCxn id="2050" idx="2"/>
+          </p:cNvCxnSpPr>
+          <p:nvPr/>
+        </p:nvCxnSpPr>
+        <p:spPr>
+          <a:xfrm flipH="1" flipV="1">
+            <a:off x="2475211" y="1896470"/>
+            <a:ext cx="944661" cy="812450"/>
+          </a:xfrm>
+          <a:prstGeom prst="line">
+            <a:avLst/>
+          </a:prstGeom>
+          <a:ln w="57150">
+            <a:solidFill>
+              <a:srgbClr val="0070C0"/>
+            </a:solidFill>
+            <a:headEnd type="none"/>
+            <a:tailEnd type="none"/>
+          </a:ln>
+          <a:effectLst/>
+        </p:spPr>
+        <p:style>
+          <a:lnRef idx="2">
+            <a:schemeClr val="accent1"/>
+          </a:lnRef>
+          <a:fillRef idx="0">
+            <a:schemeClr val="accent1"/>
+          </a:fillRef>
+          <a:effectRef idx="1">
+            <a:schemeClr val="accent1"/>
+          </a:effectRef>
+          <a:fontRef idx="minor">
+            <a:schemeClr val="tx1"/>
+          </a:fontRef>
+        </p:style>
+      </p:cxnSp>
+      <p:sp>
+        <p:nvSpPr>
+          <p:cNvPr id="6" name="テキスト ボックス 5">
+            <a:extLst>
+              <a:ext uri="{FF2B5EF4-FFF2-40B4-BE49-F238E27FC236}">
+                <a16:creationId xmlns:a16="http://schemas.microsoft.com/office/drawing/2014/main" id="{8224823F-50BF-564C-4D2D-5D538A42F9F4}"/>
+              </a:ext>
+            </a:extLst>
+          </p:cNvPr>
+          <p:cNvSpPr txBox="1"/>
+          <p:nvPr/>
+        </p:nvSpPr>
+        <p:spPr>
+          <a:xfrm>
+            <a:off x="2051720" y="260648"/>
+            <a:ext cx="800219" cy="461665"/>
+          </a:xfrm>
+          <a:prstGeom prst="rect">
+            <a:avLst/>
+          </a:prstGeom>
+          <a:noFill/>
+        </p:spPr>
+        <p:txBody>
+          <a:bodyPr wrap="none" rtlCol="0">
+            <a:spAutoFit/>
+          </a:bodyPr>
+          <a:lstStyle/>
+          <a:p>
+            <a:r>
+              <a:rPr lang="ja-JP" altLang="en-US" sz="2400" dirty="0"/>
+              <a:t>現実</a:t>
+            </a:r>
+            <a:endParaRPr kumimoji="1" lang="ja-JP" altLang="en-US" sz="2400" dirty="0"/>
+          </a:p>
+        </p:txBody>
+      </p:sp>
+      <p:sp>
+        <p:nvSpPr>
+          <p:cNvPr id="8" name="テキスト ボックス 7">
+            <a:extLst>
+              <a:ext uri="{FF2B5EF4-FFF2-40B4-BE49-F238E27FC236}">
+                <a16:creationId xmlns:a16="http://schemas.microsoft.com/office/drawing/2014/main" id="{89799B0B-BA4C-9DCF-728E-2D0B890E2322}"/>
+              </a:ext>
+            </a:extLst>
+          </p:cNvPr>
+          <p:cNvSpPr txBox="1"/>
+          <p:nvPr/>
+        </p:nvSpPr>
+        <p:spPr>
+          <a:xfrm>
+            <a:off x="6588224" y="260648"/>
+            <a:ext cx="800219" cy="461665"/>
+          </a:xfrm>
+          <a:prstGeom prst="rect">
+            <a:avLst/>
+          </a:prstGeom>
+          <a:noFill/>
+        </p:spPr>
+        <p:txBody>
+          <a:bodyPr wrap="none" rtlCol="0">
+            <a:spAutoFit/>
+          </a:bodyPr>
+          <a:lstStyle/>
+          <a:p>
+            <a:r>
+              <a:rPr lang="ja-JP" altLang="en-US" sz="2400" dirty="0"/>
+              <a:t>推定</a:t>
+            </a:r>
+            <a:endParaRPr kumimoji="1" lang="ja-JP" altLang="en-US" sz="2400" dirty="0"/>
+          </a:p>
+        </p:txBody>
+      </p:sp>
+      <p:pic>
+        <p:nvPicPr>
+          <p:cNvPr id="3076" name="Picture 4" descr="白人の男の子の表情イラスト「焦った顔」">
+            <a:extLst>
+              <a:ext uri="{FF2B5EF4-FFF2-40B4-BE49-F238E27FC236}">
+                <a16:creationId xmlns:a16="http://schemas.microsoft.com/office/drawing/2014/main" id="{431F2EF2-FB75-C30C-4932-E4869BDAC847}"/>
+              </a:ext>
+            </a:extLst>
+          </p:cNvPr>
+          <p:cNvPicPr>
+            <a:picLocks noChangeAspect="1" noChangeArrowheads="1"/>
+          </p:cNvPicPr>
+          <p:nvPr/>
+        </p:nvPicPr>
+        <p:blipFill>
+          <a:blip r:embed="rId5">
+            <a:extLst>
+              <a:ext uri="{28A0092B-C50C-407E-A947-70E740481C1C}">
+                <a14:useLocalDpi xmlns:a14="http://schemas.microsoft.com/office/drawing/2010/main" val="0"/>
+              </a:ext>
+            </a:extLst>
+          </a:blip>
+          <a:srcRect/>
+          <a:stretch>
+            <a:fillRect/>
+          </a:stretch>
+        </p:blipFill>
+        <p:spPr bwMode="auto">
+          <a:xfrm>
+            <a:off x="7164288" y="2132856"/>
+            <a:ext cx="1059114" cy="1212726"/>
+          </a:xfrm>
+          <a:prstGeom prst="rect">
+            <a:avLst/>
+          </a:prstGeom>
+          <a:noFill/>
+          <a:extLst>
+            <a:ext uri="{909E8E84-426E-40DD-AFC4-6F175D3DCCD1}">
+              <a14:hiddenFill xmlns:a14="http://schemas.microsoft.com/office/drawing/2010/main">
+                <a:solidFill>
+                  <a:srgbClr val="FFFFFF"/>
+                </a:solidFill>
+              </a14:hiddenFill>
+            </a:ext>
+          </a:extLst>
+        </p:spPr>
+      </p:pic>
+      <p:pic>
+        <p:nvPicPr>
+          <p:cNvPr id="3078" name="Picture 6" descr="白人の女の子の表情イラスト「目がハート」">
+            <a:extLst>
+              <a:ext uri="{FF2B5EF4-FFF2-40B4-BE49-F238E27FC236}">
+                <a16:creationId xmlns:a16="http://schemas.microsoft.com/office/drawing/2014/main" id="{6CEAF276-DB69-E3F7-B08F-F4AC28EECC9B}"/>
+              </a:ext>
+            </a:extLst>
+          </p:cNvPr>
+          <p:cNvPicPr>
+            <a:picLocks noChangeAspect="1" noChangeArrowheads="1"/>
+          </p:cNvPicPr>
+          <p:nvPr/>
+        </p:nvPicPr>
+        <p:blipFill>
+          <a:blip r:embed="rId6">
+            <a:extLst>
+              <a:ext uri="{28A0092B-C50C-407E-A947-70E740481C1C}">
+                <a14:useLocalDpi xmlns:a14="http://schemas.microsoft.com/office/drawing/2010/main" val="0"/>
+              </a:ext>
+            </a:extLst>
+          </a:blip>
+          <a:srcRect/>
+          <a:stretch>
+            <a:fillRect/>
+          </a:stretch>
+        </p:blipFill>
+        <p:spPr bwMode="auto">
+          <a:xfrm>
+            <a:off x="5508104" y="2204865"/>
+            <a:ext cx="1006191" cy="1152128"/>
+          </a:xfrm>
+          <a:prstGeom prst="rect">
+            <a:avLst/>
+          </a:prstGeom>
+          <a:noFill/>
+          <a:extLst>
+            <a:ext uri="{909E8E84-426E-40DD-AFC4-6F175D3DCCD1}">
+              <a14:hiddenFill xmlns:a14="http://schemas.microsoft.com/office/drawing/2010/main">
+                <a:solidFill>
+                  <a:srgbClr val="FFFFFF"/>
+                </a:solidFill>
+              </a14:hiddenFill>
+            </a:ext>
+          </a:extLst>
+        </p:spPr>
+      </p:pic>
+      <p:pic>
+        <p:nvPicPr>
+          <p:cNvPr id="10" name="Picture 8" descr="五感のイラスト（視覚・男性）">
+            <a:extLst>
+              <a:ext uri="{FF2B5EF4-FFF2-40B4-BE49-F238E27FC236}">
+                <a16:creationId xmlns:a16="http://schemas.microsoft.com/office/drawing/2014/main" id="{1FAAE921-118A-39BF-8527-0EC1673F7C00}"/>
+              </a:ext>
+            </a:extLst>
+          </p:cNvPr>
+          <p:cNvPicPr>
+            <a:picLocks noChangeAspect="1" noChangeArrowheads="1"/>
+          </p:cNvPicPr>
+          <p:nvPr/>
+        </p:nvPicPr>
+        <p:blipFill>
+          <a:blip r:embed="rId7">
+            <a:extLst>
+              <a:ext uri="{28A0092B-C50C-407E-A947-70E740481C1C}">
+                <a14:useLocalDpi xmlns:a14="http://schemas.microsoft.com/office/drawing/2010/main" val="0"/>
+              </a:ext>
+            </a:extLst>
+          </a:blip>
+          <a:srcRect/>
+          <a:stretch>
+            <a:fillRect/>
+          </a:stretch>
+        </p:blipFill>
+        <p:spPr bwMode="auto">
+          <a:xfrm>
+            <a:off x="7380312" y="3645024"/>
+            <a:ext cx="1121195" cy="1359024"/>
+          </a:xfrm>
+          <a:prstGeom prst="rect">
+            <a:avLst/>
+          </a:prstGeom>
+          <a:noFill/>
+          <a:extLst>
+            <a:ext uri="{909E8E84-426E-40DD-AFC4-6F175D3DCCD1}">
+              <a14:hiddenFill xmlns:a14="http://schemas.microsoft.com/office/drawing/2010/main">
+                <a:solidFill>
+                  <a:srgbClr val="FFFFFF"/>
+                </a:solidFill>
+              </a14:hiddenFill>
+            </a:ext>
+          </a:extLst>
+        </p:spPr>
+      </p:pic>
+      <p:sp>
+        <p:nvSpPr>
+          <p:cNvPr id="11" name="楕円 10">
+            <a:extLst>
+              <a:ext uri="{FF2B5EF4-FFF2-40B4-BE49-F238E27FC236}">
+                <a16:creationId xmlns:a16="http://schemas.microsoft.com/office/drawing/2014/main" id="{FCF0A693-0384-84E4-A2FC-E3782973137F}"/>
+              </a:ext>
+            </a:extLst>
+          </p:cNvPr>
+          <p:cNvSpPr/>
+          <p:nvPr/>
+        </p:nvSpPr>
+        <p:spPr>
+          <a:xfrm>
+            <a:off x="7164288" y="4149080"/>
+            <a:ext cx="576064" cy="288032"/>
+          </a:xfrm>
+          <a:prstGeom prst="ellipse">
+            <a:avLst/>
+          </a:prstGeom>
+          <a:solidFill>
+            <a:schemeClr val="bg1"/>
+          </a:solidFill>
+          <a:ln>
+            <a:noFill/>
+          </a:ln>
+        </p:spPr>
+        <p:txBody>
+          <a:bodyPr wrap="square" rtlCol="0" anchor="ctr">
+            <a:spAutoFit/>
+          </a:bodyPr>
+          <a:lstStyle/>
+          <a:p>
+            <a:pPr algn="ctr"/>
+            <a:endParaRPr kumimoji="1" lang="ja-JP" altLang="en-US" sz="2400" dirty="0"/>
+          </a:p>
+        </p:txBody>
+      </p:sp>
+      <p:pic>
+        <p:nvPicPr>
+          <p:cNvPr id="12" name="Picture 2" descr="漫符「はてなマーク・クエスチョンマーク」">
+            <a:extLst>
+              <a:ext uri="{FF2B5EF4-FFF2-40B4-BE49-F238E27FC236}">
+                <a16:creationId xmlns:a16="http://schemas.microsoft.com/office/drawing/2014/main" id="{54091F78-F11A-E096-6089-D7B0DDCC284C}"/>
+              </a:ext>
+            </a:extLst>
+          </p:cNvPr>
+          <p:cNvPicPr>
+            <a:picLocks noChangeAspect="1" noChangeArrowheads="1"/>
+          </p:cNvPicPr>
+          <p:nvPr/>
+        </p:nvPicPr>
+        <p:blipFill>
+          <a:blip r:embed="rId8">
+            <a:extLst>
+              <a:ext uri="{28A0092B-C50C-407E-A947-70E740481C1C}">
+                <a14:useLocalDpi xmlns:a14="http://schemas.microsoft.com/office/drawing/2010/main" val="0"/>
+              </a:ext>
+            </a:extLst>
+          </a:blip>
+          <a:srcRect/>
+          <a:stretch>
+            <a:fillRect/>
+          </a:stretch>
+        </p:blipFill>
+        <p:spPr bwMode="auto">
+          <a:xfrm>
+            <a:off x="6516216" y="836712"/>
+            <a:ext cx="707119" cy="973099"/>
+          </a:xfrm>
+          <a:prstGeom prst="rect">
+            <a:avLst/>
+          </a:prstGeom>
+          <a:noFill/>
+          <a:extLst>
+            <a:ext uri="{909E8E84-426E-40DD-AFC4-6F175D3DCCD1}">
+              <a14:hiddenFill xmlns:a14="http://schemas.microsoft.com/office/drawing/2010/main">
+                <a:solidFill>
+                  <a:srgbClr val="FFFFFF"/>
+                </a:solidFill>
+              </a14:hiddenFill>
+            </a:ext>
+          </a:extLst>
+        </p:spPr>
+      </p:pic>
+      <p:cxnSp>
+        <p:nvCxnSpPr>
+          <p:cNvPr id="13" name="直線コネクタ 12">
+            <a:extLst>
+              <a:ext uri="{FF2B5EF4-FFF2-40B4-BE49-F238E27FC236}">
+                <a16:creationId xmlns:a16="http://schemas.microsoft.com/office/drawing/2014/main" id="{38EBD17B-DFB1-A410-00CF-42718588BF3C}"/>
+              </a:ext>
+            </a:extLst>
+          </p:cNvPr>
+          <p:cNvCxnSpPr>
+            <a:cxnSpLocks/>
+            <a:stCxn id="3076" idx="0"/>
+            <a:endCxn id="12" idx="2"/>
+          </p:cNvCxnSpPr>
+          <p:nvPr/>
+        </p:nvCxnSpPr>
+        <p:spPr>
+          <a:xfrm flipH="1" flipV="1">
+            <a:off x="6869776" y="1809811"/>
+            <a:ext cx="824069" cy="323045"/>
+          </a:xfrm>
+          <a:prstGeom prst="line">
+            <a:avLst/>
+          </a:prstGeom>
+          <a:ln w="57150">
+            <a:solidFill>
+              <a:srgbClr val="FF0000"/>
+            </a:solidFill>
+            <a:headEnd type="none"/>
+            <a:tailEnd type="none"/>
+          </a:ln>
+          <a:effectLst/>
+        </p:spPr>
+        <p:style>
+          <a:lnRef idx="2">
+            <a:schemeClr val="accent1"/>
+          </a:lnRef>
+          <a:fillRef idx="0">
+            <a:schemeClr val="accent1"/>
+          </a:fillRef>
+          <a:effectRef idx="1">
+            <a:schemeClr val="accent1"/>
+          </a:effectRef>
+          <a:fontRef idx="minor">
+            <a:schemeClr val="tx1"/>
+          </a:fontRef>
+        </p:style>
+      </p:cxnSp>
+      <p:cxnSp>
+        <p:nvCxnSpPr>
+          <p:cNvPr id="17" name="直線コネクタ 16">
+            <a:extLst>
+              <a:ext uri="{FF2B5EF4-FFF2-40B4-BE49-F238E27FC236}">
+                <a16:creationId xmlns:a16="http://schemas.microsoft.com/office/drawing/2014/main" id="{899A173C-C993-7E4F-988C-6C6518BE340F}"/>
+              </a:ext>
+            </a:extLst>
+          </p:cNvPr>
+          <p:cNvCxnSpPr>
+            <a:cxnSpLocks/>
+            <a:stCxn id="3078" idx="0"/>
+            <a:endCxn id="12" idx="2"/>
+          </p:cNvCxnSpPr>
+          <p:nvPr/>
+        </p:nvCxnSpPr>
+        <p:spPr>
+          <a:xfrm flipV="1">
+            <a:off x="6011200" y="1809811"/>
+            <a:ext cx="858576" cy="395054"/>
+          </a:xfrm>
+          <a:prstGeom prst="line">
+            <a:avLst/>
+          </a:prstGeom>
+          <a:ln w="57150">
+            <a:solidFill>
+              <a:srgbClr val="0070C0"/>
+            </a:solidFill>
+            <a:headEnd type="none"/>
+            <a:tailEnd type="none"/>
+          </a:ln>
+          <a:effectLst/>
+        </p:spPr>
+        <p:style>
+          <a:lnRef idx="2">
+            <a:schemeClr val="accent1"/>
+          </a:lnRef>
+          <a:fillRef idx="0">
+            <a:schemeClr val="accent1"/>
+          </a:fillRef>
+          <a:effectRef idx="1">
+            <a:schemeClr val="accent1"/>
+          </a:effectRef>
+          <a:fontRef idx="minor">
+            <a:schemeClr val="tx1"/>
+          </a:fontRef>
+        </p:style>
+      </p:cxnSp>
+      <p:sp>
+        <p:nvSpPr>
+          <p:cNvPr id="20" name="四角形: 角を丸くする 19">
+            <a:extLst>
+              <a:ext uri="{FF2B5EF4-FFF2-40B4-BE49-F238E27FC236}">
+                <a16:creationId xmlns:a16="http://schemas.microsoft.com/office/drawing/2014/main" id="{A48B6F65-E35E-8A05-2111-0938D0B91E47}"/>
+              </a:ext>
+            </a:extLst>
+          </p:cNvPr>
+          <p:cNvSpPr/>
+          <p:nvPr/>
+        </p:nvSpPr>
+        <p:spPr>
+          <a:xfrm>
+            <a:off x="5148064" y="764704"/>
+            <a:ext cx="3384376" cy="2880320"/>
+          </a:xfrm>
+          <a:prstGeom prst="roundRect">
+            <a:avLst/>
+          </a:prstGeom>
+          <a:ln>
+            <a:solidFill>
+              <a:schemeClr val="tx1"/>
+            </a:solidFill>
+          </a:ln>
+        </p:spPr>
+        <p:txBody>
+          <a:bodyPr wrap="square" rtlCol="0" anchor="ctr">
+            <a:spAutoFit/>
+          </a:bodyPr>
+          <a:lstStyle/>
+          <a:p>
+            <a:pPr algn="ctr"/>
+            <a:endParaRPr kumimoji="1" lang="ja-JP" altLang="en-US" sz="2400" dirty="0"/>
+          </a:p>
+        </p:txBody>
+      </p:sp>
+      <p:sp>
+        <p:nvSpPr>
+          <p:cNvPr id="21" name="楕円 20">
+            <a:extLst>
+              <a:ext uri="{FF2B5EF4-FFF2-40B4-BE49-F238E27FC236}">
+                <a16:creationId xmlns:a16="http://schemas.microsoft.com/office/drawing/2014/main" id="{09E00381-4A2B-D2F1-7EB7-3E2F8ADECD74}"/>
+              </a:ext>
+            </a:extLst>
+          </p:cNvPr>
+          <p:cNvSpPr/>
+          <p:nvPr/>
+        </p:nvSpPr>
+        <p:spPr>
+          <a:xfrm>
+            <a:off x="6876256" y="3645024"/>
+            <a:ext cx="648072" cy="432048"/>
+          </a:xfrm>
+          <a:prstGeom prst="ellipse">
+            <a:avLst/>
+          </a:prstGeom>
+          <a:ln>
+            <a:solidFill>
+              <a:schemeClr val="tx1"/>
+            </a:solidFill>
+          </a:ln>
+        </p:spPr>
+        <p:txBody>
+          <a:bodyPr wrap="square" rtlCol="0" anchor="ctr">
+            <a:spAutoFit/>
+          </a:bodyPr>
+          <a:lstStyle/>
+          <a:p>
+            <a:pPr algn="ctr"/>
+            <a:endParaRPr kumimoji="1" lang="ja-JP" altLang="en-US" sz="2400" dirty="0"/>
+          </a:p>
+        </p:txBody>
+      </p:sp>
+      <p:sp>
+        <p:nvSpPr>
+          <p:cNvPr id="22" name="楕円 21">
+            <a:extLst>
+              <a:ext uri="{FF2B5EF4-FFF2-40B4-BE49-F238E27FC236}">
+                <a16:creationId xmlns:a16="http://schemas.microsoft.com/office/drawing/2014/main" id="{79697174-1264-2625-42AB-41919FAC260A}"/>
+              </a:ext>
+            </a:extLst>
+          </p:cNvPr>
+          <p:cNvSpPr/>
+          <p:nvPr/>
+        </p:nvSpPr>
+        <p:spPr>
+          <a:xfrm>
+            <a:off x="7236296" y="4077072"/>
+            <a:ext cx="495672" cy="224408"/>
+          </a:xfrm>
+          <a:prstGeom prst="ellipse">
+            <a:avLst/>
+          </a:prstGeom>
+          <a:ln>
+            <a:solidFill>
+              <a:schemeClr val="tx1"/>
+            </a:solidFill>
+          </a:ln>
+        </p:spPr>
+        <p:txBody>
+          <a:bodyPr wrap="square" rtlCol="0" anchor="ctr">
+            <a:spAutoFit/>
+          </a:bodyPr>
+          <a:lstStyle/>
+          <a:p>
+            <a:pPr algn="ctr"/>
+            <a:endParaRPr kumimoji="1" lang="ja-JP" altLang="en-US" sz="2400" dirty="0"/>
+          </a:p>
+        </p:txBody>
+      </p:sp>
+    </p:spTree>
+    <p:extLst>
+      <p:ext uri="{BB962C8B-B14F-4D97-AF65-F5344CB8AC3E}">
+        <p14:creationId xmlns:p14="http://schemas.microsoft.com/office/powerpoint/2010/main" val="2785966396"/>
+      </p:ext>
+    </p:extLst>
+  </p:cSld>
+  <p:clrMapOvr>
+    <a:masterClrMapping/>
+  </p:clrMapOvr>
+</p:sld>
+</file>
+
+<file path=ppt/slides/slide5.xml><?xml version="1.0" encoding="utf-8"?>
+<p:sld xmlns:a="http://schemas.openxmlformats.org/drawingml/2006/main" xmlns:r="http://schemas.openxmlformats.org/officeDocument/2006/relationships" xmlns:p="http://schemas.openxmlformats.org/presentationml/2006/main">
+  <p:cSld>
+    <p:spTree>
+      <p:nvGrpSpPr>
+        <p:cNvPr id="1" name=""/>
+        <p:cNvGrpSpPr/>
+        <p:nvPr/>
+      </p:nvGrpSpPr>
+      <p:grpSpPr>
+        <a:xfrm>
+          <a:off x="0" y="0"/>
+          <a:ext cx="0" cy="0"/>
+          <a:chOff x="0" y="0"/>
+          <a:chExt cx="0" cy="0"/>
+        </a:xfrm>
+      </p:grpSpPr>
+      <p:pic>
+        <p:nvPicPr>
           <p:cNvPr id="2" name="Picture 2" descr="白人の女の子の表情イラスト「笑顔」">
             <a:extLst>
               <a:ext uri="{FF2B5EF4-FFF2-40B4-BE49-F238E27FC236}">
@@ -4074,7 +6968,7 @@
 </p:sld>
 </file>
 
-<file path=ppt/slides/slide5.xml><?xml version="1.0" encoding="utf-8"?>
+<file path=ppt/slides/slide6.xml><?xml version="1.0" encoding="utf-8"?>
 <p:sld xmlns:a="http://schemas.openxmlformats.org/drawingml/2006/main" xmlns:r="http://schemas.openxmlformats.org/officeDocument/2006/relationships" xmlns:p="http://schemas.openxmlformats.org/presentationml/2006/main">
   <p:cSld>
     <p:spTree>
@@ -5332,7 +8226,7 @@
 </p:sld>
 </file>
 
-<file path=ppt/slides/slide6.xml><?xml version="1.0" encoding="utf-8"?>
+<file path=ppt/slides/slide7.xml><?xml version="1.0" encoding="utf-8"?>
 <p:sld xmlns:a="http://schemas.openxmlformats.org/drawingml/2006/main" xmlns:r="http://schemas.openxmlformats.org/officeDocument/2006/relationships" xmlns:p="http://schemas.openxmlformats.org/presentationml/2006/main">
   <p:cSld>
     <p:spTree>
@@ -6296,7 +9190,7 @@
           <p:nvPr/>
         </p:nvPicPr>
         <p:blipFill>
-          <a:blip r:embed="rId5">
+          <a:blip r:embed="rId7">
             <a:extLst>
               <a:ext uri="{28A0092B-C50C-407E-A947-70E740481C1C}">
                 <a14:useLocalDpi xmlns:a14="http://schemas.microsoft.com/office/drawing/2010/main" val="0"/>
@@ -6341,7 +9235,7 @@
 </p:sld>
 </file>
 
-<file path=ppt/slides/slide7.xml><?xml version="1.0" encoding="utf-8"?>
+<file path=ppt/slides/slide8.xml><?xml version="1.0" encoding="utf-8"?>
 <p:sld xmlns:a="http://schemas.openxmlformats.org/drawingml/2006/main" xmlns:r="http://schemas.openxmlformats.org/officeDocument/2006/relationships" xmlns:p="http://schemas.openxmlformats.org/presentationml/2006/main">
   <p:cSld>
     <p:spTree>
@@ -7025,7 +9919,7 @@
 </p:sld>
 </file>
 
-<file path=ppt/slides/slide8.xml><?xml version="1.0" encoding="utf-8"?>
+<file path=ppt/slides/slide9.xml><?xml version="1.0" encoding="utf-8"?>
 <p:sld xmlns:a="http://schemas.openxmlformats.org/drawingml/2006/main" xmlns:r="http://schemas.openxmlformats.org/officeDocument/2006/relationships" xmlns:p="http://schemas.openxmlformats.org/presentationml/2006/main">
   <p:cSld>
     <p:spTree>
@@ -7401,1049 +10295,6 @@
     <p:extLst>
       <p:ext uri="{BB962C8B-B14F-4D97-AF65-F5344CB8AC3E}">
         <p14:creationId xmlns:p14="http://schemas.microsoft.com/office/powerpoint/2010/main" val="521184061"/>
-      </p:ext>
-    </p:extLst>
-  </p:cSld>
-  <p:clrMapOvr>
-    <a:masterClrMapping/>
-  </p:clrMapOvr>
-</p:sld>
-</file>
-
-<file path=ppt/slides/slide9.xml><?xml version="1.0" encoding="utf-8"?>
-<p:sld xmlns:a="http://schemas.openxmlformats.org/drawingml/2006/main" xmlns:r="http://schemas.openxmlformats.org/officeDocument/2006/relationships" xmlns:p="http://schemas.openxmlformats.org/presentationml/2006/main">
-  <p:cSld>
-    <p:spTree>
-      <p:nvGrpSpPr>
-        <p:cNvPr id="1" name=""/>
-        <p:cNvGrpSpPr/>
-        <p:nvPr/>
-      </p:nvGrpSpPr>
-      <p:grpSpPr>
-        <a:xfrm>
-          <a:off x="0" y="0"/>
-          <a:ext cx="0" cy="0"/>
-          <a:chOff x="0" y="0"/>
-          <a:chExt cx="0" cy="0"/>
-        </a:xfrm>
-      </p:grpSpPr>
-      <p:pic>
-        <p:nvPicPr>
-          <p:cNvPr id="3074" name="Picture 2" descr="玩具のロボットのイラスト（緑）">
-            <a:extLst>
-              <a:ext uri="{FF2B5EF4-FFF2-40B4-BE49-F238E27FC236}">
-                <a16:creationId xmlns:a16="http://schemas.microsoft.com/office/drawing/2014/main" id="{0B096DD6-F1DB-0060-8A42-01421C41F966}"/>
-              </a:ext>
-            </a:extLst>
-          </p:cNvPr>
-          <p:cNvPicPr>
-            <a:picLocks noChangeAspect="1" noChangeArrowheads="1"/>
-          </p:cNvPicPr>
-          <p:nvPr/>
-        </p:nvPicPr>
-        <p:blipFill>
-          <a:blip r:embed="rId2">
-            <a:extLst>
-              <a:ext uri="{28A0092B-C50C-407E-A947-70E740481C1C}">
-                <a14:useLocalDpi xmlns:a14="http://schemas.microsoft.com/office/drawing/2010/main" val="0"/>
-              </a:ext>
-            </a:extLst>
-          </a:blip>
-          <a:srcRect/>
-          <a:stretch>
-            <a:fillRect/>
-          </a:stretch>
-        </p:blipFill>
-        <p:spPr bwMode="auto">
-          <a:xfrm>
-            <a:off x="5508104" y="2132856"/>
-            <a:ext cx="1330592" cy="1622673"/>
-          </a:xfrm>
-          <a:prstGeom prst="rect">
-            <a:avLst/>
-          </a:prstGeom>
-          <a:noFill/>
-          <a:extLst>
-            <a:ext uri="{909E8E84-426E-40DD-AFC4-6F175D3DCCD1}">
-              <a14:hiddenFill xmlns:a14="http://schemas.microsoft.com/office/drawing/2010/main">
-                <a:solidFill>
-                  <a:srgbClr val="FFFFFF"/>
-                </a:solidFill>
-              </a14:hiddenFill>
-            </a:ext>
-          </a:extLst>
-        </p:spPr>
-      </p:pic>
-      <p:pic>
-        <p:nvPicPr>
-          <p:cNvPr id="3" name="Picture 2" descr="カレーライスのイラスト（白米）">
-            <a:extLst>
-              <a:ext uri="{FF2B5EF4-FFF2-40B4-BE49-F238E27FC236}">
-                <a16:creationId xmlns:a16="http://schemas.microsoft.com/office/drawing/2014/main" id="{A1A76E40-F61E-3D36-E901-7C20D9D02532}"/>
-              </a:ext>
-            </a:extLst>
-          </p:cNvPr>
-          <p:cNvPicPr>
-            <a:picLocks noChangeAspect="1" noChangeArrowheads="1"/>
-          </p:cNvPicPr>
-          <p:nvPr/>
-        </p:nvPicPr>
-        <p:blipFill>
-          <a:blip r:embed="rId3">
-            <a:extLst>
-              <a:ext uri="{28A0092B-C50C-407E-A947-70E740481C1C}">
-                <a14:useLocalDpi xmlns:a14="http://schemas.microsoft.com/office/drawing/2010/main" val="0"/>
-              </a:ext>
-            </a:extLst>
-          </a:blip>
-          <a:srcRect/>
-          <a:stretch>
-            <a:fillRect/>
-          </a:stretch>
-        </p:blipFill>
-        <p:spPr bwMode="auto">
-          <a:xfrm>
-            <a:off x="467544" y="3645024"/>
-            <a:ext cx="1053849" cy="761113"/>
-          </a:xfrm>
-          <a:prstGeom prst="rect">
-            <a:avLst/>
-          </a:prstGeom>
-          <a:noFill/>
-          <a:extLst>
-            <a:ext uri="{909E8E84-426E-40DD-AFC4-6F175D3DCCD1}">
-              <a14:hiddenFill xmlns:a14="http://schemas.microsoft.com/office/drawing/2010/main">
-                <a:solidFill>
-                  <a:srgbClr val="FFFFFF"/>
-                </a:solidFill>
-              </a14:hiddenFill>
-            </a:ext>
-          </a:extLst>
-        </p:spPr>
-      </p:pic>
-      <p:pic>
-        <p:nvPicPr>
-          <p:cNvPr id="4" name="Picture 2" descr="白人の女の子の表情イラスト「笑顔」">
-            <a:extLst>
-              <a:ext uri="{FF2B5EF4-FFF2-40B4-BE49-F238E27FC236}">
-                <a16:creationId xmlns:a16="http://schemas.microsoft.com/office/drawing/2014/main" id="{BB0E8EE2-4C0D-E5D3-FA09-13A6E11FCA1E}"/>
-              </a:ext>
-            </a:extLst>
-          </p:cNvPr>
-          <p:cNvPicPr>
-            <a:picLocks noChangeAspect="1" noChangeArrowheads="1"/>
-          </p:cNvPicPr>
-          <p:nvPr/>
-        </p:nvPicPr>
-        <p:blipFill>
-          <a:blip r:embed="rId4">
-            <a:extLst>
-              <a:ext uri="{28A0092B-C50C-407E-A947-70E740481C1C}">
-                <a14:useLocalDpi xmlns:a14="http://schemas.microsoft.com/office/drawing/2010/main" val="0"/>
-              </a:ext>
-            </a:extLst>
-          </a:blip>
-          <a:srcRect/>
-          <a:stretch>
-            <a:fillRect/>
-          </a:stretch>
-        </p:blipFill>
-        <p:spPr bwMode="auto">
-          <a:xfrm>
-            <a:off x="611560" y="1628800"/>
-            <a:ext cx="774806" cy="887183"/>
-          </a:xfrm>
-          <a:prstGeom prst="rect">
-            <a:avLst/>
-          </a:prstGeom>
-          <a:noFill/>
-          <a:extLst>
-            <a:ext uri="{909E8E84-426E-40DD-AFC4-6F175D3DCCD1}">
-              <a14:hiddenFill xmlns:a14="http://schemas.microsoft.com/office/drawing/2010/main">
-                <a:solidFill>
-                  <a:srgbClr val="FFFFFF"/>
-                </a:solidFill>
-              </a14:hiddenFill>
-            </a:ext>
-          </a:extLst>
-        </p:spPr>
-      </p:pic>
-      <p:pic>
-        <p:nvPicPr>
-          <p:cNvPr id="5" name="Picture 4" descr="白人の男の子の表情イラスト「笑顔」">
-            <a:extLst>
-              <a:ext uri="{FF2B5EF4-FFF2-40B4-BE49-F238E27FC236}">
-                <a16:creationId xmlns:a16="http://schemas.microsoft.com/office/drawing/2014/main" id="{EA6C5CEE-7C82-0BDF-7969-B75BA5979550}"/>
-              </a:ext>
-            </a:extLst>
-          </p:cNvPr>
-          <p:cNvPicPr>
-            <a:picLocks noChangeAspect="1" noChangeArrowheads="1"/>
-          </p:cNvPicPr>
-          <p:nvPr/>
-        </p:nvPicPr>
-        <p:blipFill>
-          <a:blip r:embed="rId5">
-            <a:extLst>
-              <a:ext uri="{28A0092B-C50C-407E-A947-70E740481C1C}">
-                <a14:useLocalDpi xmlns:a14="http://schemas.microsoft.com/office/drawing/2010/main" val="0"/>
-              </a:ext>
-            </a:extLst>
-          </a:blip>
-          <a:srcRect/>
-          <a:stretch>
-            <a:fillRect/>
-          </a:stretch>
-        </p:blipFill>
-        <p:spPr bwMode="auto">
-          <a:xfrm>
-            <a:off x="611560" y="2636912"/>
-            <a:ext cx="754546" cy="863984"/>
-          </a:xfrm>
-          <a:prstGeom prst="rect">
-            <a:avLst/>
-          </a:prstGeom>
-          <a:noFill/>
-          <a:extLst>
-            <a:ext uri="{909E8E84-426E-40DD-AFC4-6F175D3DCCD1}">
-              <a14:hiddenFill xmlns:a14="http://schemas.microsoft.com/office/drawing/2010/main">
-                <a:solidFill>
-                  <a:srgbClr val="FFFFFF"/>
-                </a:solidFill>
-              </a14:hiddenFill>
-            </a:ext>
-          </a:extLst>
-        </p:spPr>
-      </p:pic>
-      <p:pic>
-        <p:nvPicPr>
-          <p:cNvPr id="3076" name="Picture 4" descr="丸のマークのイラスト「○」">
-            <a:extLst>
-              <a:ext uri="{FF2B5EF4-FFF2-40B4-BE49-F238E27FC236}">
-                <a16:creationId xmlns:a16="http://schemas.microsoft.com/office/drawing/2014/main" id="{ABCFF662-91EE-717F-EB4E-C0283CF9A291}"/>
-              </a:ext>
-            </a:extLst>
-          </p:cNvPr>
-          <p:cNvPicPr>
-            <a:picLocks noChangeAspect="1" noChangeArrowheads="1"/>
-          </p:cNvPicPr>
-          <p:nvPr/>
-        </p:nvPicPr>
-        <p:blipFill>
-          <a:blip r:embed="rId6">
-            <a:extLst>
-              <a:ext uri="{28A0092B-C50C-407E-A947-70E740481C1C}">
-                <a14:useLocalDpi xmlns:a14="http://schemas.microsoft.com/office/drawing/2010/main" val="0"/>
-              </a:ext>
-            </a:extLst>
-          </a:blip>
-          <a:srcRect/>
-          <a:stretch>
-            <a:fillRect/>
-          </a:stretch>
-        </p:blipFill>
-        <p:spPr bwMode="auto">
-          <a:xfrm>
-            <a:off x="1547664" y="1772816"/>
-            <a:ext cx="641226" cy="641226"/>
-          </a:xfrm>
-          <a:prstGeom prst="rect">
-            <a:avLst/>
-          </a:prstGeom>
-          <a:noFill/>
-          <a:extLst>
-            <a:ext uri="{909E8E84-426E-40DD-AFC4-6F175D3DCCD1}">
-              <a14:hiddenFill xmlns:a14="http://schemas.microsoft.com/office/drawing/2010/main">
-                <a:solidFill>
-                  <a:srgbClr val="FFFFFF"/>
-                </a:solidFill>
-              </a14:hiddenFill>
-            </a:ext>
-          </a:extLst>
-        </p:spPr>
-      </p:pic>
-      <p:pic>
-        <p:nvPicPr>
-          <p:cNvPr id="7" name="Picture 4" descr="丸のマークのイラスト「○」">
-            <a:extLst>
-              <a:ext uri="{FF2B5EF4-FFF2-40B4-BE49-F238E27FC236}">
-                <a16:creationId xmlns:a16="http://schemas.microsoft.com/office/drawing/2014/main" id="{61C1784E-28A7-C144-F585-EE6B7C2D6F9A}"/>
-              </a:ext>
-            </a:extLst>
-          </p:cNvPr>
-          <p:cNvPicPr>
-            <a:picLocks noChangeAspect="1" noChangeArrowheads="1"/>
-          </p:cNvPicPr>
-          <p:nvPr/>
-        </p:nvPicPr>
-        <p:blipFill>
-          <a:blip r:embed="rId6">
-            <a:extLst>
-              <a:ext uri="{28A0092B-C50C-407E-A947-70E740481C1C}">
-                <a14:useLocalDpi xmlns:a14="http://schemas.microsoft.com/office/drawing/2010/main" val="0"/>
-              </a:ext>
-            </a:extLst>
-          </a:blip>
-          <a:srcRect/>
-          <a:stretch>
-            <a:fillRect/>
-          </a:stretch>
-        </p:blipFill>
-        <p:spPr bwMode="auto">
-          <a:xfrm>
-            <a:off x="1547664" y="3645024"/>
-            <a:ext cx="641226" cy="641226"/>
-          </a:xfrm>
-          <a:prstGeom prst="rect">
-            <a:avLst/>
-          </a:prstGeom>
-          <a:noFill/>
-          <a:extLst>
-            <a:ext uri="{909E8E84-426E-40DD-AFC4-6F175D3DCCD1}">
-              <a14:hiddenFill xmlns:a14="http://schemas.microsoft.com/office/drawing/2010/main">
-                <a:solidFill>
-                  <a:srgbClr val="FFFFFF"/>
-                </a:solidFill>
-              </a14:hiddenFill>
-            </a:ext>
-          </a:extLst>
-        </p:spPr>
-      </p:pic>
-      <p:pic>
-        <p:nvPicPr>
-          <p:cNvPr id="3078" name="Picture 6" descr="バツのマークのイラスト「×」">
-            <a:extLst>
-              <a:ext uri="{FF2B5EF4-FFF2-40B4-BE49-F238E27FC236}">
-                <a16:creationId xmlns:a16="http://schemas.microsoft.com/office/drawing/2014/main" id="{EFBDE4A8-450D-8AF1-CDDB-64111249F77A}"/>
-              </a:ext>
-            </a:extLst>
-          </p:cNvPr>
-          <p:cNvPicPr>
-            <a:picLocks noChangeAspect="1" noChangeArrowheads="1"/>
-          </p:cNvPicPr>
-          <p:nvPr/>
-        </p:nvPicPr>
-        <p:blipFill>
-          <a:blip r:embed="rId7">
-            <a:extLst>
-              <a:ext uri="{28A0092B-C50C-407E-A947-70E740481C1C}">
-                <a14:useLocalDpi xmlns:a14="http://schemas.microsoft.com/office/drawing/2010/main" val="0"/>
-              </a:ext>
-            </a:extLst>
-          </a:blip>
-          <a:srcRect/>
-          <a:stretch>
-            <a:fillRect/>
-          </a:stretch>
-        </p:blipFill>
-        <p:spPr bwMode="auto">
-          <a:xfrm>
-            <a:off x="1547664" y="2636912"/>
-            <a:ext cx="713234" cy="713234"/>
-          </a:xfrm>
-          <a:prstGeom prst="rect">
-            <a:avLst/>
-          </a:prstGeom>
-          <a:noFill/>
-          <a:extLst>
-            <a:ext uri="{909E8E84-426E-40DD-AFC4-6F175D3DCCD1}">
-              <a14:hiddenFill xmlns:a14="http://schemas.microsoft.com/office/drawing/2010/main">
-                <a:solidFill>
-                  <a:srgbClr val="FFFFFF"/>
-                </a:solidFill>
-              </a14:hiddenFill>
-            </a:ext>
-          </a:extLst>
-        </p:spPr>
-      </p:pic>
-      <mc:AlternateContent xmlns:mc="http://schemas.openxmlformats.org/markup-compatibility/2006" xmlns:a14="http://schemas.microsoft.com/office/drawing/2010/main">
-        <mc:Choice Requires="a14">
-          <p:sp>
-            <p:nvSpPr>
-              <p:cNvPr id="2" name="テキスト ボックス 1">
-                <a:extLst>
-                  <a:ext uri="{FF2B5EF4-FFF2-40B4-BE49-F238E27FC236}">
-                    <a16:creationId xmlns:a16="http://schemas.microsoft.com/office/drawing/2014/main" id="{08AE8EF2-4F82-5550-366D-B290D44F6791}"/>
-                  </a:ext>
-                </a:extLst>
-              </p:cNvPr>
-              <p:cNvSpPr txBox="1"/>
-              <p:nvPr/>
-            </p:nvSpPr>
-            <p:spPr>
-              <a:xfrm>
-                <a:off x="3203848" y="2492896"/>
-                <a:ext cx="1706365" cy="995401"/>
-              </a:xfrm>
-              <a:prstGeom prst="rect">
-                <a:avLst/>
-              </a:prstGeom>
-              <a:noFill/>
-            </p:spPr>
-            <p:txBody>
-              <a:bodyPr wrap="none" lIns="0" tIns="0" rIns="0" bIns="0" rtlCol="0">
-                <a:spAutoFit/>
-              </a:bodyPr>
-              <a:lstStyle/>
-              <a:p>
-                <a:pPr/>
-                <a14:m>
-                  <m:oMathPara xmlns:m="http://schemas.openxmlformats.org/officeDocument/2006/math">
-                    <m:oMathParaPr>
-                      <m:jc m:val="centerGroup"/>
-                    </m:oMathParaPr>
-                    <m:oMath xmlns:m="http://schemas.openxmlformats.org/officeDocument/2006/math">
-                      <m:d>
-                        <m:dPr>
-                          <m:ctrlPr>
-                            <a:rPr kumimoji="1" lang="en-US" altLang="ja-JP" sz="2400" i="1" smtClean="0">
-                              <a:latin typeface="Cambria Math" panose="02040503050406030204" pitchFamily="18" charset="0"/>
-                            </a:rPr>
-                          </m:ctrlPr>
-                        </m:dPr>
-                        <m:e>
-                          <m:m>
-                            <m:mPr>
-                              <m:mcs>
-                                <m:mc>
-                                  <m:mcPr>
-                                    <m:count m:val="1"/>
-                                    <m:mcJc m:val="center"/>
-                                  </m:mcPr>
-                                </m:mc>
-                              </m:mcs>
-                              <m:ctrlPr>
-                                <a:rPr lang="en-US" altLang="ja-JP" sz="2400" i="1">
-                                  <a:latin typeface="Cambria Math" panose="02040503050406030204" pitchFamily="18" charset="0"/>
-                                </a:rPr>
-                              </m:ctrlPr>
-                            </m:mPr>
-                            <m:mr>
-                              <m:e>
-                                <m:sSub>
-                                  <m:sSubPr>
-                                    <m:ctrlPr>
-                                      <a:rPr lang="en-US" altLang="ja-JP" sz="2400" b="0" i="1" smtClean="0">
-                                        <a:latin typeface="Cambria Math" panose="02040503050406030204" pitchFamily="18" charset="0"/>
-                                      </a:rPr>
-                                    </m:ctrlPr>
-                                  </m:sSubPr>
-                                  <m:e>
-                                    <m:r>
-                                      <m:rPr>
-                                        <m:brk m:alnAt="7"/>
-                                      </m:rPr>
-                                      <a:rPr lang="en-US" altLang="ja-JP" sz="2400" b="0" i="1" smtClean="0">
-                                        <a:latin typeface="Cambria Math" panose="02040503050406030204" pitchFamily="18" charset="0"/>
-                                      </a:rPr>
-                                      <m:t>𝑣</m:t>
-                                    </m:r>
-                                  </m:e>
-                                  <m:sub>
-                                    <m:r>
-                                      <m:rPr>
-                                        <m:brk m:alnAt="7"/>
-                                      </m:rPr>
-                                      <a:rPr lang="en-US" altLang="ja-JP" sz="2400" b="0" i="1" smtClean="0">
-                                        <a:latin typeface="Cambria Math" panose="02040503050406030204" pitchFamily="18" charset="0"/>
-                                      </a:rPr>
-                                      <m:t>𝑎</m:t>
-                                    </m:r>
-                                  </m:sub>
-                                </m:sSub>
-                              </m:e>
-                            </m:mr>
-                            <m:mr>
-                              <m:e>
-                                <m:sSub>
-                                  <m:sSubPr>
-                                    <m:ctrlPr>
-                                      <a:rPr lang="en-US" altLang="ja-JP" sz="2400" b="0" i="1" smtClean="0">
-                                        <a:latin typeface="Cambria Math" panose="02040503050406030204" pitchFamily="18" charset="0"/>
-                                      </a:rPr>
-                                    </m:ctrlPr>
-                                  </m:sSubPr>
-                                  <m:e>
-                                    <m:r>
-                                      <a:rPr lang="en-US" altLang="ja-JP" sz="2400" b="0" i="1" smtClean="0">
-                                        <a:latin typeface="Cambria Math" panose="02040503050406030204" pitchFamily="18" charset="0"/>
-                                      </a:rPr>
-                                      <m:t>𝑣</m:t>
-                                    </m:r>
-                                  </m:e>
-                                  <m:sub>
-                                    <m:r>
-                                      <a:rPr lang="en-US" altLang="ja-JP" sz="2400" b="0" i="1" smtClean="0">
-                                        <a:latin typeface="Cambria Math" panose="02040503050406030204" pitchFamily="18" charset="0"/>
-                                      </a:rPr>
-                                      <m:t>𝑏</m:t>
-                                    </m:r>
-                                  </m:sub>
-                                </m:sSub>
-                              </m:e>
-                            </m:mr>
-                            <m:mr>
-                              <m:e>
-                                <m:sSub>
-                                  <m:sSubPr>
-                                    <m:ctrlPr>
-                                      <a:rPr lang="en-US" altLang="ja-JP" sz="2400" b="0" i="1" smtClean="0">
-                                        <a:latin typeface="Cambria Math" panose="02040503050406030204" pitchFamily="18" charset="0"/>
-                                      </a:rPr>
-                                    </m:ctrlPr>
-                                  </m:sSubPr>
-                                  <m:e>
-                                    <m:r>
-                                      <a:rPr lang="en-US" altLang="ja-JP" sz="2400" b="0" i="1" smtClean="0">
-                                        <a:latin typeface="Cambria Math" panose="02040503050406030204" pitchFamily="18" charset="0"/>
-                                      </a:rPr>
-                                      <m:t>h</m:t>
-                                    </m:r>
-                                  </m:e>
-                                  <m:sub>
-                                    <m:r>
-                                      <a:rPr lang="en-US" altLang="ja-JP" sz="2400" b="0" i="1" smtClean="0">
-                                        <a:latin typeface="Cambria Math" panose="02040503050406030204" pitchFamily="18" charset="0"/>
-                                      </a:rPr>
-                                      <m:t>𝑐</m:t>
-                                    </m:r>
-                                  </m:sub>
-                                </m:sSub>
-                              </m:e>
-                            </m:mr>
-                          </m:m>
-                        </m:e>
-                      </m:d>
-                      <m:r>
-                        <a:rPr kumimoji="1" lang="en-US" altLang="ja-JP" sz="2400" b="0" i="1" smtClean="0">
-                          <a:latin typeface="Cambria Math" panose="02040503050406030204" pitchFamily="18" charset="0"/>
-                        </a:rPr>
-                        <m:t>=</m:t>
-                      </m:r>
-                      <m:d>
-                        <m:dPr>
-                          <m:ctrlPr>
-                            <a:rPr lang="en-US" altLang="ja-JP" sz="2400" i="1">
-                              <a:latin typeface="Cambria Math" panose="02040503050406030204" pitchFamily="18" charset="0"/>
-                            </a:rPr>
-                          </m:ctrlPr>
-                        </m:dPr>
-                        <m:e>
-                          <m:m>
-                            <m:mPr>
-                              <m:mcs>
-                                <m:mc>
-                                  <m:mcPr>
-                                    <m:count m:val="1"/>
-                                    <m:mcJc m:val="center"/>
-                                  </m:mcPr>
-                                </m:mc>
-                              </m:mcs>
-                              <m:ctrlPr>
-                                <a:rPr lang="en-US" altLang="ja-JP" sz="2400" i="1">
-                                  <a:latin typeface="Cambria Math" panose="02040503050406030204" pitchFamily="18" charset="0"/>
-                                </a:rPr>
-                              </m:ctrlPr>
-                            </m:mPr>
-                            <m:mr>
-                              <m:e>
-                                <m:r>
-                                  <a:rPr lang="en-US" altLang="ja-JP" sz="2400" b="0" i="1" smtClean="0">
-                                    <a:latin typeface="Cambria Math" panose="02040503050406030204" pitchFamily="18" charset="0"/>
-                                  </a:rPr>
-                                  <m:t>1</m:t>
-                                </m:r>
-                              </m:e>
-                            </m:mr>
-                            <m:mr>
-                              <m:e>
-                                <m:r>
-                                  <a:rPr lang="en-US" altLang="ja-JP" sz="2400" b="0" i="1" smtClean="0">
-                                    <a:latin typeface="Cambria Math" panose="02040503050406030204" pitchFamily="18" charset="0"/>
-                                  </a:rPr>
-                                  <m:t>0</m:t>
-                                </m:r>
-                              </m:e>
-                            </m:mr>
-                            <m:mr>
-                              <m:e>
-                                <m:r>
-                                  <a:rPr lang="en-US" altLang="ja-JP" sz="2400" b="0" i="1" smtClean="0">
-                                    <a:latin typeface="Cambria Math" panose="02040503050406030204" pitchFamily="18" charset="0"/>
-                                  </a:rPr>
-                                  <m:t>1</m:t>
-                                </m:r>
-                              </m:e>
-                            </m:mr>
-                          </m:m>
-                        </m:e>
-                      </m:d>
-                    </m:oMath>
-                  </m:oMathPara>
-                </a14:m>
-                <a:endParaRPr kumimoji="1" lang="ja-JP" altLang="en-US" sz="2400" dirty="0"/>
-              </a:p>
-            </p:txBody>
-          </p:sp>
-        </mc:Choice>
-        <mc:Fallback xmlns="">
-          <p:sp>
-            <p:nvSpPr>
-              <p:cNvPr id="2" name="テキスト ボックス 1">
-                <a:extLst>
-                  <a:ext uri="{FF2B5EF4-FFF2-40B4-BE49-F238E27FC236}">
-                    <a16:creationId xmlns:a16="http://schemas.microsoft.com/office/drawing/2014/main" id="{08AE8EF2-4F82-5550-366D-B290D44F6791}"/>
-                  </a:ext>
-                </a:extLst>
-              </p:cNvPr>
-              <p:cNvSpPr txBox="1">
-                <a:spLocks noRot="1" noChangeAspect="1" noMove="1" noResize="1" noEditPoints="1" noAdjustHandles="1" noChangeArrowheads="1" noChangeShapeType="1" noTextEdit="1"/>
-              </p:cNvSpPr>
-              <p:nvPr/>
-            </p:nvSpPr>
-            <p:spPr>
-              <a:xfrm>
-                <a:off x="3203848" y="2492896"/>
-                <a:ext cx="1706365" cy="995401"/>
-              </a:xfrm>
-              <a:prstGeom prst="rect">
-                <a:avLst/>
-              </a:prstGeom>
-              <a:blipFill>
-                <a:blip r:embed="rId8"/>
-                <a:stretch>
-                  <a:fillRect/>
-                </a:stretch>
-              </a:blipFill>
-            </p:spPr>
-            <p:txBody>
-              <a:bodyPr/>
-              <a:lstStyle/>
-              <a:p>
-                <a:r>
-                  <a:rPr lang="ja-JP" altLang="en-US">
-                    <a:noFill/>
-                  </a:rPr>
-                  <a:t> </a:t>
-                </a:r>
-              </a:p>
-            </p:txBody>
-          </p:sp>
-        </mc:Fallback>
-      </mc:AlternateContent>
-      <p:sp>
-        <p:nvSpPr>
-          <p:cNvPr id="6" name="左大かっこ 5">
-            <a:extLst>
-              <a:ext uri="{FF2B5EF4-FFF2-40B4-BE49-F238E27FC236}">
-                <a16:creationId xmlns:a16="http://schemas.microsoft.com/office/drawing/2014/main" id="{78945CB6-8507-F959-6C90-23FBD58636BB}"/>
-              </a:ext>
-            </a:extLst>
-          </p:cNvPr>
-          <p:cNvSpPr/>
-          <p:nvPr/>
-        </p:nvSpPr>
-        <p:spPr>
-          <a:xfrm>
-            <a:off x="323528" y="1628800"/>
-            <a:ext cx="216024" cy="2808312"/>
-          </a:xfrm>
-          <a:prstGeom prst="leftBracket">
-            <a:avLst/>
-          </a:prstGeom>
-          <a:ln w="9525">
-            <a:solidFill>
-              <a:schemeClr val="tx1"/>
-            </a:solidFill>
-            <a:headEnd type="none"/>
-            <a:tailEnd type="none"/>
-          </a:ln>
-          <a:effectLst/>
-        </p:spPr>
-        <p:style>
-          <a:lnRef idx="2">
-            <a:schemeClr val="accent1"/>
-          </a:lnRef>
-          <a:fillRef idx="0">
-            <a:schemeClr val="accent1"/>
-          </a:fillRef>
-          <a:effectRef idx="1">
-            <a:schemeClr val="accent1"/>
-          </a:effectRef>
-          <a:fontRef idx="minor">
-            <a:schemeClr val="tx1"/>
-          </a:fontRef>
-        </p:style>
-        <p:txBody>
-          <a:bodyPr rtlCol="0" anchor="ctr"/>
-          <a:lstStyle/>
-          <a:p>
-            <a:pPr algn="ctr"/>
-            <a:endParaRPr kumimoji="1" lang="ja-JP" altLang="en-US"/>
-          </a:p>
-        </p:txBody>
-      </p:sp>
-      <p:sp>
-        <p:nvSpPr>
-          <p:cNvPr id="11" name="左大かっこ 10">
-            <a:extLst>
-              <a:ext uri="{FF2B5EF4-FFF2-40B4-BE49-F238E27FC236}">
-                <a16:creationId xmlns:a16="http://schemas.microsoft.com/office/drawing/2014/main" id="{97BAACE3-B2F0-EAFF-7000-8F85F937B17E}"/>
-              </a:ext>
-            </a:extLst>
-          </p:cNvPr>
-          <p:cNvSpPr/>
-          <p:nvPr/>
-        </p:nvSpPr>
-        <p:spPr>
-          <a:xfrm rot="10800000">
-            <a:off x="2123728" y="1556792"/>
-            <a:ext cx="216024" cy="2808312"/>
-          </a:xfrm>
-          <a:prstGeom prst="leftBracket">
-            <a:avLst/>
-          </a:prstGeom>
-          <a:ln w="9525">
-            <a:solidFill>
-              <a:schemeClr val="tx1"/>
-            </a:solidFill>
-            <a:headEnd type="none"/>
-            <a:tailEnd type="none"/>
-          </a:ln>
-          <a:effectLst/>
-        </p:spPr>
-        <p:style>
-          <a:lnRef idx="2">
-            <a:schemeClr val="accent1"/>
-          </a:lnRef>
-          <a:fillRef idx="0">
-            <a:schemeClr val="accent1"/>
-          </a:fillRef>
-          <a:effectRef idx="1">
-            <a:schemeClr val="accent1"/>
-          </a:effectRef>
-          <a:fontRef idx="minor">
-            <a:schemeClr val="tx1"/>
-          </a:fontRef>
-        </p:style>
-        <p:txBody>
-          <a:bodyPr rtlCol="0" anchor="ctr"/>
-          <a:lstStyle/>
-          <a:p>
-            <a:pPr algn="ctr"/>
-            <a:endParaRPr kumimoji="1" lang="ja-JP" altLang="en-US"/>
-          </a:p>
-        </p:txBody>
-      </p:sp>
-      <p:sp>
-        <p:nvSpPr>
-          <p:cNvPr id="8" name="矢印: 右 7">
-            <a:extLst>
-              <a:ext uri="{FF2B5EF4-FFF2-40B4-BE49-F238E27FC236}">
-                <a16:creationId xmlns:a16="http://schemas.microsoft.com/office/drawing/2014/main" id="{F6BE52AE-320E-EBB8-FD81-062D873AE2D0}"/>
-              </a:ext>
-            </a:extLst>
-          </p:cNvPr>
-          <p:cNvSpPr/>
-          <p:nvPr/>
-        </p:nvSpPr>
-        <p:spPr>
-          <a:xfrm>
-            <a:off x="2555776" y="2708920"/>
-            <a:ext cx="504056" cy="556640"/>
-          </a:xfrm>
-          <a:prstGeom prst="rightArrow">
-            <a:avLst/>
-          </a:prstGeom>
-          <a:solidFill>
-            <a:srgbClr val="FF0000"/>
-          </a:solidFill>
-          <a:ln>
-            <a:solidFill>
-              <a:schemeClr val="tx1"/>
-            </a:solidFill>
-          </a:ln>
-        </p:spPr>
-        <p:txBody>
-          <a:bodyPr wrap="square" rtlCol="0" anchor="ctr">
-            <a:spAutoFit/>
-          </a:bodyPr>
-          <a:lstStyle/>
-          <a:p>
-            <a:pPr algn="ctr"/>
-            <a:endParaRPr kumimoji="1" lang="ja-JP" altLang="en-US" sz="2400" dirty="0"/>
-          </a:p>
-        </p:txBody>
-      </p:sp>
-      <p:sp>
-        <p:nvSpPr>
-          <p:cNvPr id="13" name="矢印: 右 12">
-            <a:extLst>
-              <a:ext uri="{FF2B5EF4-FFF2-40B4-BE49-F238E27FC236}">
-                <a16:creationId xmlns:a16="http://schemas.microsoft.com/office/drawing/2014/main" id="{B4855C8A-214D-CD1C-AE68-A65EFFFFF549}"/>
-              </a:ext>
-            </a:extLst>
-          </p:cNvPr>
-          <p:cNvSpPr/>
-          <p:nvPr/>
-        </p:nvSpPr>
-        <p:spPr>
-          <a:xfrm>
-            <a:off x="5004048" y="2708920"/>
-            <a:ext cx="504056" cy="556640"/>
-          </a:xfrm>
-          <a:prstGeom prst="rightArrow">
-            <a:avLst/>
-          </a:prstGeom>
-          <a:solidFill>
-            <a:srgbClr val="FF0000"/>
-          </a:solidFill>
-          <a:ln>
-            <a:solidFill>
-              <a:schemeClr val="tx1"/>
-            </a:solidFill>
-          </a:ln>
-        </p:spPr>
-        <p:txBody>
-          <a:bodyPr wrap="square" rtlCol="0" anchor="ctr">
-            <a:spAutoFit/>
-          </a:bodyPr>
-          <a:lstStyle/>
-          <a:p>
-            <a:pPr algn="ctr"/>
-            <a:endParaRPr kumimoji="1" lang="ja-JP" altLang="en-US" sz="2400" dirty="0"/>
-          </a:p>
-        </p:txBody>
-      </p:sp>
-      <p:sp>
-        <p:nvSpPr>
-          <p:cNvPr id="14" name="矢印: 右 13">
-            <a:extLst>
-              <a:ext uri="{FF2B5EF4-FFF2-40B4-BE49-F238E27FC236}">
-                <a16:creationId xmlns:a16="http://schemas.microsoft.com/office/drawing/2014/main" id="{E7AB4E95-DDB0-9C21-16CD-BE228D60ADBA}"/>
-              </a:ext>
-            </a:extLst>
-          </p:cNvPr>
-          <p:cNvSpPr/>
-          <p:nvPr/>
-        </p:nvSpPr>
-        <p:spPr>
-          <a:xfrm>
-            <a:off x="6876256" y="2708920"/>
-            <a:ext cx="504056" cy="556640"/>
-          </a:xfrm>
-          <a:prstGeom prst="rightArrow">
-            <a:avLst/>
-          </a:prstGeom>
-          <a:solidFill>
-            <a:srgbClr val="FF0000"/>
-          </a:solidFill>
-          <a:ln>
-            <a:solidFill>
-              <a:schemeClr val="tx1"/>
-            </a:solidFill>
-          </a:ln>
-        </p:spPr>
-        <p:txBody>
-          <a:bodyPr wrap="square" rtlCol="0" anchor="ctr">
-            <a:spAutoFit/>
-          </a:bodyPr>
-          <a:lstStyle/>
-          <a:p>
-            <a:pPr algn="ctr"/>
-            <a:endParaRPr kumimoji="1" lang="ja-JP" altLang="en-US" sz="2400" dirty="0"/>
-          </a:p>
-        </p:txBody>
-      </p:sp>
-      <mc:AlternateContent xmlns:mc="http://schemas.openxmlformats.org/markup-compatibility/2006" xmlns:a14="http://schemas.microsoft.com/office/drawing/2010/main">
-        <mc:Choice Requires="a14">
-          <p:sp>
-            <p:nvSpPr>
-              <p:cNvPr id="15" name="テキスト ボックス 14">
-                <a:extLst>
-                  <a:ext uri="{FF2B5EF4-FFF2-40B4-BE49-F238E27FC236}">
-                    <a16:creationId xmlns:a16="http://schemas.microsoft.com/office/drawing/2014/main" id="{A7D1186D-22FA-AD3E-E6D9-097807F8B38E}"/>
-                  </a:ext>
-                </a:extLst>
-              </p:cNvPr>
-              <p:cNvSpPr txBox="1"/>
-              <p:nvPr/>
-            </p:nvSpPr>
-            <p:spPr>
-              <a:xfrm>
-                <a:off x="7668344" y="2636912"/>
-                <a:ext cx="578684" cy="693844"/>
-              </a:xfrm>
-              <a:prstGeom prst="rect">
-                <a:avLst/>
-              </a:prstGeom>
-              <a:noFill/>
-            </p:spPr>
-            <p:txBody>
-              <a:bodyPr wrap="none" lIns="0" tIns="0" rIns="0" bIns="0" rtlCol="0">
-                <a:spAutoFit/>
-              </a:bodyPr>
-              <a:lstStyle/>
-              <a:p>
-                <a:pPr/>
-                <a14:m>
-                  <m:oMathPara xmlns:m="http://schemas.openxmlformats.org/officeDocument/2006/math">
-                    <m:oMathParaPr>
-                      <m:jc m:val="centerGroup"/>
-                    </m:oMathParaPr>
-                    <m:oMath xmlns:m="http://schemas.openxmlformats.org/officeDocument/2006/math">
-                      <m:f>
-                        <m:fPr>
-                          <m:ctrlPr>
-                            <a:rPr kumimoji="1" lang="en-US" altLang="ja-JP" sz="2400" b="0" i="1" smtClean="0">
-                              <a:latin typeface="Cambria Math" panose="02040503050406030204" pitchFamily="18" charset="0"/>
-                            </a:rPr>
-                          </m:ctrlPr>
-                        </m:fPr>
-                        <m:num>
-                          <m:r>
-                            <a:rPr kumimoji="1" lang="en-US" altLang="ja-JP" sz="2400" b="0" i="1" smtClean="0">
-                              <a:latin typeface="Cambria Math" panose="02040503050406030204" pitchFamily="18" charset="0"/>
-                            </a:rPr>
-                            <m:t>1</m:t>
-                          </m:r>
-                        </m:num>
-                        <m:den>
-                          <m:r>
-                            <a:rPr kumimoji="1" lang="en-US" altLang="ja-JP" sz="2400" b="0" i="1" smtClean="0">
-                              <a:latin typeface="Cambria Math" panose="02040503050406030204" pitchFamily="18" charset="0"/>
-                            </a:rPr>
-                            <m:t>113</m:t>
-                          </m:r>
-                        </m:den>
-                      </m:f>
-                    </m:oMath>
-                  </m:oMathPara>
-                </a14:m>
-                <a:endParaRPr kumimoji="1" lang="ja-JP" altLang="en-US" sz="2400" dirty="0"/>
-              </a:p>
-            </p:txBody>
-          </p:sp>
-        </mc:Choice>
-        <mc:Fallback xmlns="">
-          <p:sp>
-            <p:nvSpPr>
-              <p:cNvPr id="15" name="テキスト ボックス 14">
-                <a:extLst>
-                  <a:ext uri="{FF2B5EF4-FFF2-40B4-BE49-F238E27FC236}">
-                    <a16:creationId xmlns:a16="http://schemas.microsoft.com/office/drawing/2014/main" id="{A7D1186D-22FA-AD3E-E6D9-097807F8B38E}"/>
-                  </a:ext>
-                </a:extLst>
-              </p:cNvPr>
-              <p:cNvSpPr txBox="1">
-                <a:spLocks noRot="1" noChangeAspect="1" noMove="1" noResize="1" noEditPoints="1" noAdjustHandles="1" noChangeArrowheads="1" noChangeShapeType="1" noTextEdit="1"/>
-              </p:cNvSpPr>
-              <p:nvPr/>
-            </p:nvSpPr>
-            <p:spPr>
-              <a:xfrm>
-                <a:off x="7668344" y="2636912"/>
-                <a:ext cx="578684" cy="693844"/>
-              </a:xfrm>
-              <a:prstGeom prst="rect">
-                <a:avLst/>
-              </a:prstGeom>
-              <a:blipFill>
-                <a:blip r:embed="rId9"/>
-                <a:stretch>
-                  <a:fillRect/>
-                </a:stretch>
-              </a:blipFill>
-            </p:spPr>
-            <p:txBody>
-              <a:bodyPr/>
-              <a:lstStyle/>
-              <a:p>
-                <a:r>
-                  <a:rPr lang="ja-JP" altLang="en-US">
-                    <a:noFill/>
-                  </a:rPr>
-                  <a:t> </a:t>
-                </a:r>
-              </a:p>
-            </p:txBody>
-          </p:sp>
-        </mc:Fallback>
-      </mc:AlternateContent>
-      <p:pic>
-        <p:nvPicPr>
-          <p:cNvPr id="10" name="図 9">
-            <a:extLst>
-              <a:ext uri="{FF2B5EF4-FFF2-40B4-BE49-F238E27FC236}">
-                <a16:creationId xmlns:a16="http://schemas.microsoft.com/office/drawing/2014/main" id="{E99D4574-F93F-FFD9-7E8C-5A2F73BB0763}"/>
-              </a:ext>
-            </a:extLst>
-          </p:cNvPr>
-          <p:cNvPicPr>
-            <a:picLocks noChangeAspect="1"/>
-          </p:cNvPicPr>
-          <p:nvPr/>
-        </p:nvPicPr>
-        <p:blipFill>
-          <a:blip r:embed="rId10"/>
-          <a:stretch>
-            <a:fillRect/>
-          </a:stretch>
-        </p:blipFill>
-        <p:spPr>
-          <a:xfrm>
-            <a:off x="6516216" y="836712"/>
-            <a:ext cx="1080120" cy="1102089"/>
-          </a:xfrm>
-          <a:prstGeom prst="rect">
-            <a:avLst/>
-          </a:prstGeom>
-        </p:spPr>
-      </p:pic>
-      <p:sp>
-        <p:nvSpPr>
-          <p:cNvPr id="16" name="思考の吹き出し: 雲形 15">
-            <a:extLst>
-              <a:ext uri="{FF2B5EF4-FFF2-40B4-BE49-F238E27FC236}">
-                <a16:creationId xmlns:a16="http://schemas.microsoft.com/office/drawing/2014/main" id="{5402D0B8-E8E6-11E4-9340-91FE47323E9D}"/>
-              </a:ext>
-            </a:extLst>
-          </p:cNvPr>
-          <p:cNvSpPr/>
-          <p:nvPr/>
-        </p:nvSpPr>
-        <p:spPr>
-          <a:xfrm>
-            <a:off x="6156176" y="764704"/>
-            <a:ext cx="1800200" cy="1440160"/>
-          </a:xfrm>
-          <a:prstGeom prst="cloudCallout">
-            <a:avLst>
-              <a:gd name="adj1" fmla="val -32945"/>
-              <a:gd name="adj2" fmla="val 60800"/>
-            </a:avLst>
-          </a:prstGeom>
-          <a:ln>
-            <a:solidFill>
-              <a:schemeClr val="tx1"/>
-            </a:solidFill>
-          </a:ln>
-        </p:spPr>
-        <p:txBody>
-          <a:bodyPr wrap="square" rtlCol="0" anchor="ctr">
-            <a:spAutoFit/>
-          </a:bodyPr>
-          <a:lstStyle/>
-          <a:p>
-            <a:pPr algn="ctr"/>
-            <a:endParaRPr kumimoji="1" lang="ja-JP" altLang="en-US" sz="2400" dirty="0"/>
-          </a:p>
-        </p:txBody>
-      </p:sp>
-    </p:spTree>
-    <p:extLst>
-      <p:ext uri="{BB962C8B-B14F-4D97-AF65-F5344CB8AC3E}">
-        <p14:creationId xmlns:p14="http://schemas.microsoft.com/office/powerpoint/2010/main" val="1135671542"/>
       </p:ext>
     </p:extLst>
   </p:cSld>
